--- a/Презентация к проекту.pptx
+++ b/Презентация к проекту.pptx
@@ -1,15 +1,17 @@
 
 <file path=ppt/presentation.xml><?xml version="1.0" encoding="utf-8"?>
-<p:presentation xmlns:a="http://schemas.openxmlformats.org/drawingml/2006/main" xmlns:r="http://schemas.openxmlformats.org/officeDocument/2006/relationships" xmlns:p="http://schemas.openxmlformats.org/presentationml/2006/main">
+<p:presentation xmlns:a="http://schemas.openxmlformats.org/drawingml/2006/main" xmlns:r="http://schemas.openxmlformats.org/officeDocument/2006/relationships" xmlns:p="http://schemas.openxmlformats.org/presentationml/2006/main" saveSubsetFonts="1">
   <p:sldMasterIdLst>
     <p:sldMasterId id="2147483648" r:id="rId1"/>
   </p:sldMasterIdLst>
   <p:sldIdLst>
-    <p:sldId id="256" r:id="rId3"/>
-    <p:sldId id="258" r:id="rId4"/>
-    <p:sldId id="257" r:id="rId5"/>
-    <p:sldId id="260" r:id="rId6"/>
-    <p:sldId id="259" r:id="rId7"/>
+    <p:sldId id="256" r:id="rId2"/>
+    <p:sldId id="258" r:id="rId3"/>
+    <p:sldId id="257" r:id="rId4"/>
+    <p:sldId id="260" r:id="rId5"/>
+    <p:sldId id="261" r:id="rId6"/>
+    <p:sldId id="262" r:id="rId7"/>
+    <p:sldId id="259" r:id="rId8"/>
   </p:sldIdLst>
   <p:sldSz cx="12192000" cy="6858000"/>
   <p:notesSz cx="6858000" cy="9144000"/>
@@ -108,6 +110,11 @@
       </a:defRPr>
     </a:lvl9pPr>
   </p:defaultTextStyle>
+  <p:extLst>
+    <p:ext uri="{EFAFB233-063F-42B5-8137-9DF3F51BA10A}">
+      <p15:sldGuideLst xmlns:p15="http://schemas.microsoft.com/office/powerpoint/2012/main"/>
+    </p:ext>
+  </p:extLst>
 </p:presentation>
 </file>
 
@@ -242,6 +249,7 @@
           <a:p>
             <a:fld id="{A1BB1353-7414-4C7C-B467-AB6E971D7B02}" type="datetimeFigureOut">
               <a:rPr lang="ru-RU" smtClean="0"/>
+              <a:t>12.05.2025</a:t>
             </a:fld>
             <a:endParaRPr lang="ru-RU"/>
           </a:p>
@@ -283,12 +291,18 @@
           <a:p>
             <a:fld id="{DC6B2086-0373-4208-9DC1-0D098AC2161C}" type="slidenum">
               <a:rPr lang="ru-RU" smtClean="0"/>
+              <a:t>‹#›</a:t>
             </a:fld>
             <a:endParaRPr lang="ru-RU"/>
           </a:p>
         </p:txBody>
       </p:sp>
     </p:spTree>
+    <p:extLst>
+      <p:ext uri="{BB962C8B-B14F-4D97-AF65-F5344CB8AC3E}">
+        <p14:creationId xmlns:p14="http://schemas.microsoft.com/office/powerpoint/2010/main" val="2564280241"/>
+      </p:ext>
+    </p:extLst>
   </p:cSld>
   <p:clrMapOvr>
     <a:masterClrMapping/>
@@ -356,7 +370,6 @@
               <a:rPr lang="ru-RU" smtClean="0"/>
               <a:t>Образец текста</a:t>
             </a:r>
-            <a:endParaRPr lang="ru-RU" smtClean="0"/>
           </a:p>
           <a:p>
             <a:pPr lvl="1"/>
@@ -364,7 +377,6 @@
               <a:rPr lang="ru-RU" smtClean="0"/>
               <a:t>Второй уровень</a:t>
             </a:r>
-            <a:endParaRPr lang="ru-RU" smtClean="0"/>
           </a:p>
           <a:p>
             <a:pPr lvl="2"/>
@@ -372,7 +384,6 @@
               <a:rPr lang="ru-RU" smtClean="0"/>
               <a:t>Третий уровень</a:t>
             </a:r>
-            <a:endParaRPr lang="ru-RU" smtClean="0"/>
           </a:p>
           <a:p>
             <a:pPr lvl="3"/>
@@ -380,7 +391,6 @@
               <a:rPr lang="ru-RU" smtClean="0"/>
               <a:t>Четвертый уровень</a:t>
             </a:r>
-            <a:endParaRPr lang="ru-RU" smtClean="0"/>
           </a:p>
           <a:p>
             <a:pPr lvl="4"/>
@@ -409,6 +419,7 @@
           <a:p>
             <a:fld id="{A1BB1353-7414-4C7C-B467-AB6E971D7B02}" type="datetimeFigureOut">
               <a:rPr lang="ru-RU" smtClean="0"/>
+              <a:t>12.05.2025</a:t>
             </a:fld>
             <a:endParaRPr lang="ru-RU"/>
           </a:p>
@@ -450,12 +461,18 @@
           <a:p>
             <a:fld id="{DC6B2086-0373-4208-9DC1-0D098AC2161C}" type="slidenum">
               <a:rPr lang="ru-RU" smtClean="0"/>
+              <a:t>‹#›</a:t>
             </a:fld>
             <a:endParaRPr lang="ru-RU"/>
           </a:p>
         </p:txBody>
       </p:sp>
     </p:spTree>
+    <p:extLst>
+      <p:ext uri="{BB962C8B-B14F-4D97-AF65-F5344CB8AC3E}">
+        <p14:creationId xmlns:p14="http://schemas.microsoft.com/office/powerpoint/2010/main" val="2125835643"/>
+      </p:ext>
+    </p:extLst>
   </p:cSld>
   <p:clrMapOvr>
     <a:masterClrMapping/>
@@ -533,7 +550,6 @@
               <a:rPr lang="ru-RU" smtClean="0"/>
               <a:t>Образец текста</a:t>
             </a:r>
-            <a:endParaRPr lang="ru-RU" smtClean="0"/>
           </a:p>
           <a:p>
             <a:pPr lvl="1"/>
@@ -541,7 +557,6 @@
               <a:rPr lang="ru-RU" smtClean="0"/>
               <a:t>Второй уровень</a:t>
             </a:r>
-            <a:endParaRPr lang="ru-RU" smtClean="0"/>
           </a:p>
           <a:p>
             <a:pPr lvl="2"/>
@@ -549,7 +564,6 @@
               <a:rPr lang="ru-RU" smtClean="0"/>
               <a:t>Третий уровень</a:t>
             </a:r>
-            <a:endParaRPr lang="ru-RU" smtClean="0"/>
           </a:p>
           <a:p>
             <a:pPr lvl="3"/>
@@ -557,7 +571,6 @@
               <a:rPr lang="ru-RU" smtClean="0"/>
               <a:t>Четвертый уровень</a:t>
             </a:r>
-            <a:endParaRPr lang="ru-RU" smtClean="0"/>
           </a:p>
           <a:p>
             <a:pPr lvl="4"/>
@@ -586,6 +599,7 @@
           <a:p>
             <a:fld id="{A1BB1353-7414-4C7C-B467-AB6E971D7B02}" type="datetimeFigureOut">
               <a:rPr lang="ru-RU" smtClean="0"/>
+              <a:t>12.05.2025</a:t>
             </a:fld>
             <a:endParaRPr lang="ru-RU"/>
           </a:p>
@@ -627,12 +641,18 @@
           <a:p>
             <a:fld id="{DC6B2086-0373-4208-9DC1-0D098AC2161C}" type="slidenum">
               <a:rPr lang="ru-RU" smtClean="0"/>
+              <a:t>‹#›</a:t>
             </a:fld>
             <a:endParaRPr lang="ru-RU"/>
           </a:p>
         </p:txBody>
       </p:sp>
     </p:spTree>
+    <p:extLst>
+      <p:ext uri="{BB962C8B-B14F-4D97-AF65-F5344CB8AC3E}">
+        <p14:creationId xmlns:p14="http://schemas.microsoft.com/office/powerpoint/2010/main" val="910670002"/>
+      </p:ext>
+    </p:extLst>
   </p:cSld>
   <p:clrMapOvr>
     <a:masterClrMapping/>
@@ -700,7 +720,6 @@
               <a:rPr lang="ru-RU" smtClean="0"/>
               <a:t>Образец текста</a:t>
             </a:r>
-            <a:endParaRPr lang="ru-RU" smtClean="0"/>
           </a:p>
           <a:p>
             <a:pPr lvl="1"/>
@@ -708,7 +727,6 @@
               <a:rPr lang="ru-RU" smtClean="0"/>
               <a:t>Второй уровень</a:t>
             </a:r>
-            <a:endParaRPr lang="ru-RU" smtClean="0"/>
           </a:p>
           <a:p>
             <a:pPr lvl="2"/>
@@ -716,7 +734,6 @@
               <a:rPr lang="ru-RU" smtClean="0"/>
               <a:t>Третий уровень</a:t>
             </a:r>
-            <a:endParaRPr lang="ru-RU" smtClean="0"/>
           </a:p>
           <a:p>
             <a:pPr lvl="3"/>
@@ -724,7 +741,6 @@
               <a:rPr lang="ru-RU" smtClean="0"/>
               <a:t>Четвертый уровень</a:t>
             </a:r>
-            <a:endParaRPr lang="ru-RU" smtClean="0"/>
           </a:p>
           <a:p>
             <a:pPr lvl="4"/>
@@ -753,6 +769,7 @@
           <a:p>
             <a:fld id="{A1BB1353-7414-4C7C-B467-AB6E971D7B02}" type="datetimeFigureOut">
               <a:rPr lang="ru-RU" smtClean="0"/>
+              <a:t>12.05.2025</a:t>
             </a:fld>
             <a:endParaRPr lang="ru-RU"/>
           </a:p>
@@ -794,12 +811,18 @@
           <a:p>
             <a:fld id="{DC6B2086-0373-4208-9DC1-0D098AC2161C}" type="slidenum">
               <a:rPr lang="ru-RU" smtClean="0"/>
+              <a:t>‹#›</a:t>
             </a:fld>
             <a:endParaRPr lang="ru-RU"/>
           </a:p>
         </p:txBody>
       </p:sp>
     </p:spTree>
+    <p:extLst>
+      <p:ext uri="{BB962C8B-B14F-4D97-AF65-F5344CB8AC3E}">
+        <p14:creationId xmlns:p14="http://schemas.microsoft.com/office/powerpoint/2010/main" val="2648908335"/>
+      </p:ext>
+    </p:extLst>
   </p:cSld>
   <p:clrMapOvr>
     <a:masterClrMapping/>
@@ -972,7 +995,6 @@
               <a:rPr lang="ru-RU" smtClean="0"/>
               <a:t>Образец текста</a:t>
             </a:r>
-            <a:endParaRPr lang="ru-RU" smtClean="0"/>
           </a:p>
         </p:txBody>
       </p:sp>
@@ -993,6 +1015,7 @@
           <a:p>
             <a:fld id="{A1BB1353-7414-4C7C-B467-AB6E971D7B02}" type="datetimeFigureOut">
               <a:rPr lang="ru-RU" smtClean="0"/>
+              <a:t>12.05.2025</a:t>
             </a:fld>
             <a:endParaRPr lang="ru-RU"/>
           </a:p>
@@ -1034,12 +1057,18 @@
           <a:p>
             <a:fld id="{DC6B2086-0373-4208-9DC1-0D098AC2161C}" type="slidenum">
               <a:rPr lang="ru-RU" smtClean="0"/>
+              <a:t>‹#›</a:t>
             </a:fld>
             <a:endParaRPr lang="ru-RU"/>
           </a:p>
         </p:txBody>
       </p:sp>
     </p:spTree>
+    <p:extLst>
+      <p:ext uri="{BB962C8B-B14F-4D97-AF65-F5344CB8AC3E}">
+        <p14:creationId xmlns:p14="http://schemas.microsoft.com/office/powerpoint/2010/main" val="1136604669"/>
+      </p:ext>
+    </p:extLst>
   </p:cSld>
   <p:clrMapOvr>
     <a:masterClrMapping/>
@@ -1112,7 +1141,6 @@
               <a:rPr lang="ru-RU" smtClean="0"/>
               <a:t>Образец текста</a:t>
             </a:r>
-            <a:endParaRPr lang="ru-RU" smtClean="0"/>
           </a:p>
           <a:p>
             <a:pPr lvl="1"/>
@@ -1120,7 +1148,6 @@
               <a:rPr lang="ru-RU" smtClean="0"/>
               <a:t>Второй уровень</a:t>
             </a:r>
-            <a:endParaRPr lang="ru-RU" smtClean="0"/>
           </a:p>
           <a:p>
             <a:pPr lvl="2"/>
@@ -1128,7 +1155,6 @@
               <a:rPr lang="ru-RU" smtClean="0"/>
               <a:t>Третий уровень</a:t>
             </a:r>
-            <a:endParaRPr lang="ru-RU" smtClean="0"/>
           </a:p>
           <a:p>
             <a:pPr lvl="3"/>
@@ -1136,7 +1162,6 @@
               <a:rPr lang="ru-RU" smtClean="0"/>
               <a:t>Четвертый уровень</a:t>
             </a:r>
-            <a:endParaRPr lang="ru-RU" smtClean="0"/>
           </a:p>
           <a:p>
             <a:pPr lvl="4"/>
@@ -1173,7 +1198,6 @@
               <a:rPr lang="ru-RU" smtClean="0"/>
               <a:t>Образец текста</a:t>
             </a:r>
-            <a:endParaRPr lang="ru-RU" smtClean="0"/>
           </a:p>
           <a:p>
             <a:pPr lvl="1"/>
@@ -1181,7 +1205,6 @@
               <a:rPr lang="ru-RU" smtClean="0"/>
               <a:t>Второй уровень</a:t>
             </a:r>
-            <a:endParaRPr lang="ru-RU" smtClean="0"/>
           </a:p>
           <a:p>
             <a:pPr lvl="2"/>
@@ -1189,7 +1212,6 @@
               <a:rPr lang="ru-RU" smtClean="0"/>
               <a:t>Третий уровень</a:t>
             </a:r>
-            <a:endParaRPr lang="ru-RU" smtClean="0"/>
           </a:p>
           <a:p>
             <a:pPr lvl="3"/>
@@ -1197,7 +1219,6 @@
               <a:rPr lang="ru-RU" smtClean="0"/>
               <a:t>Четвертый уровень</a:t>
             </a:r>
-            <a:endParaRPr lang="ru-RU" smtClean="0"/>
           </a:p>
           <a:p>
             <a:pPr lvl="4"/>
@@ -1226,6 +1247,7 @@
           <a:p>
             <a:fld id="{A1BB1353-7414-4C7C-B467-AB6E971D7B02}" type="datetimeFigureOut">
               <a:rPr lang="ru-RU" smtClean="0"/>
+              <a:t>12.05.2025</a:t>
             </a:fld>
             <a:endParaRPr lang="ru-RU"/>
           </a:p>
@@ -1267,12 +1289,18 @@
           <a:p>
             <a:fld id="{DC6B2086-0373-4208-9DC1-0D098AC2161C}" type="slidenum">
               <a:rPr lang="ru-RU" smtClean="0"/>
+              <a:t>‹#›</a:t>
             </a:fld>
             <a:endParaRPr lang="ru-RU"/>
           </a:p>
         </p:txBody>
       </p:sp>
     </p:spTree>
+    <p:extLst>
+      <p:ext uri="{BB962C8B-B14F-4D97-AF65-F5344CB8AC3E}">
+        <p14:creationId xmlns:p14="http://schemas.microsoft.com/office/powerpoint/2010/main" val="76185456"/>
+      </p:ext>
+    </p:extLst>
   </p:cSld>
   <p:clrMapOvr>
     <a:masterClrMapping/>
@@ -1387,7 +1415,6 @@
               <a:rPr lang="ru-RU" smtClean="0"/>
               <a:t>Образец текста</a:t>
             </a:r>
-            <a:endParaRPr lang="ru-RU" smtClean="0"/>
           </a:p>
         </p:txBody>
       </p:sp>
@@ -1416,7 +1443,6 @@
               <a:rPr lang="ru-RU" smtClean="0"/>
               <a:t>Образец текста</a:t>
             </a:r>
-            <a:endParaRPr lang="ru-RU" smtClean="0"/>
           </a:p>
           <a:p>
             <a:pPr lvl="1"/>
@@ -1424,7 +1450,6 @@
               <a:rPr lang="ru-RU" smtClean="0"/>
               <a:t>Второй уровень</a:t>
             </a:r>
-            <a:endParaRPr lang="ru-RU" smtClean="0"/>
           </a:p>
           <a:p>
             <a:pPr lvl="2"/>
@@ -1432,7 +1457,6 @@
               <a:rPr lang="ru-RU" smtClean="0"/>
               <a:t>Третий уровень</a:t>
             </a:r>
-            <a:endParaRPr lang="ru-RU" smtClean="0"/>
           </a:p>
           <a:p>
             <a:pPr lvl="3"/>
@@ -1440,7 +1464,6 @@
               <a:rPr lang="ru-RU" smtClean="0"/>
               <a:t>Четвертый уровень</a:t>
             </a:r>
-            <a:endParaRPr lang="ru-RU" smtClean="0"/>
           </a:p>
           <a:p>
             <a:pPr lvl="4"/>
@@ -1514,7 +1537,6 @@
               <a:rPr lang="ru-RU" smtClean="0"/>
               <a:t>Образец текста</a:t>
             </a:r>
-            <a:endParaRPr lang="ru-RU" smtClean="0"/>
           </a:p>
         </p:txBody>
       </p:sp>
@@ -1543,7 +1565,6 @@
               <a:rPr lang="ru-RU" smtClean="0"/>
               <a:t>Образец текста</a:t>
             </a:r>
-            <a:endParaRPr lang="ru-RU" smtClean="0"/>
           </a:p>
           <a:p>
             <a:pPr lvl="1"/>
@@ -1551,7 +1572,6 @@
               <a:rPr lang="ru-RU" smtClean="0"/>
               <a:t>Второй уровень</a:t>
             </a:r>
-            <a:endParaRPr lang="ru-RU" smtClean="0"/>
           </a:p>
           <a:p>
             <a:pPr lvl="2"/>
@@ -1559,7 +1579,6 @@
               <a:rPr lang="ru-RU" smtClean="0"/>
               <a:t>Третий уровень</a:t>
             </a:r>
-            <a:endParaRPr lang="ru-RU" smtClean="0"/>
           </a:p>
           <a:p>
             <a:pPr lvl="3"/>
@@ -1567,7 +1586,6 @@
               <a:rPr lang="ru-RU" smtClean="0"/>
               <a:t>Четвертый уровень</a:t>
             </a:r>
-            <a:endParaRPr lang="ru-RU" smtClean="0"/>
           </a:p>
           <a:p>
             <a:pPr lvl="4"/>
@@ -1596,6 +1614,7 @@
           <a:p>
             <a:fld id="{A1BB1353-7414-4C7C-B467-AB6E971D7B02}" type="datetimeFigureOut">
               <a:rPr lang="ru-RU" smtClean="0"/>
+              <a:t>12.05.2025</a:t>
             </a:fld>
             <a:endParaRPr lang="ru-RU"/>
           </a:p>
@@ -1637,12 +1656,18 @@
           <a:p>
             <a:fld id="{DC6B2086-0373-4208-9DC1-0D098AC2161C}" type="slidenum">
               <a:rPr lang="ru-RU" smtClean="0"/>
+              <a:t>‹#›</a:t>
             </a:fld>
             <a:endParaRPr lang="ru-RU"/>
           </a:p>
         </p:txBody>
       </p:sp>
     </p:spTree>
+    <p:extLst>
+      <p:ext uri="{BB962C8B-B14F-4D97-AF65-F5344CB8AC3E}">
+        <p14:creationId xmlns:p14="http://schemas.microsoft.com/office/powerpoint/2010/main" val="2695562447"/>
+      </p:ext>
+    </p:extLst>
   </p:cSld>
   <p:clrMapOvr>
     <a:masterClrMapping/>
@@ -1707,6 +1732,7 @@
           <a:p>
             <a:fld id="{A1BB1353-7414-4C7C-B467-AB6E971D7B02}" type="datetimeFigureOut">
               <a:rPr lang="ru-RU" smtClean="0"/>
+              <a:t>12.05.2025</a:t>
             </a:fld>
             <a:endParaRPr lang="ru-RU"/>
           </a:p>
@@ -1748,12 +1774,18 @@
           <a:p>
             <a:fld id="{DC6B2086-0373-4208-9DC1-0D098AC2161C}" type="slidenum">
               <a:rPr lang="ru-RU" smtClean="0"/>
+              <a:t>‹#›</a:t>
             </a:fld>
             <a:endParaRPr lang="ru-RU"/>
           </a:p>
         </p:txBody>
       </p:sp>
     </p:spTree>
+    <p:extLst>
+      <p:ext uri="{BB962C8B-B14F-4D97-AF65-F5344CB8AC3E}">
+        <p14:creationId xmlns:p14="http://schemas.microsoft.com/office/powerpoint/2010/main" val="2942663304"/>
+      </p:ext>
+    </p:extLst>
   </p:cSld>
   <p:clrMapOvr>
     <a:masterClrMapping/>
@@ -1795,6 +1827,7 @@
           <a:p>
             <a:fld id="{A1BB1353-7414-4C7C-B467-AB6E971D7B02}" type="datetimeFigureOut">
               <a:rPr lang="ru-RU" smtClean="0"/>
+              <a:t>12.05.2025</a:t>
             </a:fld>
             <a:endParaRPr lang="ru-RU"/>
           </a:p>
@@ -1836,12 +1869,18 @@
           <a:p>
             <a:fld id="{DC6B2086-0373-4208-9DC1-0D098AC2161C}" type="slidenum">
               <a:rPr lang="ru-RU" smtClean="0"/>
+              <a:t>‹#›</a:t>
             </a:fld>
             <a:endParaRPr lang="ru-RU"/>
           </a:p>
         </p:txBody>
       </p:sp>
     </p:spTree>
+    <p:extLst>
+      <p:ext uri="{BB962C8B-B14F-4D97-AF65-F5344CB8AC3E}">
+        <p14:creationId xmlns:p14="http://schemas.microsoft.com/office/powerpoint/2010/main" val="928830682"/>
+      </p:ext>
+    </p:extLst>
   </p:cSld>
   <p:clrMapOvr>
     <a:masterClrMapping/>
@@ -1951,7 +1990,6 @@
               <a:rPr lang="ru-RU" smtClean="0"/>
               <a:t>Образец текста</a:t>
             </a:r>
-            <a:endParaRPr lang="ru-RU" smtClean="0"/>
           </a:p>
           <a:p>
             <a:pPr lvl="1"/>
@@ -1959,7 +1997,6 @@
               <a:rPr lang="ru-RU" smtClean="0"/>
               <a:t>Второй уровень</a:t>
             </a:r>
-            <a:endParaRPr lang="ru-RU" smtClean="0"/>
           </a:p>
           <a:p>
             <a:pPr lvl="2"/>
@@ -1967,7 +2004,6 @@
               <a:rPr lang="ru-RU" smtClean="0"/>
               <a:t>Третий уровень</a:t>
             </a:r>
-            <a:endParaRPr lang="ru-RU" smtClean="0"/>
           </a:p>
           <a:p>
             <a:pPr lvl="3"/>
@@ -1975,7 +2011,6 @@
               <a:rPr lang="ru-RU" smtClean="0"/>
               <a:t>Четвертый уровень</a:t>
             </a:r>
-            <a:endParaRPr lang="ru-RU" smtClean="0"/>
           </a:p>
           <a:p>
             <a:pPr lvl="4"/>
@@ -2049,7 +2084,6 @@
               <a:rPr lang="ru-RU" smtClean="0"/>
               <a:t>Образец текста</a:t>
             </a:r>
-            <a:endParaRPr lang="ru-RU" smtClean="0"/>
           </a:p>
         </p:txBody>
       </p:sp>
@@ -2070,6 +2104,7 @@
           <a:p>
             <a:fld id="{A1BB1353-7414-4C7C-B467-AB6E971D7B02}" type="datetimeFigureOut">
               <a:rPr lang="ru-RU" smtClean="0"/>
+              <a:t>12.05.2025</a:t>
             </a:fld>
             <a:endParaRPr lang="ru-RU"/>
           </a:p>
@@ -2111,12 +2146,18 @@
           <a:p>
             <a:fld id="{DC6B2086-0373-4208-9DC1-0D098AC2161C}" type="slidenum">
               <a:rPr lang="ru-RU" smtClean="0"/>
+              <a:t>‹#›</a:t>
             </a:fld>
             <a:endParaRPr lang="ru-RU"/>
           </a:p>
         </p:txBody>
       </p:sp>
     </p:spTree>
+    <p:extLst>
+      <p:ext uri="{BB962C8B-B14F-4D97-AF65-F5344CB8AC3E}">
+        <p14:creationId xmlns:p14="http://schemas.microsoft.com/office/powerpoint/2010/main" val="3612842313"/>
+      </p:ext>
+    </p:extLst>
   </p:cSld>
   <p:clrMapOvr>
     <a:masterClrMapping/>
@@ -2296,7 +2337,6 @@
               <a:rPr lang="ru-RU" smtClean="0"/>
               <a:t>Образец текста</a:t>
             </a:r>
-            <a:endParaRPr lang="ru-RU" smtClean="0"/>
           </a:p>
         </p:txBody>
       </p:sp>
@@ -2317,6 +2357,7 @@
           <a:p>
             <a:fld id="{A1BB1353-7414-4C7C-B467-AB6E971D7B02}" type="datetimeFigureOut">
               <a:rPr lang="ru-RU" smtClean="0"/>
+              <a:t>12.05.2025</a:t>
             </a:fld>
             <a:endParaRPr lang="ru-RU"/>
           </a:p>
@@ -2358,12 +2399,18 @@
           <a:p>
             <a:fld id="{DC6B2086-0373-4208-9DC1-0D098AC2161C}" type="slidenum">
               <a:rPr lang="ru-RU" smtClean="0"/>
+              <a:t>‹#›</a:t>
             </a:fld>
             <a:endParaRPr lang="ru-RU"/>
           </a:p>
         </p:txBody>
       </p:sp>
     </p:spTree>
+    <p:extLst>
+      <p:ext uri="{BB962C8B-B14F-4D97-AF65-F5344CB8AC3E}">
+        <p14:creationId xmlns:p14="http://schemas.microsoft.com/office/powerpoint/2010/main" val="3547365043"/>
+      </p:ext>
+    </p:extLst>
   </p:cSld>
   <p:clrMapOvr>
     <a:masterClrMapping/>
@@ -2456,7 +2503,6 @@
               <a:rPr lang="ru-RU" smtClean="0"/>
               <a:t>Образец текста</a:t>
             </a:r>
-            <a:endParaRPr lang="ru-RU" smtClean="0"/>
           </a:p>
           <a:p>
             <a:pPr lvl="1"/>
@@ -2464,7 +2510,6 @@
               <a:rPr lang="ru-RU" smtClean="0"/>
               <a:t>Второй уровень</a:t>
             </a:r>
-            <a:endParaRPr lang="ru-RU" smtClean="0"/>
           </a:p>
           <a:p>
             <a:pPr lvl="2"/>
@@ -2472,7 +2517,6 @@
               <a:rPr lang="ru-RU" smtClean="0"/>
               <a:t>Третий уровень</a:t>
             </a:r>
-            <a:endParaRPr lang="ru-RU" smtClean="0"/>
           </a:p>
           <a:p>
             <a:pPr lvl="3"/>
@@ -2480,7 +2524,6 @@
               <a:rPr lang="ru-RU" smtClean="0"/>
               <a:t>Четвертый уровень</a:t>
             </a:r>
-            <a:endParaRPr lang="ru-RU" smtClean="0"/>
           </a:p>
           <a:p>
             <a:pPr lvl="4"/>
@@ -2527,6 +2570,7 @@
           <a:p>
             <a:fld id="{A1BB1353-7414-4C7C-B467-AB6E971D7B02}" type="datetimeFigureOut">
               <a:rPr lang="ru-RU" smtClean="0"/>
+              <a:t>12.05.2025</a:t>
             </a:fld>
             <a:endParaRPr lang="ru-RU"/>
           </a:p>
@@ -2604,12 +2648,18 @@
           <a:p>
             <a:fld id="{DC6B2086-0373-4208-9DC1-0D098AC2161C}" type="slidenum">
               <a:rPr lang="ru-RU" smtClean="0"/>
+              <a:t>‹#›</a:t>
             </a:fld>
             <a:endParaRPr lang="ru-RU"/>
           </a:p>
         </p:txBody>
       </p:sp>
     </p:spTree>
+    <p:extLst>
+      <p:ext uri="{BB962C8B-B14F-4D97-AF65-F5344CB8AC3E}">
+        <p14:creationId xmlns:p14="http://schemas.microsoft.com/office/powerpoint/2010/main" val="2033115941"/>
+      </p:ext>
+    </p:extLst>
   </p:cSld>
   <p:clrMap bg1="lt1" tx1="dk1" bg2="lt2" tx2="dk2" accent1="accent1" accent2="accent2" accent3="accent3" accent4="accent4" accent5="accent5" accent6="accent6" hlink="hlink" folHlink="folHlink"/>
   <p:sldLayoutIdLst>
@@ -3018,6 +3068,11 @@
         </p:txBody>
       </p:sp>
     </p:spTree>
+    <p:extLst>
+      <p:ext uri="{BB962C8B-B14F-4D97-AF65-F5344CB8AC3E}">
+        <p14:creationId xmlns:p14="http://schemas.microsoft.com/office/powerpoint/2010/main" val="1356357331"/>
+      </p:ext>
+    </p:extLst>
   </p:cSld>
   <p:clrMapOvr>
     <a:masterClrMapping/>
@@ -3078,7 +3133,7 @@
           <p:nvPr/>
         </p:nvPicPr>
         <p:blipFill>
-          <a:blip r:embed="rId1" cstate="print">
+          <a:blip r:embed="rId2" cstate="print">
             <a:extLst>
               <a:ext uri="{28A0092B-C50C-407E-A947-70E740481C1C}">
                 <a14:useLocalDpi xmlns:a14="http://schemas.microsoft.com/office/drawing/2010/main" val="0"/>
@@ -3140,10 +3195,6 @@
               </a:rPr>
               <a:t> представлен код и файл с</a:t>
             </a:r>
-            <a:endParaRPr lang="ru-RU" dirty="0" smtClean="0">
-              <a:latin typeface="Arial" panose="020B0604020202020204" pitchFamily="34" charset="0"/>
-              <a:cs typeface="Arial" panose="020B0604020202020204" pitchFamily="34" charset="0"/>
-            </a:endParaRPr>
           </a:p>
           <a:p>
             <a:pPr marL="0" indent="0">
@@ -3156,10 +3207,6 @@
               </a:rPr>
               <a:t> возможными блюдами </a:t>
             </a:r>
-            <a:endParaRPr lang="ru-RU" dirty="0" smtClean="0">
-              <a:latin typeface="Arial" panose="020B0604020202020204" pitchFamily="34" charset="0"/>
-              <a:cs typeface="Arial" panose="020B0604020202020204" pitchFamily="34" charset="0"/>
-            </a:endParaRPr>
           </a:p>
           <a:p>
             <a:pPr marL="0" indent="0">
@@ -3172,10 +3219,6 @@
               </a:rPr>
               <a:t>(для корректной работы нужно добавить </a:t>
             </a:r>
-            <a:endParaRPr lang="ru-RU" dirty="0" smtClean="0">
-              <a:latin typeface="Arial" panose="020B0604020202020204" pitchFamily="34" charset="0"/>
-              <a:cs typeface="Arial" panose="020B0604020202020204" pitchFamily="34" charset="0"/>
-            </a:endParaRPr>
           </a:p>
           <a:p>
             <a:pPr marL="0" indent="0">
@@ -3210,6 +3253,11 @@
         </p:txBody>
       </p:sp>
     </p:spTree>
+    <p:extLst>
+      <p:ext uri="{BB962C8B-B14F-4D97-AF65-F5344CB8AC3E}">
+        <p14:creationId xmlns:p14="http://schemas.microsoft.com/office/powerpoint/2010/main" val="2071061197"/>
+      </p:ext>
+    </p:extLst>
   </p:cSld>
   <p:clrMapOvr>
     <a:masterClrMapping/>
@@ -3295,29 +3343,12 @@
           </a:p>
         </p:txBody>
       </p:sp>
-      <p:pic>
-        <p:nvPicPr>
-          <p:cNvPr id="4" name="Изображение 3"/>
-          <p:cNvPicPr/>
-          <p:nvPr/>
-        </p:nvPicPr>
-        <p:blipFill>
-          <a:blip r:embed="rId1"/>
-          <a:stretch>
-            <a:fillRect/>
-          </a:stretch>
-        </p:blipFill>
-        <p:spPr>
-          <a:xfrm>
-            <a:off x="8098790" y="3277235"/>
-            <a:ext cx="3074670" cy="3074670"/>
-          </a:xfrm>
-          <a:prstGeom prst="rect">
-            <a:avLst/>
-          </a:prstGeom>
-        </p:spPr>
-      </p:pic>
     </p:spTree>
+    <p:extLst>
+      <p:ext uri="{BB962C8B-B14F-4D97-AF65-F5344CB8AC3E}">
+        <p14:creationId xmlns:p14="http://schemas.microsoft.com/office/powerpoint/2010/main" val="449405582"/>
+      </p:ext>
+    </p:extLst>
   </p:cSld>
   <p:clrMapOvr>
     <a:masterClrMapping/>
@@ -3405,29 +3436,12 @@
           </a:p>
         </p:txBody>
       </p:sp>
-      <p:pic>
-        <p:nvPicPr>
-          <p:cNvPr id="4" name="Изображение 3"/>
-          <p:cNvPicPr/>
-          <p:nvPr/>
-        </p:nvPicPr>
-        <p:blipFill>
-          <a:blip r:embed="rId1"/>
-          <a:stretch>
-            <a:fillRect/>
-          </a:stretch>
-        </p:blipFill>
-        <p:spPr>
-          <a:xfrm>
-            <a:off x="425450" y="3859530"/>
-            <a:ext cx="4340860" cy="2998470"/>
-          </a:xfrm>
-          <a:prstGeom prst="rect">
-            <a:avLst/>
-          </a:prstGeom>
-        </p:spPr>
-      </p:pic>
     </p:spTree>
+    <p:extLst>
+      <p:ext uri="{BB962C8B-B14F-4D97-AF65-F5344CB8AC3E}">
+        <p14:creationId xmlns:p14="http://schemas.microsoft.com/office/powerpoint/2010/main" val="1985276682"/>
+      </p:ext>
+    </p:extLst>
   </p:cSld>
   <p:clrMapOvr>
     <a:masterClrMapping/>
@@ -3459,6 +3473,248 @@
             <a:spLocks noGrp="1"/>
           </p:cNvSpPr>
           <p:nvPr>
+            <p:ph type="title"/>
+          </p:nvPr>
+        </p:nvSpPr>
+        <p:spPr/>
+        <p:txBody>
+          <a:bodyPr/>
+          <a:lstStyle/>
+          <a:p>
+            <a:r>
+              <a:rPr lang="ru-RU" dirty="0" smtClean="0">
+                <a:latin typeface="Arial Black" panose="020B0A04020102020204" pitchFamily="34" charset="0"/>
+                <a:cs typeface="Arial" panose="020B0604020202020204" pitchFamily="34" charset="0"/>
+              </a:rPr>
+              <a:t>Аналоги</a:t>
+            </a:r>
+            <a:endParaRPr lang="ru-RU" dirty="0">
+              <a:latin typeface="Arial Black" panose="020B0A04020102020204" pitchFamily="34" charset="0"/>
+              <a:cs typeface="Arial" panose="020B0604020202020204" pitchFamily="34" charset="0"/>
+            </a:endParaRPr>
+          </a:p>
+        </p:txBody>
+      </p:sp>
+      <p:sp>
+        <p:nvSpPr>
+          <p:cNvPr id="3" name="Объект 2"/>
+          <p:cNvSpPr>
+            <a:spLocks noGrp="1"/>
+          </p:cNvSpPr>
+          <p:nvPr>
+            <p:ph idx="1"/>
+          </p:nvPr>
+        </p:nvSpPr>
+        <p:spPr>
+          <a:xfrm>
+            <a:off x="838200" y="2760785"/>
+            <a:ext cx="10515600" cy="3416178"/>
+          </a:xfrm>
+        </p:spPr>
+        <p:txBody>
+          <a:bodyPr/>
+          <a:lstStyle/>
+          <a:p>
+            <a:pPr algn="ctr"/>
+            <a:r>
+              <a:rPr lang="en-US" dirty="0">
+                <a:hlinkClick r:id="rId2"/>
+              </a:rPr>
+              <a:t>https://</a:t>
+            </a:r>
+            <a:r>
+              <a:rPr lang="en-US" dirty="0" smtClean="0">
+                <a:hlinkClick r:id="rId2"/>
+              </a:rPr>
+              <a:t>povarenok.by/ingredients/filtr</a:t>
+            </a:r>
+            <a:endParaRPr lang="ru-RU" dirty="0" smtClean="0"/>
+          </a:p>
+          <a:p>
+            <a:pPr algn="ctr"/>
+            <a:r>
+              <a:rPr lang="en-US" dirty="0">
+                <a:hlinkClick r:id="rId3"/>
+              </a:rPr>
+              <a:t>https://</a:t>
+            </a:r>
+            <a:r>
+              <a:rPr lang="en-US" dirty="0" smtClean="0">
+                <a:hlinkClick r:id="rId3"/>
+              </a:rPr>
+              <a:t>vkuso.ru/ingredients</a:t>
+            </a:r>
+            <a:endParaRPr lang="ru-RU" dirty="0" smtClean="0"/>
+          </a:p>
+          <a:p>
+            <a:pPr algn="ctr"/>
+            <a:r>
+              <a:rPr lang="en-US" dirty="0">
+                <a:hlinkClick r:id="rId4"/>
+              </a:rPr>
+              <a:t>https://</a:t>
+            </a:r>
+            <a:r>
+              <a:rPr lang="en-US" dirty="0" smtClean="0">
+                <a:hlinkClick r:id="rId4"/>
+              </a:rPr>
+              <a:t>1000.menu/cooking/search</a:t>
+            </a:r>
+            <a:endParaRPr lang="ru-RU" dirty="0" smtClean="0"/>
+          </a:p>
+          <a:p>
+            <a:endParaRPr lang="ru-RU" dirty="0" smtClean="0"/>
+          </a:p>
+        </p:txBody>
+      </p:sp>
+    </p:spTree>
+    <p:extLst>
+      <p:ext uri="{BB962C8B-B14F-4D97-AF65-F5344CB8AC3E}">
+        <p14:creationId xmlns:p14="http://schemas.microsoft.com/office/powerpoint/2010/main" val="4200409624"/>
+      </p:ext>
+    </p:extLst>
+  </p:cSld>
+  <p:clrMapOvr>
+    <a:masterClrMapping/>
+  </p:clrMapOvr>
+</p:sld>
+</file>
+
+<file path=ppt/slides/slide6.xml><?xml version="1.0" encoding="utf-8"?>
+<p:sld xmlns:a="http://schemas.openxmlformats.org/drawingml/2006/main" xmlns:r="http://schemas.openxmlformats.org/officeDocument/2006/relationships" xmlns:p="http://schemas.openxmlformats.org/presentationml/2006/main">
+  <p:cSld>
+    <p:spTree>
+      <p:nvGrpSpPr>
+        <p:cNvPr id="1" name=""/>
+        <p:cNvGrpSpPr/>
+        <p:nvPr/>
+      </p:nvGrpSpPr>
+      <p:grpSpPr>
+        <a:xfrm>
+          <a:off x="0" y="0"/>
+          <a:ext cx="0" cy="0"/>
+          <a:chOff x="0" y="0"/>
+          <a:chExt cx="0" cy="0"/>
+        </a:xfrm>
+      </p:grpSpPr>
+      <p:sp>
+        <p:nvSpPr>
+          <p:cNvPr id="2" name="Заголовок 1"/>
+          <p:cNvSpPr>
+            <a:spLocks noGrp="1"/>
+          </p:cNvSpPr>
+          <p:nvPr>
+            <p:ph type="title"/>
+          </p:nvPr>
+        </p:nvSpPr>
+        <p:spPr/>
+        <p:txBody>
+          <a:bodyPr/>
+          <a:lstStyle/>
+          <a:p>
+            <a:r>
+              <a:rPr lang="ru-RU" dirty="0" smtClean="0">
+                <a:latin typeface="Arial Black" panose="020B0A04020102020204" pitchFamily="34" charset="0"/>
+              </a:rPr>
+              <a:t>Бизнес модель</a:t>
+            </a:r>
+            <a:endParaRPr lang="ru-RU" dirty="0">
+              <a:latin typeface="Arial Black" panose="020B0A04020102020204" pitchFamily="34" charset="0"/>
+            </a:endParaRPr>
+          </a:p>
+        </p:txBody>
+      </p:sp>
+      <p:sp>
+        <p:nvSpPr>
+          <p:cNvPr id="3" name="Объект 2"/>
+          <p:cNvSpPr>
+            <a:spLocks noGrp="1"/>
+          </p:cNvSpPr>
+          <p:nvPr>
+            <p:ph idx="1"/>
+          </p:nvPr>
+        </p:nvSpPr>
+        <p:spPr/>
+        <p:txBody>
+          <a:bodyPr/>
+          <a:lstStyle/>
+          <a:p>
+            <a:pPr algn="ctr"/>
+            <a:endParaRPr lang="en-US" dirty="0" smtClean="0">
+              <a:latin typeface="Impact" panose="020B0806030902050204" pitchFamily="34" charset="0"/>
+            </a:endParaRPr>
+          </a:p>
+          <a:p>
+            <a:pPr algn="ctr"/>
+            <a:endParaRPr lang="en-US" dirty="0">
+              <a:latin typeface="Impact" panose="020B0806030902050204" pitchFamily="34" charset="0"/>
+            </a:endParaRPr>
+          </a:p>
+          <a:p>
+            <a:pPr algn="ctr"/>
+            <a:endParaRPr lang="en-US" dirty="0" smtClean="0">
+              <a:latin typeface="Impact" panose="020B0806030902050204" pitchFamily="34" charset="0"/>
+            </a:endParaRPr>
+          </a:p>
+          <a:p>
+            <a:pPr marL="0" indent="0" algn="ctr">
+              <a:buNone/>
+            </a:pPr>
+            <a:r>
+              <a:rPr lang="ru-RU" dirty="0" smtClean="0">
+                <a:latin typeface="Impact" panose="020B0806030902050204" pitchFamily="34" charset="0"/>
+              </a:rPr>
+              <a:t>Вы думали что здесь что то будет</a:t>
+            </a:r>
+            <a:r>
+              <a:rPr lang="en-US" dirty="0" smtClean="0">
+                <a:latin typeface="Impact" panose="020B0806030902050204" pitchFamily="34" charset="0"/>
+              </a:rPr>
+              <a:t>?</a:t>
+            </a:r>
+            <a:endParaRPr lang="ru-RU" dirty="0">
+              <a:latin typeface="Impact" panose="020B0806030902050204" pitchFamily="34" charset="0"/>
+            </a:endParaRPr>
+          </a:p>
+        </p:txBody>
+      </p:sp>
+    </p:spTree>
+    <p:extLst>
+      <p:ext uri="{BB962C8B-B14F-4D97-AF65-F5344CB8AC3E}">
+        <p14:creationId xmlns:p14="http://schemas.microsoft.com/office/powerpoint/2010/main" val="205758951"/>
+      </p:ext>
+    </p:extLst>
+  </p:cSld>
+  <p:clrMapOvr>
+    <a:masterClrMapping/>
+  </p:clrMapOvr>
+</p:sld>
+</file>
+
+<file path=ppt/slides/slide7.xml><?xml version="1.0" encoding="utf-8"?>
+<p:sld xmlns:a="http://schemas.openxmlformats.org/drawingml/2006/main" xmlns:r="http://schemas.openxmlformats.org/officeDocument/2006/relationships" xmlns:p="http://schemas.openxmlformats.org/presentationml/2006/main">
+  <p:cSld>
+    <p:spTree>
+      <p:nvGrpSpPr>
+        <p:cNvPr id="1" name=""/>
+        <p:cNvGrpSpPr/>
+        <p:nvPr/>
+      </p:nvGrpSpPr>
+      <p:grpSpPr>
+        <a:xfrm>
+          <a:off x="0" y="0"/>
+          <a:ext cx="0" cy="0"/>
+          <a:chOff x="0" y="0"/>
+          <a:chExt cx="0" cy="0"/>
+        </a:xfrm>
+      </p:grpSpPr>
+      <p:sp>
+        <p:nvSpPr>
+          <p:cNvPr id="2" name="Заголовок 1"/>
+          <p:cNvSpPr>
+            <a:spLocks noGrp="1"/>
+          </p:cNvSpPr>
+          <p:nvPr>
             <p:ph type="ctrTitle"/>
           </p:nvPr>
         </p:nvSpPr>
@@ -3486,27 +3742,10 @@
       </p:sp>
       <p:sp>
         <p:nvSpPr>
-          <p:cNvPr id="3" name="Подзаголовок 2"/>
-          <p:cNvSpPr>
-            <a:spLocks noGrp="1"/>
-          </p:cNvSpPr>
-          <p:nvPr>
-            <p:ph type="subTitle" idx="1"/>
-          </p:nvPr>
-        </p:nvSpPr>
-        <p:spPr/>
-        <p:txBody>
-          <a:bodyPr/>
-          <a:lstStyle/>
-          <a:p>
-            <a:endParaRPr lang="ru-RU" dirty="0"/>
-          </a:p>
-        </p:txBody>
-      </p:sp>
-      <p:sp>
-        <p:nvSpPr>
           <p:cNvPr id="4" name="Подзаголовок 2"/>
-          <p:cNvSpPr txBox="1"/>
+          <p:cNvSpPr txBox="1">
+            <a:spLocks/>
+          </p:cNvSpPr>
           <p:nvPr/>
         </p:nvSpPr>
         <p:spPr>
@@ -3702,6 +3941,11 @@
         </p:txBody>
       </p:sp>
     </p:spTree>
+    <p:extLst>
+      <p:ext uri="{BB962C8B-B14F-4D97-AF65-F5344CB8AC3E}">
+        <p14:creationId xmlns:p14="http://schemas.microsoft.com/office/powerpoint/2010/main" val="3141254336"/>
+      </p:ext>
+    </p:extLst>
   </p:cSld>
   <p:clrMapOvr>
     <a:masterClrMapping/>
@@ -3752,7 +3996,7 @@
     </a:clrScheme>
     <a:fontScheme name="Стандартная">
       <a:majorFont>
-        <a:latin typeface="Calibri Light"/>
+        <a:latin typeface="Calibri Light" panose="020F0302020204030204"/>
         <a:ea typeface=""/>
         <a:cs typeface=""/>
         <a:font script="Jpan" typeface="游ゴシック Light"/>
@@ -3787,7 +4031,7 @@
         <a:font script="Geor" typeface="Sylfaen"/>
       </a:majorFont>
       <a:minorFont>
-        <a:latin typeface="Calibri"/>
+        <a:latin typeface="Calibri" panose="020F0502020204030204"/>
         <a:ea typeface=""/>
         <a:cs typeface=""/>
         <a:font script="Jpan" typeface="游ゴシック"/>
@@ -3960,6 +4204,8 @@
       </a:bgFillStyleLst>
     </a:fmtScheme>
   </a:themeElements>
+  <a:objectDefaults/>
+  <a:extraClrSchemeLst/>
   <a:extLst>
     <a:ext uri="{05A4C25C-085E-4340-85A3-A5531E510DB2}">
       <thm15:themeFamily xmlns:thm15="http://schemas.microsoft.com/office/thememl/2012/main" name="Office Theme" id="{62F939B6-93AF-4DB8-9C6B-D6C7DFDC589F}" vid="{4A3C46E8-61CC-4603-A589-7422A47A8E4A}"/>

--- a/Презентация к проекту.pptx
+++ b/Презентация к проекту.pptx
@@ -3343,6 +3343,28 @@
           </a:p>
         </p:txBody>
       </p:sp>
+      <p:pic>
+        <p:nvPicPr>
+          <p:cNvPr id="4" name="Изображение 3"/>
+          <p:cNvPicPr/>
+          <p:nvPr/>
+        </p:nvPicPr>
+        <p:blipFill>
+          <a:blip r:embed="rId2"/>
+          <a:stretch>
+            <a:fillRect/>
+          </a:stretch>
+        </p:blipFill>
+        <p:spPr>
+          <a:xfrm>
+            <a:off x="8098790" y="3277235"/>
+            <a:ext cx="3074670" cy="3074670"/>
+          </a:xfrm>
+          <a:prstGeom prst="rect">
+            <a:avLst/>
+          </a:prstGeom>
+        </p:spPr>
+      </p:pic>
     </p:spTree>
     <p:extLst>
       <p:ext uri="{BB962C8B-B14F-4D97-AF65-F5344CB8AC3E}">
@@ -3436,6 +3458,28 @@
           </a:p>
         </p:txBody>
       </p:sp>
+      <p:pic>
+        <p:nvPicPr>
+          <p:cNvPr id="4" name="Изображение 3"/>
+          <p:cNvPicPr/>
+          <p:nvPr/>
+        </p:nvPicPr>
+        <p:blipFill>
+          <a:blip r:embed="rId2"/>
+          <a:stretch>
+            <a:fillRect/>
+          </a:stretch>
+        </p:blipFill>
+        <p:spPr>
+          <a:xfrm>
+            <a:off x="425450" y="3859530"/>
+            <a:ext cx="4340860" cy="2998470"/>
+          </a:xfrm>
+          <a:prstGeom prst="rect">
+            <a:avLst/>
+          </a:prstGeom>
+        </p:spPr>
+      </p:pic>
     </p:spTree>
     <p:extLst>
       <p:ext uri="{BB962C8B-B14F-4D97-AF65-F5344CB8AC3E}">

--- a/Презентация к проекту.pptx
+++ b/Презентация к проекту.pptx
@@ -3684,44 +3684,42 @@
           <a:lstStyle/>
           <a:p>
             <a:pPr algn="ctr"/>
-            <a:endParaRPr lang="en-US" dirty="0" smtClean="0">
-              <a:latin typeface="Impact" panose="020B0806030902050204" pitchFamily="34" charset="0"/>
-            </a:endParaRPr>
-          </a:p>
-          <a:p>
-            <a:pPr algn="ctr"/>
-            <a:endParaRPr lang="en-US" dirty="0">
-              <a:latin typeface="Impact" panose="020B0806030902050204" pitchFamily="34" charset="0"/>
-            </a:endParaRPr>
-          </a:p>
-          <a:p>
-            <a:pPr algn="ctr"/>
-            <a:endParaRPr lang="en-US" dirty="0" smtClean="0">
-              <a:latin typeface="Impact" panose="020B0806030902050204" pitchFamily="34" charset="0"/>
-            </a:endParaRPr>
-          </a:p>
-          <a:p>
-            <a:pPr marL="0" indent="0" algn="ctr">
-              <a:buNone/>
-            </a:pPr>
-            <a:r>
-              <a:rPr lang="ru-RU" dirty="0" smtClean="0">
-                <a:latin typeface="Impact" panose="020B0806030902050204" pitchFamily="34" charset="0"/>
-              </a:rPr>
-              <a:t>Вы думали что здесь что то будет</a:t>
-            </a:r>
-            <a:r>
-              <a:rPr lang="en-US" dirty="0" smtClean="0">
-                <a:latin typeface="Impact" panose="020B0806030902050204" pitchFamily="34" charset="0"/>
-              </a:rPr>
-              <a:t>?</a:t>
-            </a:r>
             <a:endParaRPr lang="ru-RU" dirty="0">
               <a:latin typeface="Impact" panose="020B0806030902050204" pitchFamily="34" charset="0"/>
             </a:endParaRPr>
           </a:p>
         </p:txBody>
       </p:sp>
+      <p:pic>
+        <p:nvPicPr>
+          <p:cNvPr id="4" name="Рисунок 3"/>
+          <p:cNvPicPr>
+            <a:picLocks noChangeAspect="1"/>
+          </p:cNvPicPr>
+          <p:nvPr/>
+        </p:nvPicPr>
+        <p:blipFill>
+          <a:blip r:embed="rId2" cstate="print">
+            <a:extLst>
+              <a:ext uri="{28A0092B-C50C-407E-A947-70E740481C1C}">
+                <a14:useLocalDpi xmlns:a14="http://schemas.microsoft.com/office/drawing/2010/main" val="0"/>
+              </a:ext>
+            </a:extLst>
+          </a:blip>
+          <a:stretch>
+            <a:fillRect/>
+          </a:stretch>
+        </p:blipFill>
+        <p:spPr>
+          <a:xfrm>
+            <a:off x="3644537" y="1690688"/>
+            <a:ext cx="4143104" cy="4143104"/>
+          </a:xfrm>
+          <a:prstGeom prst="rect">
+            <a:avLst/>
+          </a:prstGeom>
+        </p:spPr>
+      </p:pic>
     </p:spTree>
     <p:extLst>
       <p:ext uri="{BB962C8B-B14F-4D97-AF65-F5344CB8AC3E}">

--- a/Презентация к проекту.pptx
+++ b/Презентация к проекту.pptx
@@ -1,17 +1,18 @@
 
 <file path=ppt/presentation.xml><?xml version="1.0" encoding="utf-8"?>
-<p:presentation xmlns:a="http://schemas.openxmlformats.org/drawingml/2006/main" xmlns:r="http://schemas.openxmlformats.org/officeDocument/2006/relationships" xmlns:p="http://schemas.openxmlformats.org/presentationml/2006/main" saveSubsetFonts="1">
+<p:presentation xmlns:a="http://schemas.openxmlformats.org/drawingml/2006/main" xmlns:r="http://schemas.openxmlformats.org/officeDocument/2006/relationships" xmlns:p="http://schemas.openxmlformats.org/presentationml/2006/main">
   <p:sldMasterIdLst>
     <p:sldMasterId id="2147483648" r:id="rId1"/>
   </p:sldMasterIdLst>
   <p:sldIdLst>
-    <p:sldId id="256" r:id="rId2"/>
-    <p:sldId id="258" r:id="rId3"/>
-    <p:sldId id="257" r:id="rId4"/>
-    <p:sldId id="260" r:id="rId5"/>
-    <p:sldId id="261" r:id="rId6"/>
-    <p:sldId id="262" r:id="rId7"/>
-    <p:sldId id="259" r:id="rId8"/>
+    <p:sldId id="256" r:id="rId3"/>
+    <p:sldId id="258" r:id="rId4"/>
+    <p:sldId id="257" r:id="rId5"/>
+    <p:sldId id="260" r:id="rId6"/>
+    <p:sldId id="261" r:id="rId7"/>
+    <p:sldId id="263" r:id="rId8"/>
+    <p:sldId id="262" r:id="rId9"/>
+    <p:sldId id="259" r:id="rId10"/>
   </p:sldIdLst>
   <p:sldSz cx="12192000" cy="6858000"/>
   <p:notesSz cx="6858000" cy="9144000"/>
@@ -110,11 +111,6 @@
       </a:defRPr>
     </a:lvl9pPr>
   </p:defaultTextStyle>
-  <p:extLst>
-    <p:ext uri="{EFAFB233-063F-42B5-8137-9DF3F51BA10A}">
-      <p15:sldGuideLst xmlns:p15="http://schemas.microsoft.com/office/powerpoint/2012/main"/>
-    </p:ext>
-  </p:extLst>
 </p:presentation>
 </file>
 
@@ -249,7 +245,6 @@
           <a:p>
             <a:fld id="{A1BB1353-7414-4C7C-B467-AB6E971D7B02}" type="datetimeFigureOut">
               <a:rPr lang="ru-RU" smtClean="0"/>
-              <a:t>12.05.2025</a:t>
             </a:fld>
             <a:endParaRPr lang="ru-RU"/>
           </a:p>
@@ -291,18 +286,12 @@
           <a:p>
             <a:fld id="{DC6B2086-0373-4208-9DC1-0D098AC2161C}" type="slidenum">
               <a:rPr lang="ru-RU" smtClean="0"/>
-              <a:t>‹#›</a:t>
             </a:fld>
             <a:endParaRPr lang="ru-RU"/>
           </a:p>
         </p:txBody>
       </p:sp>
     </p:spTree>
-    <p:extLst>
-      <p:ext uri="{BB962C8B-B14F-4D97-AF65-F5344CB8AC3E}">
-        <p14:creationId xmlns:p14="http://schemas.microsoft.com/office/powerpoint/2010/main" val="2564280241"/>
-      </p:ext>
-    </p:extLst>
   </p:cSld>
   <p:clrMapOvr>
     <a:masterClrMapping/>
@@ -370,6 +359,7 @@
               <a:rPr lang="ru-RU" smtClean="0"/>
               <a:t>Образец текста</a:t>
             </a:r>
+            <a:endParaRPr lang="ru-RU" smtClean="0"/>
           </a:p>
           <a:p>
             <a:pPr lvl="1"/>
@@ -377,6 +367,7 @@
               <a:rPr lang="ru-RU" smtClean="0"/>
               <a:t>Второй уровень</a:t>
             </a:r>
+            <a:endParaRPr lang="ru-RU" smtClean="0"/>
           </a:p>
           <a:p>
             <a:pPr lvl="2"/>
@@ -384,6 +375,7 @@
               <a:rPr lang="ru-RU" smtClean="0"/>
               <a:t>Третий уровень</a:t>
             </a:r>
+            <a:endParaRPr lang="ru-RU" smtClean="0"/>
           </a:p>
           <a:p>
             <a:pPr lvl="3"/>
@@ -391,6 +383,7 @@
               <a:rPr lang="ru-RU" smtClean="0"/>
               <a:t>Четвертый уровень</a:t>
             </a:r>
+            <a:endParaRPr lang="ru-RU" smtClean="0"/>
           </a:p>
           <a:p>
             <a:pPr lvl="4"/>
@@ -419,7 +412,6 @@
           <a:p>
             <a:fld id="{A1BB1353-7414-4C7C-B467-AB6E971D7B02}" type="datetimeFigureOut">
               <a:rPr lang="ru-RU" smtClean="0"/>
-              <a:t>12.05.2025</a:t>
             </a:fld>
             <a:endParaRPr lang="ru-RU"/>
           </a:p>
@@ -461,18 +453,12 @@
           <a:p>
             <a:fld id="{DC6B2086-0373-4208-9DC1-0D098AC2161C}" type="slidenum">
               <a:rPr lang="ru-RU" smtClean="0"/>
-              <a:t>‹#›</a:t>
             </a:fld>
             <a:endParaRPr lang="ru-RU"/>
           </a:p>
         </p:txBody>
       </p:sp>
     </p:spTree>
-    <p:extLst>
-      <p:ext uri="{BB962C8B-B14F-4D97-AF65-F5344CB8AC3E}">
-        <p14:creationId xmlns:p14="http://schemas.microsoft.com/office/powerpoint/2010/main" val="2125835643"/>
-      </p:ext>
-    </p:extLst>
   </p:cSld>
   <p:clrMapOvr>
     <a:masterClrMapping/>
@@ -550,6 +536,7 @@
               <a:rPr lang="ru-RU" smtClean="0"/>
               <a:t>Образец текста</a:t>
             </a:r>
+            <a:endParaRPr lang="ru-RU" smtClean="0"/>
           </a:p>
           <a:p>
             <a:pPr lvl="1"/>
@@ -557,6 +544,7 @@
               <a:rPr lang="ru-RU" smtClean="0"/>
               <a:t>Второй уровень</a:t>
             </a:r>
+            <a:endParaRPr lang="ru-RU" smtClean="0"/>
           </a:p>
           <a:p>
             <a:pPr lvl="2"/>
@@ -564,6 +552,7 @@
               <a:rPr lang="ru-RU" smtClean="0"/>
               <a:t>Третий уровень</a:t>
             </a:r>
+            <a:endParaRPr lang="ru-RU" smtClean="0"/>
           </a:p>
           <a:p>
             <a:pPr lvl="3"/>
@@ -571,6 +560,7 @@
               <a:rPr lang="ru-RU" smtClean="0"/>
               <a:t>Четвертый уровень</a:t>
             </a:r>
+            <a:endParaRPr lang="ru-RU" smtClean="0"/>
           </a:p>
           <a:p>
             <a:pPr lvl="4"/>
@@ -599,7 +589,6 @@
           <a:p>
             <a:fld id="{A1BB1353-7414-4C7C-B467-AB6E971D7B02}" type="datetimeFigureOut">
               <a:rPr lang="ru-RU" smtClean="0"/>
-              <a:t>12.05.2025</a:t>
             </a:fld>
             <a:endParaRPr lang="ru-RU"/>
           </a:p>
@@ -641,18 +630,179 @@
           <a:p>
             <a:fld id="{DC6B2086-0373-4208-9DC1-0D098AC2161C}" type="slidenum">
               <a:rPr lang="ru-RU" smtClean="0"/>
-              <a:t>‹#›</a:t>
             </a:fld>
             <a:endParaRPr lang="ru-RU"/>
           </a:p>
         </p:txBody>
       </p:sp>
     </p:spTree>
-    <p:extLst>
-      <p:ext uri="{BB962C8B-B14F-4D97-AF65-F5344CB8AC3E}">
-        <p14:creationId xmlns:p14="http://schemas.microsoft.com/office/powerpoint/2010/main" val="910670002"/>
-      </p:ext>
-    </p:extLst>
+  </p:cSld>
+  <p:clrMapOvr>
+    <a:masterClrMapping/>
+  </p:clrMapOvr>
+</p:sldLayout>
+</file>
+
+<file path=ppt/slideLayouts/slideLayout12.xml><?xml version="1.0" encoding="utf-8"?>
+<p:sldLayout xmlns:a="http://schemas.openxmlformats.org/drawingml/2006/main" xmlns:r="http://schemas.openxmlformats.org/officeDocument/2006/relationships" xmlns:p="http://schemas.openxmlformats.org/presentationml/2006/main" type="tx" preserve="1">
+  <p:cSld name="Заголовок и текст">
+    <p:spTree>
+      <p:nvGrpSpPr>
+        <p:cNvPr id="1" name=""/>
+        <p:cNvGrpSpPr/>
+        <p:nvPr/>
+      </p:nvGrpSpPr>
+      <p:grpSpPr>
+        <a:xfrm>
+          <a:off x="0" y="0"/>
+          <a:ext cx="0" cy="0"/>
+          <a:chOff x="0" y="0"/>
+          <a:chExt cx="0" cy="0"/>
+        </a:xfrm>
+      </p:grpSpPr>
+      <p:sp>
+        <p:nvSpPr>
+          <p:cNvPr id="2" name="Заголовок 1"/>
+          <p:cNvSpPr>
+            <a:spLocks noGrp="1"/>
+          </p:cNvSpPr>
+          <p:nvPr>
+            <p:ph type="title"/>
+          </p:nvPr>
+        </p:nvSpPr>
+        <p:spPr/>
+        <p:txBody>
+          <a:bodyPr/>
+          <a:lstStyle/>
+          <a:p>
+            <a:r>
+              <a:rPr lang="ru-RU" smtClean="0"/>
+              <a:t>Образец заголовка</a:t>
+            </a:r>
+            <a:endParaRPr lang="ru-RU"/>
+          </a:p>
+        </p:txBody>
+      </p:sp>
+      <p:sp>
+        <p:nvSpPr>
+          <p:cNvPr id="3" name="Текст 2"/>
+          <p:cNvSpPr>
+            <a:spLocks noGrp="1"/>
+          </p:cNvSpPr>
+          <p:nvPr>
+            <p:ph type="body" idx="1"/>
+          </p:nvPr>
+        </p:nvSpPr>
+        <p:spPr/>
+        <p:txBody>
+          <a:bodyPr/>
+          <a:lstStyle/>
+          <a:p>
+            <a:pPr lvl="0"/>
+            <a:r>
+              <a:rPr lang="ru-RU" smtClean="0"/>
+              <a:t>Образец текста</a:t>
+            </a:r>
+            <a:endParaRPr lang="ru-RU" smtClean="0"/>
+          </a:p>
+          <a:p>
+            <a:pPr lvl="1"/>
+            <a:r>
+              <a:rPr lang="ru-RU" smtClean="0"/>
+              <a:t>Второй уровень</a:t>
+            </a:r>
+            <a:endParaRPr lang="ru-RU" smtClean="0"/>
+          </a:p>
+          <a:p>
+            <a:pPr lvl="2"/>
+            <a:r>
+              <a:rPr lang="ru-RU" smtClean="0"/>
+              <a:t>Третий уровень</a:t>
+            </a:r>
+            <a:endParaRPr lang="ru-RU" smtClean="0"/>
+          </a:p>
+          <a:p>
+            <a:pPr lvl="3"/>
+            <a:r>
+              <a:rPr lang="ru-RU" smtClean="0"/>
+              <a:t>Четвертый уровень</a:t>
+            </a:r>
+            <a:endParaRPr lang="ru-RU" smtClean="0"/>
+          </a:p>
+          <a:p>
+            <a:pPr lvl="4"/>
+            <a:r>
+              <a:rPr lang="ru-RU" smtClean="0"/>
+              <a:t>Пятый уровень</a:t>
+            </a:r>
+            <a:endParaRPr lang="ru-RU"/>
+          </a:p>
+        </p:txBody>
+      </p:sp>
+      <p:sp>
+        <p:nvSpPr>
+          <p:cNvPr id="4" name="Дата 3"/>
+          <p:cNvSpPr>
+            <a:spLocks noGrp="1"/>
+          </p:cNvSpPr>
+          <p:nvPr>
+            <p:ph type="dt" sz="half" idx="10"/>
+          </p:nvPr>
+        </p:nvSpPr>
+        <p:spPr/>
+        <p:txBody>
+          <a:bodyPr/>
+          <a:lstStyle/>
+          <a:p>
+            <a:fld id="{A1BB1353-7414-4C7C-B467-AB6E971D7B02}" type="datetimeFigureOut">
+              <a:rPr lang="ru-RU" smtClean="0"/>
+            </a:fld>
+            <a:endParaRPr lang="ru-RU"/>
+          </a:p>
+        </p:txBody>
+      </p:sp>
+      <p:sp>
+        <p:nvSpPr>
+          <p:cNvPr id="5" name="Нижний колонтитул 4"/>
+          <p:cNvSpPr>
+            <a:spLocks noGrp="1"/>
+          </p:cNvSpPr>
+          <p:nvPr>
+            <p:ph type="ftr" sz="quarter" idx="11"/>
+          </p:nvPr>
+        </p:nvSpPr>
+        <p:spPr/>
+        <p:txBody>
+          <a:bodyPr/>
+          <a:lstStyle/>
+          <a:p>
+            <a:endParaRPr lang="ru-RU"/>
+          </a:p>
+        </p:txBody>
+      </p:sp>
+      <p:sp>
+        <p:nvSpPr>
+          <p:cNvPr id="6" name="Номер слайда 5"/>
+          <p:cNvSpPr>
+            <a:spLocks noGrp="1"/>
+          </p:cNvSpPr>
+          <p:nvPr>
+            <p:ph type="sldNum" sz="quarter" idx="12"/>
+          </p:nvPr>
+        </p:nvSpPr>
+        <p:spPr/>
+        <p:txBody>
+          <a:bodyPr/>
+          <a:lstStyle/>
+          <a:p>
+            <a:fld id="{DC6B2086-0373-4208-9DC1-0D098AC2161C}" type="slidenum">
+              <a:rPr lang="ru-RU" smtClean="0"/>
+            </a:fld>
+            <a:endParaRPr lang="ru-RU"/>
+          </a:p>
+        </p:txBody>
+      </p:sp>
+    </p:spTree>
   </p:cSld>
   <p:clrMapOvr>
     <a:masterClrMapping/>
@@ -720,6 +870,7 @@
               <a:rPr lang="ru-RU" smtClean="0"/>
               <a:t>Образец текста</a:t>
             </a:r>
+            <a:endParaRPr lang="ru-RU" smtClean="0"/>
           </a:p>
           <a:p>
             <a:pPr lvl="1"/>
@@ -727,6 +878,7 @@
               <a:rPr lang="ru-RU" smtClean="0"/>
               <a:t>Второй уровень</a:t>
             </a:r>
+            <a:endParaRPr lang="ru-RU" smtClean="0"/>
           </a:p>
           <a:p>
             <a:pPr lvl="2"/>
@@ -734,6 +886,7 @@
               <a:rPr lang="ru-RU" smtClean="0"/>
               <a:t>Третий уровень</a:t>
             </a:r>
+            <a:endParaRPr lang="ru-RU" smtClean="0"/>
           </a:p>
           <a:p>
             <a:pPr lvl="3"/>
@@ -741,6 +894,7 @@
               <a:rPr lang="ru-RU" smtClean="0"/>
               <a:t>Четвертый уровень</a:t>
             </a:r>
+            <a:endParaRPr lang="ru-RU" smtClean="0"/>
           </a:p>
           <a:p>
             <a:pPr lvl="4"/>
@@ -769,7 +923,6 @@
           <a:p>
             <a:fld id="{A1BB1353-7414-4C7C-B467-AB6E971D7B02}" type="datetimeFigureOut">
               <a:rPr lang="ru-RU" smtClean="0"/>
-              <a:t>12.05.2025</a:t>
             </a:fld>
             <a:endParaRPr lang="ru-RU"/>
           </a:p>
@@ -811,18 +964,12 @@
           <a:p>
             <a:fld id="{DC6B2086-0373-4208-9DC1-0D098AC2161C}" type="slidenum">
               <a:rPr lang="ru-RU" smtClean="0"/>
-              <a:t>‹#›</a:t>
             </a:fld>
             <a:endParaRPr lang="ru-RU"/>
           </a:p>
         </p:txBody>
       </p:sp>
     </p:spTree>
-    <p:extLst>
-      <p:ext uri="{BB962C8B-B14F-4D97-AF65-F5344CB8AC3E}">
-        <p14:creationId xmlns:p14="http://schemas.microsoft.com/office/powerpoint/2010/main" val="2648908335"/>
-      </p:ext>
-    </p:extLst>
   </p:cSld>
   <p:clrMapOvr>
     <a:masterClrMapping/>
@@ -995,6 +1142,7 @@
               <a:rPr lang="ru-RU" smtClean="0"/>
               <a:t>Образец текста</a:t>
             </a:r>
+            <a:endParaRPr lang="ru-RU" smtClean="0"/>
           </a:p>
         </p:txBody>
       </p:sp>
@@ -1015,7 +1163,6 @@
           <a:p>
             <a:fld id="{A1BB1353-7414-4C7C-B467-AB6E971D7B02}" type="datetimeFigureOut">
               <a:rPr lang="ru-RU" smtClean="0"/>
-              <a:t>12.05.2025</a:t>
             </a:fld>
             <a:endParaRPr lang="ru-RU"/>
           </a:p>
@@ -1057,18 +1204,12 @@
           <a:p>
             <a:fld id="{DC6B2086-0373-4208-9DC1-0D098AC2161C}" type="slidenum">
               <a:rPr lang="ru-RU" smtClean="0"/>
-              <a:t>‹#›</a:t>
             </a:fld>
             <a:endParaRPr lang="ru-RU"/>
           </a:p>
         </p:txBody>
       </p:sp>
     </p:spTree>
-    <p:extLst>
-      <p:ext uri="{BB962C8B-B14F-4D97-AF65-F5344CB8AC3E}">
-        <p14:creationId xmlns:p14="http://schemas.microsoft.com/office/powerpoint/2010/main" val="1136604669"/>
-      </p:ext>
-    </p:extLst>
   </p:cSld>
   <p:clrMapOvr>
     <a:masterClrMapping/>
@@ -1141,6 +1282,7 @@
               <a:rPr lang="ru-RU" smtClean="0"/>
               <a:t>Образец текста</a:t>
             </a:r>
+            <a:endParaRPr lang="ru-RU" smtClean="0"/>
           </a:p>
           <a:p>
             <a:pPr lvl="1"/>
@@ -1148,6 +1290,7 @@
               <a:rPr lang="ru-RU" smtClean="0"/>
               <a:t>Второй уровень</a:t>
             </a:r>
+            <a:endParaRPr lang="ru-RU" smtClean="0"/>
           </a:p>
           <a:p>
             <a:pPr lvl="2"/>
@@ -1155,6 +1298,7 @@
               <a:rPr lang="ru-RU" smtClean="0"/>
               <a:t>Третий уровень</a:t>
             </a:r>
+            <a:endParaRPr lang="ru-RU" smtClean="0"/>
           </a:p>
           <a:p>
             <a:pPr lvl="3"/>
@@ -1162,6 +1306,7 @@
               <a:rPr lang="ru-RU" smtClean="0"/>
               <a:t>Четвертый уровень</a:t>
             </a:r>
+            <a:endParaRPr lang="ru-RU" smtClean="0"/>
           </a:p>
           <a:p>
             <a:pPr lvl="4"/>
@@ -1198,6 +1343,7 @@
               <a:rPr lang="ru-RU" smtClean="0"/>
               <a:t>Образец текста</a:t>
             </a:r>
+            <a:endParaRPr lang="ru-RU" smtClean="0"/>
           </a:p>
           <a:p>
             <a:pPr lvl="1"/>
@@ -1205,6 +1351,7 @@
               <a:rPr lang="ru-RU" smtClean="0"/>
               <a:t>Второй уровень</a:t>
             </a:r>
+            <a:endParaRPr lang="ru-RU" smtClean="0"/>
           </a:p>
           <a:p>
             <a:pPr lvl="2"/>
@@ -1212,6 +1359,7 @@
               <a:rPr lang="ru-RU" smtClean="0"/>
               <a:t>Третий уровень</a:t>
             </a:r>
+            <a:endParaRPr lang="ru-RU" smtClean="0"/>
           </a:p>
           <a:p>
             <a:pPr lvl="3"/>
@@ -1219,6 +1367,7 @@
               <a:rPr lang="ru-RU" smtClean="0"/>
               <a:t>Четвертый уровень</a:t>
             </a:r>
+            <a:endParaRPr lang="ru-RU" smtClean="0"/>
           </a:p>
           <a:p>
             <a:pPr lvl="4"/>
@@ -1247,7 +1396,6 @@
           <a:p>
             <a:fld id="{A1BB1353-7414-4C7C-B467-AB6E971D7B02}" type="datetimeFigureOut">
               <a:rPr lang="ru-RU" smtClean="0"/>
-              <a:t>12.05.2025</a:t>
             </a:fld>
             <a:endParaRPr lang="ru-RU"/>
           </a:p>
@@ -1289,18 +1437,12 @@
           <a:p>
             <a:fld id="{DC6B2086-0373-4208-9DC1-0D098AC2161C}" type="slidenum">
               <a:rPr lang="ru-RU" smtClean="0"/>
-              <a:t>‹#›</a:t>
             </a:fld>
             <a:endParaRPr lang="ru-RU"/>
           </a:p>
         </p:txBody>
       </p:sp>
     </p:spTree>
-    <p:extLst>
-      <p:ext uri="{BB962C8B-B14F-4D97-AF65-F5344CB8AC3E}">
-        <p14:creationId xmlns:p14="http://schemas.microsoft.com/office/powerpoint/2010/main" val="76185456"/>
-      </p:ext>
-    </p:extLst>
   </p:cSld>
   <p:clrMapOvr>
     <a:masterClrMapping/>
@@ -1415,6 +1557,7 @@
               <a:rPr lang="ru-RU" smtClean="0"/>
               <a:t>Образец текста</a:t>
             </a:r>
+            <a:endParaRPr lang="ru-RU" smtClean="0"/>
           </a:p>
         </p:txBody>
       </p:sp>
@@ -1443,6 +1586,7 @@
               <a:rPr lang="ru-RU" smtClean="0"/>
               <a:t>Образец текста</a:t>
             </a:r>
+            <a:endParaRPr lang="ru-RU" smtClean="0"/>
           </a:p>
           <a:p>
             <a:pPr lvl="1"/>
@@ -1450,6 +1594,7 @@
               <a:rPr lang="ru-RU" smtClean="0"/>
               <a:t>Второй уровень</a:t>
             </a:r>
+            <a:endParaRPr lang="ru-RU" smtClean="0"/>
           </a:p>
           <a:p>
             <a:pPr lvl="2"/>
@@ -1457,6 +1602,7 @@
               <a:rPr lang="ru-RU" smtClean="0"/>
               <a:t>Третий уровень</a:t>
             </a:r>
+            <a:endParaRPr lang="ru-RU" smtClean="0"/>
           </a:p>
           <a:p>
             <a:pPr lvl="3"/>
@@ -1464,6 +1610,7 @@
               <a:rPr lang="ru-RU" smtClean="0"/>
               <a:t>Четвертый уровень</a:t>
             </a:r>
+            <a:endParaRPr lang="ru-RU" smtClean="0"/>
           </a:p>
           <a:p>
             <a:pPr lvl="4"/>
@@ -1537,6 +1684,7 @@
               <a:rPr lang="ru-RU" smtClean="0"/>
               <a:t>Образец текста</a:t>
             </a:r>
+            <a:endParaRPr lang="ru-RU" smtClean="0"/>
           </a:p>
         </p:txBody>
       </p:sp>
@@ -1565,6 +1713,7 @@
               <a:rPr lang="ru-RU" smtClean="0"/>
               <a:t>Образец текста</a:t>
             </a:r>
+            <a:endParaRPr lang="ru-RU" smtClean="0"/>
           </a:p>
           <a:p>
             <a:pPr lvl="1"/>
@@ -1572,6 +1721,7 @@
               <a:rPr lang="ru-RU" smtClean="0"/>
               <a:t>Второй уровень</a:t>
             </a:r>
+            <a:endParaRPr lang="ru-RU" smtClean="0"/>
           </a:p>
           <a:p>
             <a:pPr lvl="2"/>
@@ -1579,6 +1729,7 @@
               <a:rPr lang="ru-RU" smtClean="0"/>
               <a:t>Третий уровень</a:t>
             </a:r>
+            <a:endParaRPr lang="ru-RU" smtClean="0"/>
           </a:p>
           <a:p>
             <a:pPr lvl="3"/>
@@ -1586,6 +1737,7 @@
               <a:rPr lang="ru-RU" smtClean="0"/>
               <a:t>Четвертый уровень</a:t>
             </a:r>
+            <a:endParaRPr lang="ru-RU" smtClean="0"/>
           </a:p>
           <a:p>
             <a:pPr lvl="4"/>
@@ -1614,7 +1766,6 @@
           <a:p>
             <a:fld id="{A1BB1353-7414-4C7C-B467-AB6E971D7B02}" type="datetimeFigureOut">
               <a:rPr lang="ru-RU" smtClean="0"/>
-              <a:t>12.05.2025</a:t>
             </a:fld>
             <a:endParaRPr lang="ru-RU"/>
           </a:p>
@@ -1656,18 +1807,12 @@
           <a:p>
             <a:fld id="{DC6B2086-0373-4208-9DC1-0D098AC2161C}" type="slidenum">
               <a:rPr lang="ru-RU" smtClean="0"/>
-              <a:t>‹#›</a:t>
             </a:fld>
             <a:endParaRPr lang="ru-RU"/>
           </a:p>
         </p:txBody>
       </p:sp>
     </p:spTree>
-    <p:extLst>
-      <p:ext uri="{BB962C8B-B14F-4D97-AF65-F5344CB8AC3E}">
-        <p14:creationId xmlns:p14="http://schemas.microsoft.com/office/powerpoint/2010/main" val="2695562447"/>
-      </p:ext>
-    </p:extLst>
   </p:cSld>
   <p:clrMapOvr>
     <a:masterClrMapping/>
@@ -1732,7 +1877,6 @@
           <a:p>
             <a:fld id="{A1BB1353-7414-4C7C-B467-AB6E971D7B02}" type="datetimeFigureOut">
               <a:rPr lang="ru-RU" smtClean="0"/>
-              <a:t>12.05.2025</a:t>
             </a:fld>
             <a:endParaRPr lang="ru-RU"/>
           </a:p>
@@ -1774,18 +1918,12 @@
           <a:p>
             <a:fld id="{DC6B2086-0373-4208-9DC1-0D098AC2161C}" type="slidenum">
               <a:rPr lang="ru-RU" smtClean="0"/>
-              <a:t>‹#›</a:t>
             </a:fld>
             <a:endParaRPr lang="ru-RU"/>
           </a:p>
         </p:txBody>
       </p:sp>
     </p:spTree>
-    <p:extLst>
-      <p:ext uri="{BB962C8B-B14F-4D97-AF65-F5344CB8AC3E}">
-        <p14:creationId xmlns:p14="http://schemas.microsoft.com/office/powerpoint/2010/main" val="2942663304"/>
-      </p:ext>
-    </p:extLst>
   </p:cSld>
   <p:clrMapOvr>
     <a:masterClrMapping/>
@@ -1827,7 +1965,6 @@
           <a:p>
             <a:fld id="{A1BB1353-7414-4C7C-B467-AB6E971D7B02}" type="datetimeFigureOut">
               <a:rPr lang="ru-RU" smtClean="0"/>
-              <a:t>12.05.2025</a:t>
             </a:fld>
             <a:endParaRPr lang="ru-RU"/>
           </a:p>
@@ -1869,18 +2006,12 @@
           <a:p>
             <a:fld id="{DC6B2086-0373-4208-9DC1-0D098AC2161C}" type="slidenum">
               <a:rPr lang="ru-RU" smtClean="0"/>
-              <a:t>‹#›</a:t>
             </a:fld>
             <a:endParaRPr lang="ru-RU"/>
           </a:p>
         </p:txBody>
       </p:sp>
     </p:spTree>
-    <p:extLst>
-      <p:ext uri="{BB962C8B-B14F-4D97-AF65-F5344CB8AC3E}">
-        <p14:creationId xmlns:p14="http://schemas.microsoft.com/office/powerpoint/2010/main" val="928830682"/>
-      </p:ext>
-    </p:extLst>
   </p:cSld>
   <p:clrMapOvr>
     <a:masterClrMapping/>
@@ -1990,6 +2121,7 @@
               <a:rPr lang="ru-RU" smtClean="0"/>
               <a:t>Образец текста</a:t>
             </a:r>
+            <a:endParaRPr lang="ru-RU" smtClean="0"/>
           </a:p>
           <a:p>
             <a:pPr lvl="1"/>
@@ -1997,6 +2129,7 @@
               <a:rPr lang="ru-RU" smtClean="0"/>
               <a:t>Второй уровень</a:t>
             </a:r>
+            <a:endParaRPr lang="ru-RU" smtClean="0"/>
           </a:p>
           <a:p>
             <a:pPr lvl="2"/>
@@ -2004,6 +2137,7 @@
               <a:rPr lang="ru-RU" smtClean="0"/>
               <a:t>Третий уровень</a:t>
             </a:r>
+            <a:endParaRPr lang="ru-RU" smtClean="0"/>
           </a:p>
           <a:p>
             <a:pPr lvl="3"/>
@@ -2011,6 +2145,7 @@
               <a:rPr lang="ru-RU" smtClean="0"/>
               <a:t>Четвертый уровень</a:t>
             </a:r>
+            <a:endParaRPr lang="ru-RU" smtClean="0"/>
           </a:p>
           <a:p>
             <a:pPr lvl="4"/>
@@ -2084,6 +2219,7 @@
               <a:rPr lang="ru-RU" smtClean="0"/>
               <a:t>Образец текста</a:t>
             </a:r>
+            <a:endParaRPr lang="ru-RU" smtClean="0"/>
           </a:p>
         </p:txBody>
       </p:sp>
@@ -2104,7 +2240,6 @@
           <a:p>
             <a:fld id="{A1BB1353-7414-4C7C-B467-AB6E971D7B02}" type="datetimeFigureOut">
               <a:rPr lang="ru-RU" smtClean="0"/>
-              <a:t>12.05.2025</a:t>
             </a:fld>
             <a:endParaRPr lang="ru-RU"/>
           </a:p>
@@ -2146,18 +2281,12 @@
           <a:p>
             <a:fld id="{DC6B2086-0373-4208-9DC1-0D098AC2161C}" type="slidenum">
               <a:rPr lang="ru-RU" smtClean="0"/>
-              <a:t>‹#›</a:t>
             </a:fld>
             <a:endParaRPr lang="ru-RU"/>
           </a:p>
         </p:txBody>
       </p:sp>
     </p:spTree>
-    <p:extLst>
-      <p:ext uri="{BB962C8B-B14F-4D97-AF65-F5344CB8AC3E}">
-        <p14:creationId xmlns:p14="http://schemas.microsoft.com/office/powerpoint/2010/main" val="3612842313"/>
-      </p:ext>
-    </p:extLst>
   </p:cSld>
   <p:clrMapOvr>
     <a:masterClrMapping/>
@@ -2337,6 +2466,7 @@
               <a:rPr lang="ru-RU" smtClean="0"/>
               <a:t>Образец текста</a:t>
             </a:r>
+            <a:endParaRPr lang="ru-RU" smtClean="0"/>
           </a:p>
         </p:txBody>
       </p:sp>
@@ -2357,7 +2487,6 @@
           <a:p>
             <a:fld id="{A1BB1353-7414-4C7C-B467-AB6E971D7B02}" type="datetimeFigureOut">
               <a:rPr lang="ru-RU" smtClean="0"/>
-              <a:t>12.05.2025</a:t>
             </a:fld>
             <a:endParaRPr lang="ru-RU"/>
           </a:p>
@@ -2399,18 +2528,12 @@
           <a:p>
             <a:fld id="{DC6B2086-0373-4208-9DC1-0D098AC2161C}" type="slidenum">
               <a:rPr lang="ru-RU" smtClean="0"/>
-              <a:t>‹#›</a:t>
             </a:fld>
             <a:endParaRPr lang="ru-RU"/>
           </a:p>
         </p:txBody>
       </p:sp>
     </p:spTree>
-    <p:extLst>
-      <p:ext uri="{BB962C8B-B14F-4D97-AF65-F5344CB8AC3E}">
-        <p14:creationId xmlns:p14="http://schemas.microsoft.com/office/powerpoint/2010/main" val="3547365043"/>
-      </p:ext>
-    </p:extLst>
   </p:cSld>
   <p:clrMapOvr>
     <a:masterClrMapping/>
@@ -2503,6 +2626,7 @@
               <a:rPr lang="ru-RU" smtClean="0"/>
               <a:t>Образец текста</a:t>
             </a:r>
+            <a:endParaRPr lang="ru-RU" smtClean="0"/>
           </a:p>
           <a:p>
             <a:pPr lvl="1"/>
@@ -2510,6 +2634,7 @@
               <a:rPr lang="ru-RU" smtClean="0"/>
               <a:t>Второй уровень</a:t>
             </a:r>
+            <a:endParaRPr lang="ru-RU" smtClean="0"/>
           </a:p>
           <a:p>
             <a:pPr lvl="2"/>
@@ -2517,6 +2642,7 @@
               <a:rPr lang="ru-RU" smtClean="0"/>
               <a:t>Третий уровень</a:t>
             </a:r>
+            <a:endParaRPr lang="ru-RU" smtClean="0"/>
           </a:p>
           <a:p>
             <a:pPr lvl="3"/>
@@ -2524,6 +2650,7 @@
               <a:rPr lang="ru-RU" smtClean="0"/>
               <a:t>Четвертый уровень</a:t>
             </a:r>
+            <a:endParaRPr lang="ru-RU" smtClean="0"/>
           </a:p>
           <a:p>
             <a:pPr lvl="4"/>
@@ -2570,7 +2697,6 @@
           <a:p>
             <a:fld id="{A1BB1353-7414-4C7C-B467-AB6E971D7B02}" type="datetimeFigureOut">
               <a:rPr lang="ru-RU" smtClean="0"/>
-              <a:t>12.05.2025</a:t>
             </a:fld>
             <a:endParaRPr lang="ru-RU"/>
           </a:p>
@@ -2648,18 +2774,12 @@
           <a:p>
             <a:fld id="{DC6B2086-0373-4208-9DC1-0D098AC2161C}" type="slidenum">
               <a:rPr lang="ru-RU" smtClean="0"/>
-              <a:t>‹#›</a:t>
             </a:fld>
             <a:endParaRPr lang="ru-RU"/>
           </a:p>
         </p:txBody>
       </p:sp>
     </p:spTree>
-    <p:extLst>
-      <p:ext uri="{BB962C8B-B14F-4D97-AF65-F5344CB8AC3E}">
-        <p14:creationId xmlns:p14="http://schemas.microsoft.com/office/powerpoint/2010/main" val="2033115941"/>
-      </p:ext>
-    </p:extLst>
   </p:cSld>
   <p:clrMap bg1="lt1" tx1="dk1" bg2="lt2" tx2="dk2" accent1="accent1" accent2="accent2" accent3="accent3" accent4="accent4" accent5="accent5" accent6="accent6" hlink="hlink" folHlink="folHlink"/>
   <p:sldLayoutIdLst>
@@ -2674,6 +2794,7 @@
     <p:sldLayoutId id="2147483657" r:id="rId9"/>
     <p:sldLayoutId id="2147483658" r:id="rId10"/>
     <p:sldLayoutId id="2147483659" r:id="rId11"/>
+    <p:sldLayoutId id="2147483660" r:id="rId12"/>
   </p:sldLayoutIdLst>
   <p:txStyles>
     <p:titleStyle>
@@ -3068,11 +3189,6 @@
         </p:txBody>
       </p:sp>
     </p:spTree>
-    <p:extLst>
-      <p:ext uri="{BB962C8B-B14F-4D97-AF65-F5344CB8AC3E}">
-        <p14:creationId xmlns:p14="http://schemas.microsoft.com/office/powerpoint/2010/main" val="1356357331"/>
-      </p:ext>
-    </p:extLst>
   </p:cSld>
   <p:clrMapOvr>
     <a:masterClrMapping/>
@@ -3133,7 +3249,7 @@
           <p:nvPr/>
         </p:nvPicPr>
         <p:blipFill>
-          <a:blip r:embed="rId2" cstate="print">
+          <a:blip r:embed="rId1" cstate="print">
             <a:extLst>
               <a:ext uri="{28A0092B-C50C-407E-A947-70E740481C1C}">
                 <a14:useLocalDpi xmlns:a14="http://schemas.microsoft.com/office/drawing/2010/main" val="0"/>
@@ -3195,6 +3311,10 @@
               </a:rPr>
               <a:t> представлен код и файл с</a:t>
             </a:r>
+            <a:endParaRPr lang="ru-RU" dirty="0" smtClean="0">
+              <a:latin typeface="Arial" panose="020B0604020202020204" pitchFamily="34" charset="0"/>
+              <a:cs typeface="Arial" panose="020B0604020202020204" pitchFamily="34" charset="0"/>
+            </a:endParaRPr>
           </a:p>
           <a:p>
             <a:pPr marL="0" indent="0">
@@ -3207,6 +3327,10 @@
               </a:rPr>
               <a:t> возможными блюдами </a:t>
             </a:r>
+            <a:endParaRPr lang="ru-RU" dirty="0" smtClean="0">
+              <a:latin typeface="Arial" panose="020B0604020202020204" pitchFamily="34" charset="0"/>
+              <a:cs typeface="Arial" panose="020B0604020202020204" pitchFamily="34" charset="0"/>
+            </a:endParaRPr>
           </a:p>
           <a:p>
             <a:pPr marL="0" indent="0">
@@ -3219,6 +3343,10 @@
               </a:rPr>
               <a:t>(для корректной работы нужно добавить </a:t>
             </a:r>
+            <a:endParaRPr lang="ru-RU" dirty="0" smtClean="0">
+              <a:latin typeface="Arial" panose="020B0604020202020204" pitchFamily="34" charset="0"/>
+              <a:cs typeface="Arial" panose="020B0604020202020204" pitchFamily="34" charset="0"/>
+            </a:endParaRPr>
           </a:p>
           <a:p>
             <a:pPr marL="0" indent="0">
@@ -3253,11 +3381,6 @@
         </p:txBody>
       </p:sp>
     </p:spTree>
-    <p:extLst>
-      <p:ext uri="{BB962C8B-B14F-4D97-AF65-F5344CB8AC3E}">
-        <p14:creationId xmlns:p14="http://schemas.microsoft.com/office/powerpoint/2010/main" val="2071061197"/>
-      </p:ext>
-    </p:extLst>
   </p:cSld>
   <p:clrMapOvr>
     <a:masterClrMapping/>
@@ -3350,7 +3473,7 @@
           <p:nvPr/>
         </p:nvPicPr>
         <p:blipFill>
-          <a:blip r:embed="rId2"/>
+          <a:blip r:embed="rId1"/>
           <a:stretch>
             <a:fillRect/>
           </a:stretch>
@@ -3366,11 +3489,6 @@
         </p:spPr>
       </p:pic>
     </p:spTree>
-    <p:extLst>
-      <p:ext uri="{BB962C8B-B14F-4D97-AF65-F5344CB8AC3E}">
-        <p14:creationId xmlns:p14="http://schemas.microsoft.com/office/powerpoint/2010/main" val="449405582"/>
-      </p:ext>
-    </p:extLst>
   </p:cSld>
   <p:clrMapOvr>
     <a:masterClrMapping/>
@@ -3465,7 +3583,7 @@
           <p:nvPr/>
         </p:nvPicPr>
         <p:blipFill>
-          <a:blip r:embed="rId2"/>
+          <a:blip r:embed="rId1"/>
           <a:stretch>
             <a:fillRect/>
           </a:stretch>
@@ -3481,11 +3599,6 @@
         </p:spPr>
       </p:pic>
     </p:spTree>
-    <p:extLst>
-      <p:ext uri="{BB962C8B-B14F-4D97-AF65-F5344CB8AC3E}">
-        <p14:creationId xmlns:p14="http://schemas.microsoft.com/office/powerpoint/2010/main" val="1985276682"/>
-      </p:ext>
-    </p:extLst>
   </p:cSld>
   <p:clrMapOvr>
     <a:masterClrMapping/>
@@ -3551,72 +3664,121 @@
         </p:nvSpPr>
         <p:spPr>
           <a:xfrm>
-            <a:off x="838200" y="2760785"/>
-            <a:ext cx="10515600" cy="3416178"/>
+            <a:off x="512445" y="1841500"/>
+            <a:ext cx="6071235" cy="4335780"/>
           </a:xfrm>
         </p:spPr>
         <p:txBody>
           <a:bodyPr/>
           <a:lstStyle/>
           <a:p>
+            <a:endParaRPr lang="ru-RU" dirty="0" smtClean="0"/>
+          </a:p>
+        </p:txBody>
+      </p:sp>
+      <p:pic>
+        <p:nvPicPr>
+          <p:cNvPr id="4" name="Изображение 3"/>
+          <p:cNvPicPr/>
+          <p:nvPr/>
+        </p:nvPicPr>
+        <p:blipFill>
+          <a:blip r:embed="rId1"/>
+          <a:stretch>
+            <a:fillRect/>
+          </a:stretch>
+        </p:blipFill>
+        <p:spPr>
+          <a:xfrm>
+            <a:off x="421005" y="1537335"/>
+            <a:ext cx="1409700" cy="1409700"/>
+          </a:xfrm>
+          <a:prstGeom prst="rect">
+            <a:avLst/>
+          </a:prstGeom>
+        </p:spPr>
+      </p:pic>
+      <p:pic>
+        <p:nvPicPr>
+          <p:cNvPr id="5" name="Изображение 4"/>
+          <p:cNvPicPr/>
+          <p:nvPr/>
+        </p:nvPicPr>
+        <p:blipFill>
+          <a:blip r:embed="rId2"/>
+          <a:stretch>
+            <a:fillRect/>
+          </a:stretch>
+        </p:blipFill>
+        <p:spPr>
+          <a:xfrm>
+            <a:off x="421005" y="2947035"/>
+            <a:ext cx="1409700" cy="1409700"/>
+          </a:xfrm>
+          <a:prstGeom prst="rect">
+            <a:avLst/>
+          </a:prstGeom>
+        </p:spPr>
+      </p:pic>
+      <p:pic>
+        <p:nvPicPr>
+          <p:cNvPr id="6" name="Изображение 5"/>
+          <p:cNvPicPr/>
+          <p:nvPr/>
+        </p:nvPicPr>
+        <p:blipFill>
+          <a:blip r:embed="rId3"/>
+          <a:stretch>
+            <a:fillRect/>
+          </a:stretch>
+        </p:blipFill>
+        <p:spPr>
+          <a:xfrm>
+            <a:off x="421005" y="4356735"/>
+            <a:ext cx="1409700" cy="1409700"/>
+          </a:xfrm>
+          <a:prstGeom prst="rect">
+            <a:avLst/>
+          </a:prstGeom>
+        </p:spPr>
+      </p:pic>
+      <p:sp>
+        <p:nvSpPr>
+          <p:cNvPr id="7" name="Текстовое поле 6"/>
+          <p:cNvSpPr txBox="1"/>
+          <p:nvPr/>
+        </p:nvSpPr>
+        <p:spPr>
+          <a:xfrm>
+            <a:off x="3898900" y="3157855"/>
+            <a:ext cx="4064000" cy="1198880"/>
+          </a:xfrm>
+          <a:prstGeom prst="rect">
+            <a:avLst/>
+          </a:prstGeom>
+          <a:noFill/>
+        </p:spPr>
+        <p:txBody>
+          <a:bodyPr wrap="square" rtlCol="0">
+            <a:spAutoFit/>
+          </a:bodyPr>
+          <a:p>
             <a:pPr algn="ctr"/>
             <a:r>
-              <a:rPr lang="en-US" dirty="0">
-                <a:hlinkClick r:id="rId2"/>
+              <a:rPr lang="ru-RU" altLang="ru-RU" sz="2400">
+                <a:latin typeface="Arial" panose="020B0604020202020204" pitchFamily="34" charset="0"/>
+                <a:cs typeface="Arial" panose="020B0604020202020204" pitchFamily="34" charset="0"/>
               </a:rPr>
-              <a:t>https://</a:t>
-            </a:r>
-            <a:r>
-              <a:rPr lang="en-US" dirty="0" smtClean="0">
-                <a:hlinkClick r:id="rId2"/>
-              </a:rPr>
-              <a:t>povarenok.by/ingredients/filtr</a:t>
-            </a:r>
-            <a:endParaRPr lang="ru-RU" dirty="0" smtClean="0"/>
-          </a:p>
-          <a:p>
-            <a:pPr algn="ctr"/>
-            <a:r>
-              <a:rPr lang="en-US" dirty="0">
-                <a:hlinkClick r:id="rId3"/>
-              </a:rPr>
-              <a:t>https://</a:t>
-            </a:r>
-            <a:r>
-              <a:rPr lang="en-US" dirty="0" smtClean="0">
-                <a:hlinkClick r:id="rId3"/>
-              </a:rPr>
-              <a:t>vkuso.ru/ingredients</a:t>
-            </a:r>
-            <a:endParaRPr lang="ru-RU" dirty="0" smtClean="0"/>
-          </a:p>
-          <a:p>
-            <a:pPr algn="ctr"/>
-            <a:r>
-              <a:rPr lang="en-US" dirty="0">
-                <a:hlinkClick r:id="rId4"/>
-              </a:rPr>
-              <a:t>https://</a:t>
-            </a:r>
-            <a:r>
-              <a:rPr lang="en-US" dirty="0" smtClean="0">
-                <a:hlinkClick r:id="rId4"/>
-              </a:rPr>
-              <a:t>1000.menu/cooking/search</a:t>
-            </a:r>
-            <a:endParaRPr lang="ru-RU" dirty="0" smtClean="0"/>
-          </a:p>
-          <a:p>
-            <a:endParaRPr lang="ru-RU" dirty="0" smtClean="0"/>
+              <a:t>На данный момент мой проект неможет чем-то выделится среди аналагов</a:t>
+            </a:r>
+            <a:endParaRPr lang="ru-RU" altLang="ru-RU" sz="2400">
+              <a:latin typeface="Arial" panose="020B0604020202020204" pitchFamily="34" charset="0"/>
+              <a:cs typeface="Arial" panose="020B0604020202020204" pitchFamily="34" charset="0"/>
+            </a:endParaRPr>
           </a:p>
         </p:txBody>
       </p:sp>
     </p:spTree>
-    <p:extLst>
-      <p:ext uri="{BB962C8B-B14F-4D97-AF65-F5344CB8AC3E}">
-        <p14:creationId xmlns:p14="http://schemas.microsoft.com/office/powerpoint/2010/main" val="4200409624"/>
-      </p:ext>
-    </p:extLst>
   </p:cSld>
   <p:clrMapOvr>
     <a:masterClrMapping/>
@@ -3633,17 +3795,10 @@
         <p:cNvGrpSpPr/>
         <p:nvPr/>
       </p:nvGrpSpPr>
-      <p:grpSpPr>
-        <a:xfrm>
-          <a:off x="0" y="0"/>
-          <a:ext cx="0" cy="0"/>
-          <a:chOff x="0" y="0"/>
-          <a:chExt cx="0" cy="0"/>
-        </a:xfrm>
-      </p:grpSpPr>
-      <p:sp>
-        <p:nvSpPr>
-          <p:cNvPr id="2" name="Заголовок 1"/>
+      <p:grpSpPr/>
+      <p:sp>
+        <p:nvSpPr>
+          <p:cNvPr id="4" name="Заголовок 3"/>
           <p:cNvSpPr>
             <a:spLocks noGrp="1"/>
           </p:cNvSpPr>
@@ -3654,78 +3809,1634 @@
         <p:spPr/>
         <p:txBody>
           <a:bodyPr/>
-          <a:lstStyle/>
-          <a:p>
-            <a:r>
-              <a:rPr lang="ru-RU" dirty="0" smtClean="0">
-                <a:latin typeface="Arial Black" panose="020B0A04020102020204" pitchFamily="34" charset="0"/>
+          <a:p>
+            <a:pPr algn="ctr"/>
+            <a:r>
+              <a:rPr lang="ru-RU" altLang="en-US">
+                <a:latin typeface="Arial" panose="020B0604020202020204" pitchFamily="34" charset="0"/>
+                <a:cs typeface="Arial" panose="020B0604020202020204" pitchFamily="34" charset="0"/>
               </a:rPr>
-              <a:t>Бизнес модель</a:t>
-            </a:r>
-            <a:endParaRPr lang="ru-RU" dirty="0">
-              <a:latin typeface="Arial Black" panose="020B0A04020102020204" pitchFamily="34" charset="0"/>
+              <a:t>Дорожная карта</a:t>
+            </a:r>
+            <a:endParaRPr lang="ru-RU" altLang="en-US">
+              <a:latin typeface="Arial" panose="020B0604020202020204" pitchFamily="34" charset="0"/>
+              <a:cs typeface="Arial" panose="020B0604020202020204" pitchFamily="34" charset="0"/>
             </a:endParaRPr>
           </a:p>
         </p:txBody>
       </p:sp>
-      <p:sp>
-        <p:nvSpPr>
-          <p:cNvPr id="3" name="Объект 2"/>
-          <p:cNvSpPr>
-            <a:spLocks noGrp="1"/>
-          </p:cNvSpPr>
+      <p:graphicFrame>
+        <p:nvGraphicFramePr>
+          <p:cNvPr id="6" name="Замещающее содержимое 5"/>
+          <p:cNvGraphicFramePr/>
           <p:nvPr>
             <p:ph idx="1"/>
-          </p:nvPr>
-        </p:nvSpPr>
-        <p:spPr/>
-        <p:txBody>
-          <a:bodyPr/>
-          <a:lstStyle/>
-          <a:p>
-            <a:pPr algn="ctr"/>
-            <a:endParaRPr lang="ru-RU" dirty="0">
-              <a:latin typeface="Impact" panose="020B0806030902050204" pitchFamily="34" charset="0"/>
-            </a:endParaRPr>
-          </a:p>
-        </p:txBody>
-      </p:sp>
-      <p:pic>
-        <p:nvPicPr>
-          <p:cNvPr id="4" name="Рисунок 3"/>
-          <p:cNvPicPr>
-            <a:picLocks noChangeAspect="1"/>
-          </p:cNvPicPr>
-          <p:nvPr/>
-        </p:nvPicPr>
-        <p:blipFill>
-          <a:blip r:embed="rId2" cstate="print">
-            <a:extLst>
-              <a:ext uri="{28A0092B-C50C-407E-A947-70E740481C1C}">
-                <a14:useLocalDpi xmlns:a14="http://schemas.microsoft.com/office/drawing/2010/main" val="0"/>
-              </a:ext>
-            </a:extLst>
-          </a:blip>
-          <a:stretch>
-            <a:fillRect/>
-          </a:stretch>
-        </p:blipFill>
-        <p:spPr>
-          <a:xfrm>
-            <a:off x="3644537" y="1690688"/>
-            <a:ext cx="4143104" cy="4143104"/>
-          </a:xfrm>
-          <a:prstGeom prst="rect">
-            <a:avLst/>
-          </a:prstGeom>
-        </p:spPr>
-      </p:pic>
+            <p:custDataLst>
+              <p:tags r:id="rId1"/>
+            </p:custDataLst>
+          </p:nvPr>
+        </p:nvGraphicFramePr>
+        <p:xfrm>
+          <a:off x="838200" y="1825625"/>
+          <a:ext cx="10515600" cy="3136900"/>
+        </p:xfrm>
+        <a:graphic>
+          <a:graphicData uri="http://schemas.openxmlformats.org/drawingml/2006/table">
+            <a:tbl>
+              <a:tblPr firstRow="1" bandRow="1">
+                <a:tableStyleId>{5C22544A-7EE6-4342-B048-85BDC9FD1C3A}</a:tableStyleId>
+              </a:tblPr>
+              <a:tblGrid>
+                <a:gridCol w="1051560"/>
+                <a:gridCol w="1051560"/>
+                <a:gridCol w="1051560"/>
+                <a:gridCol w="1051560"/>
+                <a:gridCol w="1040765"/>
+                <a:gridCol w="1062355"/>
+                <a:gridCol w="1051560"/>
+                <a:gridCol w="1051560"/>
+                <a:gridCol w="1051560"/>
+                <a:gridCol w="1051560"/>
+              </a:tblGrid>
+              <a:tr h="781685">
+                <a:tc gridSpan="5">
+                  <a:txBody>
+                    <a:bodyPr/>
+                    <a:p>
+                      <a:pPr algn="ctr">
+                        <a:buNone/>
+                      </a:pPr>
+                      <a:r>
+                        <a:rPr lang="ru-RU" altLang="en-US" sz="2400">
+                          <a:solidFill>
+                            <a:schemeClr val="tx1"/>
+                          </a:solidFill>
+                          <a:latin typeface="Arial" panose="020B0604020202020204" pitchFamily="34" charset="0"/>
+                          <a:cs typeface="Arial" panose="020B0604020202020204" pitchFamily="34" charset="0"/>
+                        </a:rPr>
+                        <a:t>2025</a:t>
+                      </a:r>
+                      <a:endParaRPr lang="ru-RU" altLang="en-US" sz="2400">
+                        <a:solidFill>
+                          <a:schemeClr val="tx1"/>
+                        </a:solidFill>
+                        <a:latin typeface="Arial" panose="020B0604020202020204" pitchFamily="34" charset="0"/>
+                        <a:cs typeface="Arial" panose="020B0604020202020204" pitchFamily="34" charset="0"/>
+                      </a:endParaRPr>
+                    </a:p>
+                  </a:txBody>
+                  <a:tcPr anchor="ctr" anchorCtr="0">
+                    <a:gradFill>
+                      <a:gsLst>
+                        <a:gs pos="0">
+                          <a:schemeClr val="accent1">
+                            <a:lumMod val="5000"/>
+                            <a:lumOff val="95000"/>
+                          </a:schemeClr>
+                        </a:gs>
+                        <a:gs pos="52000">
+                          <a:schemeClr val="bg1"/>
+                        </a:gs>
+                        <a:gs pos="81000">
+                          <a:schemeClr val="bg1">
+                            <a:lumMod val="95000"/>
+                          </a:schemeClr>
+                        </a:gs>
+                        <a:gs pos="100000">
+                          <a:schemeClr val="bg1">
+                            <a:lumMod val="65000"/>
+                          </a:schemeClr>
+                        </a:gs>
+                      </a:gsLst>
+                      <a:lin ang="5400000" scaled="0"/>
+                    </a:gradFill>
+                  </a:tcPr>
+                </a:tc>
+                <a:tc hMerge="1">
+                  <a:tcPr>
+                    <a:gradFill>
+                      <a:gsLst>
+                        <a:gs pos="0">
+                          <a:schemeClr val="accent1">
+                            <a:lumMod val="5000"/>
+                            <a:lumOff val="95000"/>
+                          </a:schemeClr>
+                        </a:gs>
+                        <a:gs pos="52000">
+                          <a:schemeClr val="bg1"/>
+                        </a:gs>
+                        <a:gs pos="81000">
+                          <a:schemeClr val="bg1">
+                            <a:lumMod val="95000"/>
+                          </a:schemeClr>
+                        </a:gs>
+                        <a:gs pos="100000">
+                          <a:schemeClr val="accent1">
+                            <a:lumMod val="30000"/>
+                            <a:lumOff val="70000"/>
+                          </a:schemeClr>
+                        </a:gs>
+                      </a:gsLst>
+                      <a:lin ang="5400000" scaled="0"/>
+                    </a:gradFill>
+                  </a:tcPr>
+                </a:tc>
+                <a:tc hMerge="1">
+                  <a:tcPr>
+                    <a:gradFill>
+                      <a:gsLst>
+                        <a:gs pos="0">
+                          <a:schemeClr val="accent1">
+                            <a:lumMod val="5000"/>
+                            <a:lumOff val="95000"/>
+                          </a:schemeClr>
+                        </a:gs>
+                        <a:gs pos="52000">
+                          <a:schemeClr val="bg1"/>
+                        </a:gs>
+                        <a:gs pos="81000">
+                          <a:schemeClr val="bg1">
+                            <a:lumMod val="95000"/>
+                          </a:schemeClr>
+                        </a:gs>
+                        <a:gs pos="100000">
+                          <a:schemeClr val="accent1">
+                            <a:lumMod val="30000"/>
+                            <a:lumOff val="70000"/>
+                          </a:schemeClr>
+                        </a:gs>
+                      </a:gsLst>
+                      <a:lin ang="5400000" scaled="0"/>
+                    </a:gradFill>
+                  </a:tcPr>
+                </a:tc>
+                <a:tc hMerge="1">
+                  <a:tcPr>
+                    <a:gradFill>
+                      <a:gsLst>
+                        <a:gs pos="0">
+                          <a:schemeClr val="accent1">
+                            <a:lumMod val="5000"/>
+                            <a:lumOff val="95000"/>
+                          </a:schemeClr>
+                        </a:gs>
+                        <a:gs pos="52000">
+                          <a:schemeClr val="bg1"/>
+                        </a:gs>
+                        <a:gs pos="81000">
+                          <a:schemeClr val="bg1">
+                            <a:lumMod val="95000"/>
+                          </a:schemeClr>
+                        </a:gs>
+                        <a:gs pos="100000">
+                          <a:schemeClr val="accent1">
+                            <a:lumMod val="30000"/>
+                            <a:lumOff val="70000"/>
+                          </a:schemeClr>
+                        </a:gs>
+                      </a:gsLst>
+                      <a:lin ang="5400000" scaled="0"/>
+                    </a:gradFill>
+                  </a:tcPr>
+                </a:tc>
+                <a:tc hMerge="1">
+                  <a:tcPr>
+                    <a:gradFill>
+                      <a:gsLst>
+                        <a:gs pos="0">
+                          <a:schemeClr val="accent1">
+                            <a:lumMod val="5000"/>
+                            <a:lumOff val="95000"/>
+                          </a:schemeClr>
+                        </a:gs>
+                        <a:gs pos="52000">
+                          <a:schemeClr val="bg1"/>
+                        </a:gs>
+                        <a:gs pos="81000">
+                          <a:schemeClr val="bg1">
+                            <a:lumMod val="95000"/>
+                          </a:schemeClr>
+                        </a:gs>
+                        <a:gs pos="100000">
+                          <a:schemeClr val="accent1">
+                            <a:lumMod val="30000"/>
+                            <a:lumOff val="70000"/>
+                          </a:schemeClr>
+                        </a:gs>
+                      </a:gsLst>
+                      <a:lin ang="5400000" scaled="0"/>
+                    </a:gradFill>
+                  </a:tcPr>
+                </a:tc>
+                <a:tc gridSpan="5">
+                  <a:txBody>
+                    <a:bodyPr/>
+                    <a:p>
+                      <a:pPr algn="ctr">
+                        <a:buNone/>
+                      </a:pPr>
+                      <a:r>
+                        <a:rPr lang="ru-RU" altLang="en-US" sz="2400">
+                          <a:solidFill>
+                            <a:schemeClr val="tx1"/>
+                          </a:solidFill>
+                          <a:latin typeface="Arial" panose="020B0604020202020204" pitchFamily="34" charset="0"/>
+                          <a:cs typeface="Arial" panose="020B0604020202020204" pitchFamily="34" charset="0"/>
+                        </a:rPr>
+                        <a:t>2026</a:t>
+                      </a:r>
+                      <a:endParaRPr lang="ru-RU" altLang="en-US" sz="2400">
+                        <a:solidFill>
+                          <a:schemeClr val="tx1"/>
+                        </a:solidFill>
+                        <a:latin typeface="Arial" panose="020B0604020202020204" pitchFamily="34" charset="0"/>
+                        <a:cs typeface="Arial" panose="020B0604020202020204" pitchFamily="34" charset="0"/>
+                      </a:endParaRPr>
+                    </a:p>
+                  </a:txBody>
+                  <a:tcPr anchor="ctr" anchorCtr="0">
+                    <a:gradFill>
+                      <a:gsLst>
+                        <a:gs pos="0">
+                          <a:schemeClr val="accent1">
+                            <a:lumMod val="5000"/>
+                            <a:lumOff val="95000"/>
+                          </a:schemeClr>
+                        </a:gs>
+                        <a:gs pos="52000">
+                          <a:schemeClr val="bg1"/>
+                        </a:gs>
+                        <a:gs pos="81000">
+                          <a:schemeClr val="bg1">
+                            <a:lumMod val="95000"/>
+                          </a:schemeClr>
+                        </a:gs>
+                        <a:gs pos="100000">
+                          <a:schemeClr val="bg1">
+                            <a:lumMod val="65000"/>
+                          </a:schemeClr>
+                        </a:gs>
+                      </a:gsLst>
+                      <a:lin ang="5400000" scaled="0"/>
+                    </a:gradFill>
+                  </a:tcPr>
+                </a:tc>
+                <a:tc hMerge="1">
+                  <a:tcPr>
+                    <a:gradFill>
+                      <a:gsLst>
+                        <a:gs pos="0">
+                          <a:schemeClr val="accent1">
+                            <a:lumMod val="5000"/>
+                            <a:lumOff val="95000"/>
+                          </a:schemeClr>
+                        </a:gs>
+                        <a:gs pos="52000">
+                          <a:schemeClr val="bg1"/>
+                        </a:gs>
+                        <a:gs pos="81000">
+                          <a:schemeClr val="bg1">
+                            <a:lumMod val="95000"/>
+                          </a:schemeClr>
+                        </a:gs>
+                        <a:gs pos="100000">
+                          <a:schemeClr val="accent1">
+                            <a:lumMod val="30000"/>
+                            <a:lumOff val="70000"/>
+                          </a:schemeClr>
+                        </a:gs>
+                      </a:gsLst>
+                      <a:lin ang="5400000" scaled="0"/>
+                    </a:gradFill>
+                  </a:tcPr>
+                </a:tc>
+                <a:tc hMerge="1">
+                  <a:tcPr>
+                    <a:gradFill>
+                      <a:gsLst>
+                        <a:gs pos="0">
+                          <a:schemeClr val="accent1">
+                            <a:lumMod val="5000"/>
+                            <a:lumOff val="95000"/>
+                          </a:schemeClr>
+                        </a:gs>
+                        <a:gs pos="52000">
+                          <a:schemeClr val="bg1"/>
+                        </a:gs>
+                        <a:gs pos="81000">
+                          <a:schemeClr val="bg1">
+                            <a:lumMod val="95000"/>
+                          </a:schemeClr>
+                        </a:gs>
+                        <a:gs pos="100000">
+                          <a:schemeClr val="accent1">
+                            <a:lumMod val="30000"/>
+                            <a:lumOff val="70000"/>
+                          </a:schemeClr>
+                        </a:gs>
+                      </a:gsLst>
+                      <a:lin ang="5400000" scaled="0"/>
+                    </a:gradFill>
+                  </a:tcPr>
+                </a:tc>
+                <a:tc hMerge="1">
+                  <a:tcPr>
+                    <a:gradFill>
+                      <a:gsLst>
+                        <a:gs pos="0">
+                          <a:schemeClr val="accent1">
+                            <a:lumMod val="5000"/>
+                            <a:lumOff val="95000"/>
+                          </a:schemeClr>
+                        </a:gs>
+                        <a:gs pos="52000">
+                          <a:schemeClr val="bg1"/>
+                        </a:gs>
+                        <a:gs pos="81000">
+                          <a:schemeClr val="bg1">
+                            <a:lumMod val="95000"/>
+                          </a:schemeClr>
+                        </a:gs>
+                        <a:gs pos="100000">
+                          <a:schemeClr val="accent1">
+                            <a:lumMod val="30000"/>
+                            <a:lumOff val="70000"/>
+                          </a:schemeClr>
+                        </a:gs>
+                      </a:gsLst>
+                      <a:lin ang="5400000" scaled="0"/>
+                    </a:gradFill>
+                  </a:tcPr>
+                </a:tc>
+                <a:tc hMerge="1">
+                  <a:tcPr>
+                    <a:gradFill>
+                      <a:gsLst>
+                        <a:gs pos="0">
+                          <a:schemeClr val="accent1">
+                            <a:lumMod val="5000"/>
+                            <a:lumOff val="95000"/>
+                          </a:schemeClr>
+                        </a:gs>
+                        <a:gs pos="52000">
+                          <a:schemeClr val="bg1"/>
+                        </a:gs>
+                        <a:gs pos="81000">
+                          <a:schemeClr val="bg1">
+                            <a:lumMod val="95000"/>
+                          </a:schemeClr>
+                        </a:gs>
+                        <a:gs pos="100000">
+                          <a:schemeClr val="accent1">
+                            <a:lumMod val="30000"/>
+                            <a:lumOff val="70000"/>
+                          </a:schemeClr>
+                        </a:gs>
+                      </a:gsLst>
+                      <a:lin ang="5400000" scaled="0"/>
+                    </a:gradFill>
+                  </a:tcPr>
+                </a:tc>
+              </a:tr>
+              <a:tr h="781685">
+                <a:tc gridSpan="3">
+                  <a:txBody>
+                    <a:bodyPr/>
+                    <a:p>
+                      <a:pPr algn="ctr">
+                        <a:lnSpc>
+                          <a:spcPct val="170000"/>
+                        </a:lnSpc>
+                        <a:buNone/>
+                      </a:pPr>
+                      <a:r>
+                        <a:rPr lang="ru-RU" altLang="en-US" sz="2000">
+                          <a:solidFill>
+                            <a:schemeClr val="tx1"/>
+                          </a:solidFill>
+                          <a:latin typeface="Arial" panose="020B0604020202020204" pitchFamily="34" charset="0"/>
+                          <a:cs typeface="Arial" panose="020B0604020202020204" pitchFamily="34" charset="0"/>
+                        </a:rPr>
+                        <a:t>Разработка проекта</a:t>
+                      </a:r>
+                      <a:endParaRPr lang="ru-RU" altLang="en-US" sz="2000">
+                        <a:solidFill>
+                          <a:schemeClr val="tx1"/>
+                        </a:solidFill>
+                        <a:latin typeface="Arial" panose="020B0604020202020204" pitchFamily="34" charset="0"/>
+                        <a:cs typeface="Arial" panose="020B0604020202020204" pitchFamily="34" charset="0"/>
+                      </a:endParaRPr>
+                    </a:p>
+                  </a:txBody>
+                  <a:tcPr>
+                    <a:gradFill>
+                      <a:gsLst>
+                        <a:gs pos="0">
+                          <a:schemeClr val="accent1">
+                            <a:lumMod val="5000"/>
+                            <a:lumOff val="95000"/>
+                          </a:schemeClr>
+                        </a:gs>
+                        <a:gs pos="52000">
+                          <a:schemeClr val="bg1"/>
+                        </a:gs>
+                        <a:gs pos="81000">
+                          <a:schemeClr val="bg1">
+                            <a:lumMod val="95000"/>
+                          </a:schemeClr>
+                        </a:gs>
+                        <a:gs pos="100000">
+                          <a:schemeClr val="accent6">
+                            <a:lumMod val="60000"/>
+                            <a:lumOff val="40000"/>
+                          </a:schemeClr>
+                        </a:gs>
+                      </a:gsLst>
+                      <a:lin ang="5400000" scaled="0"/>
+                    </a:gradFill>
+                  </a:tcPr>
+                </a:tc>
+                <a:tc hMerge="1">
+                  <a:tcPr>
+                    <a:gradFill>
+                      <a:gsLst>
+                        <a:gs pos="0">
+                          <a:schemeClr val="accent1">
+                            <a:lumMod val="5000"/>
+                            <a:lumOff val="95000"/>
+                          </a:schemeClr>
+                        </a:gs>
+                        <a:gs pos="52000">
+                          <a:schemeClr val="bg1"/>
+                        </a:gs>
+                        <a:gs pos="81000">
+                          <a:schemeClr val="bg1">
+                            <a:lumMod val="95000"/>
+                          </a:schemeClr>
+                        </a:gs>
+                        <a:gs pos="100000">
+                          <a:schemeClr val="accent1">
+                            <a:lumMod val="30000"/>
+                            <a:lumOff val="70000"/>
+                          </a:schemeClr>
+                        </a:gs>
+                      </a:gsLst>
+                      <a:lin ang="5400000" scaled="0"/>
+                    </a:gradFill>
+                  </a:tcPr>
+                </a:tc>
+                <a:tc hMerge="1">
+                  <a:tcPr>
+                    <a:gradFill>
+                      <a:gsLst>
+                        <a:gs pos="0">
+                          <a:schemeClr val="accent1">
+                            <a:lumMod val="5000"/>
+                            <a:lumOff val="95000"/>
+                          </a:schemeClr>
+                        </a:gs>
+                        <a:gs pos="52000">
+                          <a:schemeClr val="bg1"/>
+                        </a:gs>
+                        <a:gs pos="81000">
+                          <a:schemeClr val="bg1">
+                            <a:lumMod val="95000"/>
+                          </a:schemeClr>
+                        </a:gs>
+                        <a:gs pos="100000">
+                          <a:schemeClr val="accent1">
+                            <a:lumMod val="30000"/>
+                            <a:lumOff val="70000"/>
+                          </a:schemeClr>
+                        </a:gs>
+                      </a:gsLst>
+                      <a:lin ang="5400000" scaled="0"/>
+                    </a:gradFill>
+                  </a:tcPr>
+                </a:tc>
+                <a:tc>
+                  <a:txBody>
+                    <a:bodyPr/>
+                    <a:p>
+                      <a:pPr>
+                        <a:buNone/>
+                      </a:pPr>
+                      <a:endParaRPr lang="ru-RU" altLang="en-US">
+                        <a:solidFill>
+                          <a:schemeClr val="tx1"/>
+                        </a:solidFill>
+                      </a:endParaRPr>
+                    </a:p>
+                  </a:txBody>
+                  <a:tcPr>
+                    <a:gradFill>
+                      <a:gsLst>
+                        <a:gs pos="0">
+                          <a:schemeClr val="accent1">
+                            <a:lumMod val="5000"/>
+                            <a:lumOff val="95000"/>
+                          </a:schemeClr>
+                        </a:gs>
+                        <a:gs pos="52000">
+                          <a:schemeClr val="bg1"/>
+                        </a:gs>
+                        <a:gs pos="81000">
+                          <a:schemeClr val="bg1">
+                            <a:lumMod val="95000"/>
+                          </a:schemeClr>
+                        </a:gs>
+                        <a:gs pos="100000">
+                          <a:schemeClr val="accent1">
+                            <a:lumMod val="40000"/>
+                            <a:lumOff val="60000"/>
+                          </a:schemeClr>
+                        </a:gs>
+                      </a:gsLst>
+                      <a:lin ang="5400000" scaled="0"/>
+                    </a:gradFill>
+                  </a:tcPr>
+                </a:tc>
+                <a:tc>
+                  <a:txBody>
+                    <a:bodyPr/>
+                    <a:p>
+                      <a:pPr>
+                        <a:buNone/>
+                      </a:pPr>
+                      <a:endParaRPr lang="ru-RU" altLang="en-US">
+                        <a:solidFill>
+                          <a:schemeClr val="tx1"/>
+                        </a:solidFill>
+                      </a:endParaRPr>
+                    </a:p>
+                  </a:txBody>
+                  <a:tcPr>
+                    <a:gradFill>
+                      <a:gsLst>
+                        <a:gs pos="0">
+                          <a:schemeClr val="accent1">
+                            <a:lumMod val="5000"/>
+                            <a:lumOff val="95000"/>
+                          </a:schemeClr>
+                        </a:gs>
+                        <a:gs pos="52000">
+                          <a:schemeClr val="bg1"/>
+                        </a:gs>
+                        <a:gs pos="81000">
+                          <a:schemeClr val="bg1">
+                            <a:lumMod val="95000"/>
+                          </a:schemeClr>
+                        </a:gs>
+                        <a:gs pos="100000">
+                          <a:schemeClr val="accent1">
+                            <a:lumMod val="30000"/>
+                            <a:lumOff val="70000"/>
+                          </a:schemeClr>
+                        </a:gs>
+                      </a:gsLst>
+                      <a:lin ang="5400000" scaled="0"/>
+                    </a:gradFill>
+                  </a:tcPr>
+                </a:tc>
+                <a:tc>
+                  <a:txBody>
+                    <a:bodyPr/>
+                    <a:p>
+                      <a:pPr>
+                        <a:buNone/>
+                      </a:pPr>
+                      <a:endParaRPr lang="ru-RU" altLang="en-US">
+                        <a:solidFill>
+                          <a:schemeClr val="tx1"/>
+                        </a:solidFill>
+                      </a:endParaRPr>
+                    </a:p>
+                  </a:txBody>
+                  <a:tcPr>
+                    <a:gradFill>
+                      <a:gsLst>
+                        <a:gs pos="0">
+                          <a:schemeClr val="accent1">
+                            <a:lumMod val="5000"/>
+                            <a:lumOff val="95000"/>
+                          </a:schemeClr>
+                        </a:gs>
+                        <a:gs pos="52000">
+                          <a:schemeClr val="bg1"/>
+                        </a:gs>
+                        <a:gs pos="81000">
+                          <a:schemeClr val="bg1">
+                            <a:lumMod val="95000"/>
+                          </a:schemeClr>
+                        </a:gs>
+                        <a:gs pos="100000">
+                          <a:schemeClr val="accent1">
+                            <a:lumMod val="30000"/>
+                            <a:lumOff val="70000"/>
+                          </a:schemeClr>
+                        </a:gs>
+                      </a:gsLst>
+                      <a:lin ang="5400000" scaled="0"/>
+                    </a:gradFill>
+                  </a:tcPr>
+                </a:tc>
+                <a:tc>
+                  <a:txBody>
+                    <a:bodyPr/>
+                    <a:p>
+                      <a:pPr>
+                        <a:buNone/>
+                      </a:pPr>
+                      <a:endParaRPr lang="ru-RU" altLang="en-US">
+                        <a:solidFill>
+                          <a:schemeClr val="tx1"/>
+                        </a:solidFill>
+                      </a:endParaRPr>
+                    </a:p>
+                  </a:txBody>
+                  <a:tcPr>
+                    <a:gradFill>
+                      <a:gsLst>
+                        <a:gs pos="0">
+                          <a:schemeClr val="accent1">
+                            <a:lumMod val="5000"/>
+                            <a:lumOff val="95000"/>
+                          </a:schemeClr>
+                        </a:gs>
+                        <a:gs pos="52000">
+                          <a:schemeClr val="bg1"/>
+                        </a:gs>
+                        <a:gs pos="81000">
+                          <a:schemeClr val="bg1">
+                            <a:lumMod val="95000"/>
+                          </a:schemeClr>
+                        </a:gs>
+                        <a:gs pos="100000">
+                          <a:schemeClr val="accent1">
+                            <a:lumMod val="30000"/>
+                            <a:lumOff val="70000"/>
+                          </a:schemeClr>
+                        </a:gs>
+                      </a:gsLst>
+                      <a:lin ang="5400000" scaled="0"/>
+                    </a:gradFill>
+                  </a:tcPr>
+                </a:tc>
+                <a:tc>
+                  <a:txBody>
+                    <a:bodyPr/>
+                    <a:p>
+                      <a:pPr>
+                        <a:buNone/>
+                      </a:pPr>
+                      <a:endParaRPr lang="ru-RU" altLang="en-US">
+                        <a:solidFill>
+                          <a:schemeClr val="tx1"/>
+                        </a:solidFill>
+                      </a:endParaRPr>
+                    </a:p>
+                  </a:txBody>
+                  <a:tcPr>
+                    <a:gradFill>
+                      <a:gsLst>
+                        <a:gs pos="0">
+                          <a:schemeClr val="accent1">
+                            <a:lumMod val="5000"/>
+                            <a:lumOff val="95000"/>
+                          </a:schemeClr>
+                        </a:gs>
+                        <a:gs pos="52000">
+                          <a:schemeClr val="bg1"/>
+                        </a:gs>
+                        <a:gs pos="81000">
+                          <a:schemeClr val="bg1">
+                            <a:lumMod val="95000"/>
+                          </a:schemeClr>
+                        </a:gs>
+                        <a:gs pos="100000">
+                          <a:schemeClr val="accent1">
+                            <a:lumMod val="30000"/>
+                            <a:lumOff val="70000"/>
+                          </a:schemeClr>
+                        </a:gs>
+                      </a:gsLst>
+                      <a:lin ang="5400000" scaled="0"/>
+                    </a:gradFill>
+                  </a:tcPr>
+                </a:tc>
+                <a:tc>
+                  <a:txBody>
+                    <a:bodyPr/>
+                    <a:p>
+                      <a:pPr>
+                        <a:buNone/>
+                      </a:pPr>
+                      <a:endParaRPr lang="ru-RU" altLang="en-US">
+                        <a:solidFill>
+                          <a:schemeClr val="tx1"/>
+                        </a:solidFill>
+                      </a:endParaRPr>
+                    </a:p>
+                  </a:txBody>
+                  <a:tcPr>
+                    <a:gradFill>
+                      <a:gsLst>
+                        <a:gs pos="0">
+                          <a:schemeClr val="accent1">
+                            <a:lumMod val="5000"/>
+                            <a:lumOff val="95000"/>
+                          </a:schemeClr>
+                        </a:gs>
+                        <a:gs pos="52000">
+                          <a:schemeClr val="bg1"/>
+                        </a:gs>
+                        <a:gs pos="81000">
+                          <a:schemeClr val="bg1">
+                            <a:lumMod val="95000"/>
+                          </a:schemeClr>
+                        </a:gs>
+                        <a:gs pos="100000">
+                          <a:schemeClr val="accent1">
+                            <a:lumMod val="30000"/>
+                            <a:lumOff val="70000"/>
+                          </a:schemeClr>
+                        </a:gs>
+                      </a:gsLst>
+                      <a:lin ang="5400000" scaled="0"/>
+                    </a:gradFill>
+                  </a:tcPr>
+                </a:tc>
+                <a:tc>
+                  <a:txBody>
+                    <a:bodyPr/>
+                    <a:p>
+                      <a:pPr>
+                        <a:buNone/>
+                      </a:pPr>
+                      <a:endParaRPr lang="ru-RU" altLang="en-US">
+                        <a:solidFill>
+                          <a:schemeClr val="tx1"/>
+                        </a:solidFill>
+                      </a:endParaRPr>
+                    </a:p>
+                  </a:txBody>
+                  <a:tcPr>
+                    <a:gradFill>
+                      <a:gsLst>
+                        <a:gs pos="0">
+                          <a:schemeClr val="accent1">
+                            <a:lumMod val="5000"/>
+                            <a:lumOff val="95000"/>
+                          </a:schemeClr>
+                        </a:gs>
+                        <a:gs pos="52000">
+                          <a:schemeClr val="bg1"/>
+                        </a:gs>
+                        <a:gs pos="81000">
+                          <a:schemeClr val="bg1">
+                            <a:lumMod val="95000"/>
+                          </a:schemeClr>
+                        </a:gs>
+                        <a:gs pos="100000">
+                          <a:schemeClr val="accent1">
+                            <a:lumMod val="30000"/>
+                            <a:lumOff val="70000"/>
+                          </a:schemeClr>
+                        </a:gs>
+                      </a:gsLst>
+                      <a:lin ang="5400000" scaled="0"/>
+                    </a:gradFill>
+                  </a:tcPr>
+                </a:tc>
+              </a:tr>
+              <a:tr h="791845">
+                <a:tc>
+                  <a:txBody>
+                    <a:bodyPr/>
+                    <a:p>
+                      <a:pPr>
+                        <a:buNone/>
+                      </a:pPr>
+                      <a:endParaRPr lang="ru-RU" altLang="en-US">
+                        <a:solidFill>
+                          <a:schemeClr val="tx1"/>
+                        </a:solidFill>
+                      </a:endParaRPr>
+                    </a:p>
+                  </a:txBody>
+                  <a:tcPr>
+                    <a:gradFill>
+                      <a:gsLst>
+                        <a:gs pos="0">
+                          <a:schemeClr val="accent1">
+                            <a:lumMod val="5000"/>
+                            <a:lumOff val="95000"/>
+                          </a:schemeClr>
+                        </a:gs>
+                        <a:gs pos="52000">
+                          <a:schemeClr val="bg1"/>
+                        </a:gs>
+                        <a:gs pos="81000">
+                          <a:schemeClr val="bg1">
+                            <a:lumMod val="95000"/>
+                          </a:schemeClr>
+                        </a:gs>
+                        <a:gs pos="100000">
+                          <a:schemeClr val="accent1">
+                            <a:lumMod val="30000"/>
+                            <a:lumOff val="70000"/>
+                          </a:schemeClr>
+                        </a:gs>
+                      </a:gsLst>
+                      <a:lin ang="5400000" scaled="0"/>
+                    </a:gradFill>
+                  </a:tcPr>
+                </a:tc>
+                <a:tc>
+                  <a:txBody>
+                    <a:bodyPr/>
+                    <a:p>
+                      <a:pPr>
+                        <a:buNone/>
+                      </a:pPr>
+                      <a:endParaRPr lang="ru-RU" altLang="en-US">
+                        <a:solidFill>
+                          <a:schemeClr val="tx1"/>
+                        </a:solidFill>
+                      </a:endParaRPr>
+                    </a:p>
+                  </a:txBody>
+                  <a:tcPr>
+                    <a:gradFill>
+                      <a:gsLst>
+                        <a:gs pos="0">
+                          <a:schemeClr val="accent1">
+                            <a:lumMod val="5000"/>
+                            <a:lumOff val="95000"/>
+                          </a:schemeClr>
+                        </a:gs>
+                        <a:gs pos="52000">
+                          <a:schemeClr val="bg1"/>
+                        </a:gs>
+                        <a:gs pos="81000">
+                          <a:schemeClr val="bg1">
+                            <a:lumMod val="95000"/>
+                          </a:schemeClr>
+                        </a:gs>
+                        <a:gs pos="100000">
+                          <a:schemeClr val="accent1">
+                            <a:lumMod val="30000"/>
+                            <a:lumOff val="70000"/>
+                          </a:schemeClr>
+                        </a:gs>
+                      </a:gsLst>
+                      <a:lin ang="5400000" scaled="0"/>
+                    </a:gradFill>
+                  </a:tcPr>
+                </a:tc>
+                <a:tc>
+                  <a:txBody>
+                    <a:bodyPr/>
+                    <a:p>
+                      <a:pPr>
+                        <a:buNone/>
+                      </a:pPr>
+                      <a:endParaRPr lang="ru-RU" altLang="en-US">
+                        <a:solidFill>
+                          <a:schemeClr val="tx1"/>
+                        </a:solidFill>
+                      </a:endParaRPr>
+                    </a:p>
+                  </a:txBody>
+                  <a:tcPr>
+                    <a:gradFill>
+                      <a:gsLst>
+                        <a:gs pos="0">
+                          <a:schemeClr val="accent1">
+                            <a:lumMod val="5000"/>
+                            <a:lumOff val="95000"/>
+                          </a:schemeClr>
+                        </a:gs>
+                        <a:gs pos="52000">
+                          <a:schemeClr val="bg1"/>
+                        </a:gs>
+                        <a:gs pos="81000">
+                          <a:schemeClr val="bg1">
+                            <a:lumMod val="95000"/>
+                          </a:schemeClr>
+                        </a:gs>
+                        <a:gs pos="100000">
+                          <a:schemeClr val="accent1">
+                            <a:lumMod val="30000"/>
+                            <a:lumOff val="70000"/>
+                          </a:schemeClr>
+                        </a:gs>
+                      </a:gsLst>
+                      <a:lin ang="5400000" scaled="0"/>
+                    </a:gradFill>
+                  </a:tcPr>
+                </a:tc>
+                <a:tc gridSpan="2">
+                  <a:txBody>
+                    <a:bodyPr/>
+                    <a:p>
+                      <a:pPr algn="ctr">
+                        <a:buNone/>
+                      </a:pPr>
+                      <a:r>
+                        <a:rPr lang="ru-RU" altLang="en-US" sz="2000">
+                          <a:solidFill>
+                            <a:schemeClr val="tx1"/>
+                          </a:solidFill>
+                          <a:latin typeface="Arial" panose="020B0604020202020204" pitchFamily="34" charset="0"/>
+                          <a:cs typeface="Arial" panose="020B0604020202020204" pitchFamily="34" charset="0"/>
+                        </a:rPr>
+                        <a:t>задача проекта</a:t>
+                      </a:r>
+                      <a:endParaRPr lang="ru-RU" altLang="en-US" sz="2000">
+                        <a:solidFill>
+                          <a:schemeClr val="tx1"/>
+                        </a:solidFill>
+                        <a:latin typeface="Arial" panose="020B0604020202020204" pitchFamily="34" charset="0"/>
+                        <a:cs typeface="Arial" panose="020B0604020202020204" pitchFamily="34" charset="0"/>
+                      </a:endParaRPr>
+                    </a:p>
+                    <a:p>
+                      <a:pPr algn="ctr">
+                        <a:buNone/>
+                      </a:pPr>
+                      <a:r>
+                        <a:rPr lang="ru-RU" altLang="en-US" sz="2000">
+                          <a:solidFill>
+                            <a:schemeClr val="tx1"/>
+                          </a:solidFill>
+                          <a:latin typeface="Arial" panose="020B0604020202020204" pitchFamily="34" charset="0"/>
+                          <a:cs typeface="Arial" panose="020B0604020202020204" pitchFamily="34" charset="0"/>
+                        </a:rPr>
+                        <a:t>и его доработка</a:t>
+                      </a:r>
+                      <a:endParaRPr lang="ru-RU" altLang="en-US" sz="2000">
+                        <a:solidFill>
+                          <a:schemeClr val="tx1"/>
+                        </a:solidFill>
+                        <a:latin typeface="Arial" panose="020B0604020202020204" pitchFamily="34" charset="0"/>
+                        <a:cs typeface="Arial" panose="020B0604020202020204" pitchFamily="34" charset="0"/>
+                      </a:endParaRPr>
+                    </a:p>
+                  </a:txBody>
+                  <a:tcPr>
+                    <a:gradFill>
+                      <a:gsLst>
+                        <a:gs pos="0">
+                          <a:schemeClr val="accent1">
+                            <a:lumMod val="5000"/>
+                            <a:lumOff val="95000"/>
+                          </a:schemeClr>
+                        </a:gs>
+                        <a:gs pos="52000">
+                          <a:schemeClr val="bg1"/>
+                        </a:gs>
+                        <a:gs pos="81000">
+                          <a:schemeClr val="bg1">
+                            <a:lumMod val="95000"/>
+                          </a:schemeClr>
+                        </a:gs>
+                        <a:gs pos="100000">
+                          <a:schemeClr val="accent6">
+                            <a:lumMod val="75000"/>
+                          </a:schemeClr>
+                        </a:gs>
+                      </a:gsLst>
+                      <a:lin ang="5400000" scaled="0"/>
+                    </a:gradFill>
+                  </a:tcPr>
+                </a:tc>
+                <a:tc hMerge="1">
+                  <a:tcPr>
+                    <a:gradFill>
+                      <a:gsLst>
+                        <a:gs pos="0">
+                          <a:schemeClr val="accent1">
+                            <a:lumMod val="5000"/>
+                            <a:lumOff val="95000"/>
+                          </a:schemeClr>
+                        </a:gs>
+                        <a:gs pos="52000">
+                          <a:schemeClr val="bg1"/>
+                        </a:gs>
+                        <a:gs pos="81000">
+                          <a:schemeClr val="bg1">
+                            <a:lumMod val="95000"/>
+                          </a:schemeClr>
+                        </a:gs>
+                        <a:gs pos="100000">
+                          <a:schemeClr val="accent6">
+                            <a:lumMod val="75000"/>
+                          </a:schemeClr>
+                        </a:gs>
+                      </a:gsLst>
+                      <a:lin ang="5400000" scaled="0"/>
+                    </a:gradFill>
+                  </a:tcPr>
+                </a:tc>
+                <a:tc>
+                  <a:txBody>
+                    <a:bodyPr/>
+                    <a:p>
+                      <a:pPr>
+                        <a:buNone/>
+                      </a:pPr>
+                      <a:endParaRPr lang="ru-RU" altLang="en-US">
+                        <a:solidFill>
+                          <a:schemeClr val="tx1"/>
+                        </a:solidFill>
+                      </a:endParaRPr>
+                    </a:p>
+                  </a:txBody>
+                  <a:tcPr>
+                    <a:gradFill>
+                      <a:gsLst>
+                        <a:gs pos="0">
+                          <a:schemeClr val="accent1">
+                            <a:lumMod val="5000"/>
+                            <a:lumOff val="95000"/>
+                          </a:schemeClr>
+                        </a:gs>
+                        <a:gs pos="52000">
+                          <a:schemeClr val="bg1"/>
+                        </a:gs>
+                        <a:gs pos="81000">
+                          <a:schemeClr val="bg1">
+                            <a:lumMod val="95000"/>
+                          </a:schemeClr>
+                        </a:gs>
+                        <a:gs pos="100000">
+                          <a:schemeClr val="accent1">
+                            <a:lumMod val="30000"/>
+                            <a:lumOff val="70000"/>
+                          </a:schemeClr>
+                        </a:gs>
+                      </a:gsLst>
+                      <a:lin ang="5400000" scaled="0"/>
+                    </a:gradFill>
+                  </a:tcPr>
+                </a:tc>
+                <a:tc>
+                  <a:txBody>
+                    <a:bodyPr/>
+                    <a:p>
+                      <a:pPr>
+                        <a:buNone/>
+                      </a:pPr>
+                      <a:endParaRPr lang="ru-RU" altLang="en-US">
+                        <a:solidFill>
+                          <a:schemeClr val="tx1"/>
+                        </a:solidFill>
+                      </a:endParaRPr>
+                    </a:p>
+                  </a:txBody>
+                  <a:tcPr>
+                    <a:gradFill>
+                      <a:gsLst>
+                        <a:gs pos="0">
+                          <a:schemeClr val="accent1">
+                            <a:lumMod val="5000"/>
+                            <a:lumOff val="95000"/>
+                          </a:schemeClr>
+                        </a:gs>
+                        <a:gs pos="52000">
+                          <a:schemeClr val="bg1"/>
+                        </a:gs>
+                        <a:gs pos="81000">
+                          <a:schemeClr val="bg1">
+                            <a:lumMod val="95000"/>
+                          </a:schemeClr>
+                        </a:gs>
+                        <a:gs pos="100000">
+                          <a:schemeClr val="accent1">
+                            <a:lumMod val="30000"/>
+                            <a:lumOff val="70000"/>
+                          </a:schemeClr>
+                        </a:gs>
+                      </a:gsLst>
+                      <a:lin ang="5400000" scaled="0"/>
+                    </a:gradFill>
+                  </a:tcPr>
+                </a:tc>
+                <a:tc>
+                  <a:txBody>
+                    <a:bodyPr/>
+                    <a:p>
+                      <a:pPr>
+                        <a:buNone/>
+                      </a:pPr>
+                      <a:endParaRPr lang="ru-RU" altLang="en-US">
+                        <a:solidFill>
+                          <a:schemeClr val="tx1"/>
+                        </a:solidFill>
+                      </a:endParaRPr>
+                    </a:p>
+                  </a:txBody>
+                  <a:tcPr>
+                    <a:gradFill>
+                      <a:gsLst>
+                        <a:gs pos="0">
+                          <a:schemeClr val="accent1">
+                            <a:lumMod val="5000"/>
+                            <a:lumOff val="95000"/>
+                          </a:schemeClr>
+                        </a:gs>
+                        <a:gs pos="52000">
+                          <a:schemeClr val="bg1"/>
+                        </a:gs>
+                        <a:gs pos="81000">
+                          <a:schemeClr val="bg1">
+                            <a:lumMod val="95000"/>
+                          </a:schemeClr>
+                        </a:gs>
+                        <a:gs pos="100000">
+                          <a:schemeClr val="accent1">
+                            <a:lumMod val="30000"/>
+                            <a:lumOff val="70000"/>
+                          </a:schemeClr>
+                        </a:gs>
+                      </a:gsLst>
+                      <a:lin ang="5400000" scaled="0"/>
+                    </a:gradFill>
+                  </a:tcPr>
+                </a:tc>
+                <a:tc>
+                  <a:txBody>
+                    <a:bodyPr/>
+                    <a:p>
+                      <a:pPr>
+                        <a:buNone/>
+                      </a:pPr>
+                      <a:endParaRPr lang="ru-RU" altLang="en-US">
+                        <a:solidFill>
+                          <a:schemeClr val="tx1"/>
+                        </a:solidFill>
+                      </a:endParaRPr>
+                    </a:p>
+                  </a:txBody>
+                  <a:tcPr>
+                    <a:gradFill>
+                      <a:gsLst>
+                        <a:gs pos="0">
+                          <a:schemeClr val="accent1">
+                            <a:lumMod val="5000"/>
+                            <a:lumOff val="95000"/>
+                          </a:schemeClr>
+                        </a:gs>
+                        <a:gs pos="52000">
+                          <a:schemeClr val="bg1"/>
+                        </a:gs>
+                        <a:gs pos="81000">
+                          <a:schemeClr val="bg1">
+                            <a:lumMod val="95000"/>
+                          </a:schemeClr>
+                        </a:gs>
+                        <a:gs pos="100000">
+                          <a:schemeClr val="accent1">
+                            <a:lumMod val="30000"/>
+                            <a:lumOff val="70000"/>
+                          </a:schemeClr>
+                        </a:gs>
+                      </a:gsLst>
+                      <a:lin ang="5400000" scaled="0"/>
+                    </a:gradFill>
+                  </a:tcPr>
+                </a:tc>
+                <a:tc>
+                  <a:txBody>
+                    <a:bodyPr/>
+                    <a:p>
+                      <a:pPr>
+                        <a:buNone/>
+                      </a:pPr>
+                      <a:endParaRPr lang="ru-RU" altLang="en-US">
+                        <a:solidFill>
+                          <a:schemeClr val="tx1"/>
+                        </a:solidFill>
+                      </a:endParaRPr>
+                    </a:p>
+                  </a:txBody>
+                  <a:tcPr>
+                    <a:gradFill>
+                      <a:gsLst>
+                        <a:gs pos="0">
+                          <a:schemeClr val="accent1">
+                            <a:lumMod val="5000"/>
+                            <a:lumOff val="95000"/>
+                          </a:schemeClr>
+                        </a:gs>
+                        <a:gs pos="52000">
+                          <a:schemeClr val="bg1"/>
+                        </a:gs>
+                        <a:gs pos="81000">
+                          <a:schemeClr val="bg1">
+                            <a:lumMod val="95000"/>
+                          </a:schemeClr>
+                        </a:gs>
+                        <a:gs pos="100000">
+                          <a:schemeClr val="accent1">
+                            <a:lumMod val="30000"/>
+                            <a:lumOff val="70000"/>
+                          </a:schemeClr>
+                        </a:gs>
+                      </a:gsLst>
+                      <a:lin ang="5400000" scaled="0"/>
+                    </a:gradFill>
+                  </a:tcPr>
+                </a:tc>
+              </a:tr>
+              <a:tr h="781685">
+                <a:tc>
+                  <a:txBody>
+                    <a:bodyPr/>
+                    <a:p>
+                      <a:pPr>
+                        <a:buNone/>
+                      </a:pPr>
+                      <a:endParaRPr lang="ru-RU" altLang="en-US">
+                        <a:solidFill>
+                          <a:schemeClr val="tx1"/>
+                        </a:solidFill>
+                      </a:endParaRPr>
+                    </a:p>
+                  </a:txBody>
+                  <a:tcPr>
+                    <a:gradFill>
+                      <a:gsLst>
+                        <a:gs pos="0">
+                          <a:schemeClr val="accent1">
+                            <a:lumMod val="5000"/>
+                            <a:lumOff val="95000"/>
+                          </a:schemeClr>
+                        </a:gs>
+                        <a:gs pos="52000">
+                          <a:schemeClr val="bg1"/>
+                        </a:gs>
+                        <a:gs pos="81000">
+                          <a:schemeClr val="bg1">
+                            <a:lumMod val="95000"/>
+                          </a:schemeClr>
+                        </a:gs>
+                        <a:gs pos="100000">
+                          <a:schemeClr val="accent1">
+                            <a:lumMod val="30000"/>
+                            <a:lumOff val="70000"/>
+                          </a:schemeClr>
+                        </a:gs>
+                      </a:gsLst>
+                      <a:lin ang="5400000" scaled="0"/>
+                    </a:gradFill>
+                  </a:tcPr>
+                </a:tc>
+                <a:tc>
+                  <a:txBody>
+                    <a:bodyPr/>
+                    <a:p>
+                      <a:pPr>
+                        <a:buNone/>
+                      </a:pPr>
+                      <a:endParaRPr lang="ru-RU" altLang="en-US">
+                        <a:solidFill>
+                          <a:schemeClr val="tx1"/>
+                        </a:solidFill>
+                      </a:endParaRPr>
+                    </a:p>
+                  </a:txBody>
+                  <a:tcPr>
+                    <a:gradFill>
+                      <a:gsLst>
+                        <a:gs pos="0">
+                          <a:schemeClr val="accent1">
+                            <a:lumMod val="5000"/>
+                            <a:lumOff val="95000"/>
+                          </a:schemeClr>
+                        </a:gs>
+                        <a:gs pos="52000">
+                          <a:schemeClr val="bg1"/>
+                        </a:gs>
+                        <a:gs pos="81000">
+                          <a:schemeClr val="bg1">
+                            <a:lumMod val="95000"/>
+                          </a:schemeClr>
+                        </a:gs>
+                        <a:gs pos="100000">
+                          <a:schemeClr val="accent1">
+                            <a:lumMod val="30000"/>
+                            <a:lumOff val="70000"/>
+                          </a:schemeClr>
+                        </a:gs>
+                      </a:gsLst>
+                      <a:lin ang="5400000" scaled="0"/>
+                    </a:gradFill>
+                  </a:tcPr>
+                </a:tc>
+                <a:tc>
+                  <a:txBody>
+                    <a:bodyPr/>
+                    <a:p>
+                      <a:pPr>
+                        <a:buNone/>
+                      </a:pPr>
+                      <a:endParaRPr lang="ru-RU" altLang="en-US">
+                        <a:solidFill>
+                          <a:schemeClr val="tx1"/>
+                        </a:solidFill>
+                      </a:endParaRPr>
+                    </a:p>
+                  </a:txBody>
+                  <a:tcPr>
+                    <a:gradFill>
+                      <a:gsLst>
+                        <a:gs pos="0">
+                          <a:schemeClr val="accent1">
+                            <a:lumMod val="5000"/>
+                            <a:lumOff val="95000"/>
+                          </a:schemeClr>
+                        </a:gs>
+                        <a:gs pos="52000">
+                          <a:schemeClr val="bg1"/>
+                        </a:gs>
+                        <a:gs pos="81000">
+                          <a:schemeClr val="bg1">
+                            <a:lumMod val="95000"/>
+                          </a:schemeClr>
+                        </a:gs>
+                        <a:gs pos="100000">
+                          <a:schemeClr val="accent1">
+                            <a:lumMod val="30000"/>
+                            <a:lumOff val="70000"/>
+                          </a:schemeClr>
+                        </a:gs>
+                      </a:gsLst>
+                      <a:lin ang="5400000" scaled="0"/>
+                    </a:gradFill>
+                  </a:tcPr>
+                </a:tc>
+                <a:tc>
+                  <a:txBody>
+                    <a:bodyPr/>
+                    <a:p>
+                      <a:pPr>
+                        <a:buNone/>
+                      </a:pPr>
+                      <a:endParaRPr lang="ru-RU" altLang="en-US">
+                        <a:solidFill>
+                          <a:schemeClr val="tx1"/>
+                        </a:solidFill>
+                      </a:endParaRPr>
+                    </a:p>
+                  </a:txBody>
+                  <a:tcPr>
+                    <a:gradFill>
+                      <a:gsLst>
+                        <a:gs pos="0">
+                          <a:schemeClr val="accent1">
+                            <a:lumMod val="5000"/>
+                            <a:lumOff val="95000"/>
+                          </a:schemeClr>
+                        </a:gs>
+                        <a:gs pos="52000">
+                          <a:schemeClr val="bg1"/>
+                        </a:gs>
+                        <a:gs pos="81000">
+                          <a:schemeClr val="bg1">
+                            <a:lumMod val="95000"/>
+                          </a:schemeClr>
+                        </a:gs>
+                        <a:gs pos="100000">
+                          <a:schemeClr val="accent1">
+                            <a:lumMod val="30000"/>
+                            <a:lumOff val="70000"/>
+                          </a:schemeClr>
+                        </a:gs>
+                      </a:gsLst>
+                      <a:lin ang="5400000" scaled="0"/>
+                    </a:gradFill>
+                  </a:tcPr>
+                </a:tc>
+                <a:tc>
+                  <a:txBody>
+                    <a:bodyPr/>
+                    <a:p>
+                      <a:pPr>
+                        <a:buNone/>
+                      </a:pPr>
+                      <a:endParaRPr lang="ru-RU" altLang="en-US">
+                        <a:solidFill>
+                          <a:schemeClr val="tx1"/>
+                        </a:solidFill>
+                      </a:endParaRPr>
+                    </a:p>
+                  </a:txBody>
+                  <a:tcPr>
+                    <a:gradFill>
+                      <a:gsLst>
+                        <a:gs pos="0">
+                          <a:schemeClr val="accent1">
+                            <a:lumMod val="5000"/>
+                            <a:lumOff val="95000"/>
+                          </a:schemeClr>
+                        </a:gs>
+                        <a:gs pos="52000">
+                          <a:schemeClr val="bg1"/>
+                        </a:gs>
+                        <a:gs pos="81000">
+                          <a:schemeClr val="bg1">
+                            <a:lumMod val="95000"/>
+                          </a:schemeClr>
+                        </a:gs>
+                        <a:gs pos="100000">
+                          <a:schemeClr val="accent1">
+                            <a:lumMod val="40000"/>
+                            <a:lumOff val="60000"/>
+                          </a:schemeClr>
+                        </a:gs>
+                      </a:gsLst>
+                      <a:lin ang="5400000" scaled="0"/>
+                    </a:gradFill>
+                  </a:tcPr>
+                </a:tc>
+                <a:tc gridSpan="5">
+                  <a:txBody>
+                    <a:bodyPr/>
+                    <a:p>
+                      <a:pPr algn="ctr">
+                        <a:buNone/>
+                      </a:pPr>
+                      <a:r>
+                        <a:rPr lang="ru-RU" altLang="en-US" sz="2400">
+                          <a:solidFill>
+                            <a:schemeClr val="tx1"/>
+                          </a:solidFill>
+                          <a:latin typeface="Arial" panose="020B0604020202020204" pitchFamily="34" charset="0"/>
+                          <a:cs typeface="Arial" panose="020B0604020202020204" pitchFamily="34" charset="0"/>
+                        </a:rPr>
+                        <a:t>успешное забрасывание проекта</a:t>
+                      </a:r>
+                      <a:endParaRPr lang="ru-RU" altLang="en-US" sz="2400">
+                        <a:solidFill>
+                          <a:schemeClr val="tx1"/>
+                        </a:solidFill>
+                        <a:latin typeface="Arial" panose="020B0604020202020204" pitchFamily="34" charset="0"/>
+                        <a:cs typeface="Arial" panose="020B0604020202020204" pitchFamily="34" charset="0"/>
+                      </a:endParaRPr>
+                    </a:p>
+                  </a:txBody>
+                  <a:tcPr>
+                    <a:gradFill>
+                      <a:gsLst>
+                        <a:gs pos="0">
+                          <a:schemeClr val="accent1">
+                            <a:lumMod val="5000"/>
+                            <a:lumOff val="95000"/>
+                          </a:schemeClr>
+                        </a:gs>
+                        <a:gs pos="52000">
+                          <a:schemeClr val="bg1"/>
+                        </a:gs>
+                        <a:gs pos="81000">
+                          <a:schemeClr val="bg1">
+                            <a:lumMod val="95000"/>
+                          </a:schemeClr>
+                        </a:gs>
+                        <a:gs pos="100000">
+                          <a:schemeClr val="tx1">
+                            <a:lumMod val="75000"/>
+                            <a:lumOff val="25000"/>
+                          </a:schemeClr>
+                        </a:gs>
+                      </a:gsLst>
+                      <a:lin ang="5400000" scaled="0"/>
+                    </a:gradFill>
+                  </a:tcPr>
+                </a:tc>
+                <a:tc hMerge="1">
+                  <a:tcPr>
+                    <a:gradFill>
+                      <a:gsLst>
+                        <a:gs pos="0">
+                          <a:schemeClr val="accent1">
+                            <a:lumMod val="5000"/>
+                            <a:lumOff val="95000"/>
+                          </a:schemeClr>
+                        </a:gs>
+                        <a:gs pos="52000">
+                          <a:schemeClr val="bg1"/>
+                        </a:gs>
+                        <a:gs pos="81000">
+                          <a:schemeClr val="bg1">
+                            <a:lumMod val="95000"/>
+                          </a:schemeClr>
+                        </a:gs>
+                        <a:gs pos="100000">
+                          <a:schemeClr val="accent1">
+                            <a:lumMod val="30000"/>
+                            <a:lumOff val="70000"/>
+                          </a:schemeClr>
+                        </a:gs>
+                      </a:gsLst>
+                      <a:lin ang="5400000" scaled="0"/>
+                    </a:gradFill>
+                  </a:tcPr>
+                </a:tc>
+                <a:tc hMerge="1">
+                  <a:tcPr>
+                    <a:gradFill>
+                      <a:gsLst>
+                        <a:gs pos="0">
+                          <a:schemeClr val="accent1">
+                            <a:lumMod val="5000"/>
+                            <a:lumOff val="95000"/>
+                          </a:schemeClr>
+                        </a:gs>
+                        <a:gs pos="52000">
+                          <a:schemeClr val="bg1"/>
+                        </a:gs>
+                        <a:gs pos="81000">
+                          <a:schemeClr val="bg1">
+                            <a:lumMod val="95000"/>
+                          </a:schemeClr>
+                        </a:gs>
+                        <a:gs pos="100000">
+                          <a:schemeClr val="accent1">
+                            <a:lumMod val="30000"/>
+                            <a:lumOff val="70000"/>
+                          </a:schemeClr>
+                        </a:gs>
+                      </a:gsLst>
+                      <a:lin ang="5400000" scaled="0"/>
+                    </a:gradFill>
+                  </a:tcPr>
+                </a:tc>
+                <a:tc hMerge="1">
+                  <a:tcPr>
+                    <a:gradFill>
+                      <a:gsLst>
+                        <a:gs pos="0">
+                          <a:schemeClr val="accent1">
+                            <a:lumMod val="5000"/>
+                            <a:lumOff val="95000"/>
+                          </a:schemeClr>
+                        </a:gs>
+                        <a:gs pos="52000">
+                          <a:schemeClr val="bg1"/>
+                        </a:gs>
+                        <a:gs pos="81000">
+                          <a:schemeClr val="bg1">
+                            <a:lumMod val="95000"/>
+                          </a:schemeClr>
+                        </a:gs>
+                        <a:gs pos="100000">
+                          <a:schemeClr val="accent1">
+                            <a:lumMod val="30000"/>
+                            <a:lumOff val="70000"/>
+                          </a:schemeClr>
+                        </a:gs>
+                      </a:gsLst>
+                      <a:lin ang="5400000" scaled="0"/>
+                    </a:gradFill>
+                  </a:tcPr>
+                </a:tc>
+                <a:tc hMerge="1">
+                  <a:tcPr>
+                    <a:gradFill>
+                      <a:gsLst>
+                        <a:gs pos="0">
+                          <a:schemeClr val="accent1">
+                            <a:lumMod val="5000"/>
+                            <a:lumOff val="95000"/>
+                          </a:schemeClr>
+                        </a:gs>
+                        <a:gs pos="52000">
+                          <a:schemeClr val="bg1"/>
+                        </a:gs>
+                        <a:gs pos="81000">
+                          <a:schemeClr val="bg1">
+                            <a:lumMod val="95000"/>
+                          </a:schemeClr>
+                        </a:gs>
+                        <a:gs pos="100000">
+                          <a:schemeClr val="accent1">
+                            <a:lumMod val="30000"/>
+                            <a:lumOff val="70000"/>
+                          </a:schemeClr>
+                        </a:gs>
+                      </a:gsLst>
+                      <a:lin ang="5400000" scaled="0"/>
+                    </a:gradFill>
+                  </a:tcPr>
+                </a:tc>
+              </a:tr>
+            </a:tbl>
+          </a:graphicData>
+        </a:graphic>
+      </p:graphicFrame>
     </p:spTree>
-    <p:extLst>
-      <p:ext uri="{BB962C8B-B14F-4D97-AF65-F5344CB8AC3E}">
-        <p14:creationId xmlns:p14="http://schemas.microsoft.com/office/powerpoint/2010/main" val="205758951"/>
-      </p:ext>
-    </p:extLst>
   </p:cSld>
   <p:clrMapOvr>
     <a:masterClrMapping/>
@@ -3757,6 +5468,110 @@
             <a:spLocks noGrp="1"/>
           </p:cNvSpPr>
           <p:nvPr>
+            <p:ph type="title"/>
+          </p:nvPr>
+        </p:nvSpPr>
+        <p:spPr/>
+        <p:txBody>
+          <a:bodyPr/>
+          <a:lstStyle/>
+          <a:p>
+            <a:r>
+              <a:rPr lang="ru-RU" dirty="0" smtClean="0">
+                <a:latin typeface="Arial Black" panose="020B0A04020102020204" pitchFamily="34" charset="0"/>
+              </a:rPr>
+              <a:t>Бизнес модель</a:t>
+            </a:r>
+            <a:endParaRPr lang="ru-RU" dirty="0">
+              <a:latin typeface="Arial Black" panose="020B0A04020102020204" pitchFamily="34" charset="0"/>
+            </a:endParaRPr>
+          </a:p>
+        </p:txBody>
+      </p:sp>
+      <p:sp>
+        <p:nvSpPr>
+          <p:cNvPr id="3" name="Объект 2"/>
+          <p:cNvSpPr>
+            <a:spLocks noGrp="1"/>
+          </p:cNvSpPr>
+          <p:nvPr>
+            <p:ph idx="1"/>
+          </p:nvPr>
+        </p:nvSpPr>
+        <p:spPr/>
+        <p:txBody>
+          <a:bodyPr/>
+          <a:lstStyle/>
+          <a:p>
+            <a:pPr algn="ctr"/>
+            <a:endParaRPr lang="ru-RU" dirty="0">
+              <a:latin typeface="Impact" panose="020B0806030902050204" pitchFamily="34" charset="0"/>
+            </a:endParaRPr>
+          </a:p>
+        </p:txBody>
+      </p:sp>
+      <p:pic>
+        <p:nvPicPr>
+          <p:cNvPr id="4" name="Рисунок 3"/>
+          <p:cNvPicPr>
+            <a:picLocks noChangeAspect="1"/>
+          </p:cNvPicPr>
+          <p:nvPr/>
+        </p:nvPicPr>
+        <p:blipFill>
+          <a:blip r:embed="rId1" cstate="print">
+            <a:extLst>
+              <a:ext uri="{28A0092B-C50C-407E-A947-70E740481C1C}">
+                <a14:useLocalDpi xmlns:a14="http://schemas.microsoft.com/office/drawing/2010/main" val="0"/>
+              </a:ext>
+            </a:extLst>
+          </a:blip>
+          <a:stretch>
+            <a:fillRect/>
+          </a:stretch>
+        </p:blipFill>
+        <p:spPr>
+          <a:xfrm>
+            <a:off x="3644537" y="1690688"/>
+            <a:ext cx="4143104" cy="4143104"/>
+          </a:xfrm>
+          <a:prstGeom prst="rect">
+            <a:avLst/>
+          </a:prstGeom>
+        </p:spPr>
+      </p:pic>
+    </p:spTree>
+  </p:cSld>
+  <p:clrMapOvr>
+    <a:masterClrMapping/>
+  </p:clrMapOvr>
+</p:sld>
+</file>
+
+<file path=ppt/slides/slide8.xml><?xml version="1.0" encoding="utf-8"?>
+<p:sld xmlns:a="http://schemas.openxmlformats.org/drawingml/2006/main" xmlns:r="http://schemas.openxmlformats.org/officeDocument/2006/relationships" xmlns:p="http://schemas.openxmlformats.org/presentationml/2006/main">
+  <p:cSld>
+    <p:spTree>
+      <p:nvGrpSpPr>
+        <p:cNvPr id="1" name=""/>
+        <p:cNvGrpSpPr/>
+        <p:nvPr/>
+      </p:nvGrpSpPr>
+      <p:grpSpPr>
+        <a:xfrm>
+          <a:off x="0" y="0"/>
+          <a:ext cx="0" cy="0"/>
+          <a:chOff x="0" y="0"/>
+          <a:chExt cx="0" cy="0"/>
+        </a:xfrm>
+      </p:grpSpPr>
+      <p:sp>
+        <p:nvSpPr>
+          <p:cNvPr id="2" name="Заголовок 1"/>
+          <p:cNvSpPr>
+            <a:spLocks noGrp="1"/>
+          </p:cNvSpPr>
+          <p:nvPr>
             <p:ph type="ctrTitle"/>
           </p:nvPr>
         </p:nvSpPr>
@@ -3785,9 +5600,7 @@
       <p:sp>
         <p:nvSpPr>
           <p:cNvPr id="4" name="Подзаголовок 2"/>
-          <p:cNvSpPr txBox="1">
-            <a:spLocks/>
-          </p:cNvSpPr>
+          <p:cNvSpPr txBox="1"/>
           <p:nvPr/>
         </p:nvSpPr>
         <p:spPr>
@@ -3983,16 +5796,18 @@
         </p:txBody>
       </p:sp>
     </p:spTree>
-    <p:extLst>
-      <p:ext uri="{BB962C8B-B14F-4D97-AF65-F5344CB8AC3E}">
-        <p14:creationId xmlns:p14="http://schemas.microsoft.com/office/powerpoint/2010/main" val="3141254336"/>
-      </p:ext>
-    </p:extLst>
   </p:cSld>
   <p:clrMapOvr>
     <a:masterClrMapping/>
   </p:clrMapOvr>
 </p:sld>
+</file>
+
+<file path=ppt/tags/tag1.xml><?xml version="1.0" encoding="utf-8"?>
+<p:tagLst xmlns:p="http://schemas.openxmlformats.org/presentationml/2006/main">
+  <p:tag name="TABLE_ENDDRAG_ORIGIN_RECT" val="828*247"/>
+  <p:tag name="TABLE_ENDDRAG_RECT" val="66*143*828*247"/>
+</p:tagLst>
 </file>
 
 <file path=ppt/theme/theme1.xml><?xml version="1.0" encoding="utf-8"?>
@@ -4038,7 +5853,7 @@
     </a:clrScheme>
     <a:fontScheme name="Стандартная">
       <a:majorFont>
-        <a:latin typeface="Calibri Light" panose="020F0302020204030204"/>
+        <a:latin typeface="Calibri Light"/>
         <a:ea typeface=""/>
         <a:cs typeface=""/>
         <a:font script="Jpan" typeface="游ゴシック Light"/>
@@ -4073,7 +5888,7 @@
         <a:font script="Geor" typeface="Sylfaen"/>
       </a:majorFont>
       <a:minorFont>
-        <a:latin typeface="Calibri" panose="020F0502020204030204"/>
+        <a:latin typeface="Calibri"/>
         <a:ea typeface=""/>
         <a:cs typeface=""/>
         <a:font script="Jpan" typeface="游ゴシック"/>
@@ -4246,8 +6061,6 @@
       </a:bgFillStyleLst>
     </a:fmtScheme>
   </a:themeElements>
-  <a:objectDefaults/>
-  <a:extraClrSchemeLst/>
   <a:extLst>
     <a:ext uri="{05A4C25C-085E-4340-85A3-A5531E510DB2}">
       <thm15:themeFamily xmlns:thm15="http://schemas.microsoft.com/office/thememl/2012/main" name="Office Theme" id="{62F939B6-93AF-4DB8-9C6B-D6C7DFDC589F}" vid="{4A3C46E8-61CC-4603-A589-7422A47A8E4A}"/>

--- a/Презентация к проекту.pptx
+++ b/Презентация к проекту.pptx
@@ -151,7 +151,7 @@
           <a:bodyPr anchor="b"/>
           <a:lstStyle>
             <a:lvl1pPr algn="ctr">
-              <a:defRPr sz="6000"/>
+              <a:defRPr sz="4500"/>
             </a:lvl1pPr>
           </a:lstStyle>
           <a:p>
@@ -184,39 +184,39 @@
           <a:lstStyle>
             <a:lvl1pPr marL="0" indent="0" algn="ctr">
               <a:buNone/>
-              <a:defRPr sz="2400"/>
+              <a:defRPr sz="1800"/>
             </a:lvl1pPr>
-            <a:lvl2pPr marL="457200" indent="0" algn="ctr">
-              <a:buNone/>
-              <a:defRPr sz="2000"/>
+            <a:lvl2pPr marL="342900" indent="0" algn="ctr">
+              <a:buNone/>
+              <a:defRPr sz="1500"/>
             </a:lvl2pPr>
-            <a:lvl3pPr marL="914400" indent="0" algn="ctr">
-              <a:buNone/>
-              <a:defRPr sz="1800"/>
+            <a:lvl3pPr marL="685800" indent="0" algn="ctr">
+              <a:buNone/>
+              <a:defRPr sz="1350"/>
             </a:lvl3pPr>
-            <a:lvl4pPr marL="1371600" indent="0" algn="ctr">
-              <a:buNone/>
-              <a:defRPr sz="1600"/>
+            <a:lvl4pPr marL="1028700" indent="0" algn="ctr">
+              <a:buNone/>
+              <a:defRPr sz="1200"/>
             </a:lvl4pPr>
-            <a:lvl5pPr marL="1828800" indent="0" algn="ctr">
-              <a:buNone/>
-              <a:defRPr sz="1600"/>
+            <a:lvl5pPr marL="1371600" indent="0" algn="ctr">
+              <a:buNone/>
+              <a:defRPr sz="1200"/>
             </a:lvl5pPr>
-            <a:lvl6pPr marL="2286000" indent="0" algn="ctr">
-              <a:buNone/>
-              <a:defRPr sz="1600"/>
+            <a:lvl6pPr marL="1714500" indent="0" algn="ctr">
+              <a:buNone/>
+              <a:defRPr sz="1200"/>
             </a:lvl6pPr>
-            <a:lvl7pPr marL="2743200" indent="0" algn="ctr">
-              <a:buNone/>
-              <a:defRPr sz="1600"/>
+            <a:lvl7pPr marL="2057400" indent="0" algn="ctr">
+              <a:buNone/>
+              <a:defRPr sz="1200"/>
             </a:lvl7pPr>
-            <a:lvl8pPr marL="3200400" indent="0" algn="ctr">
-              <a:buNone/>
-              <a:defRPr sz="1600"/>
+            <a:lvl8pPr marL="2400300" indent="0" algn="ctr">
+              <a:buNone/>
+              <a:defRPr sz="1200"/>
             </a:lvl8pPr>
-            <a:lvl9pPr marL="3657600" indent="0" algn="ctr">
-              <a:buNone/>
-              <a:defRPr sz="1600"/>
+            <a:lvl9pPr marL="2743200" indent="0" algn="ctr">
+              <a:buNone/>
+              <a:defRPr sz="1200"/>
             </a:lvl9pPr>
           </a:lstStyle>
           <a:p>
@@ -296,6 +296,7 @@
   <p:clrMapOvr>
     <a:masterClrMapping/>
   </p:clrMapOvr>
+  <p:hf sldNum="0" hdr="0" ftr="0" dt="0"/>
 </p:sldLayout>
 </file>
 
@@ -463,6 +464,7 @@
   <p:clrMapOvr>
     <a:masterClrMapping/>
   </p:clrMapOvr>
+  <p:hf sldNum="0" hdr="0" ftr="0" dt="0"/>
 </p:sldLayout>
 </file>
 
@@ -495,8 +497,8 @@
         </p:nvSpPr>
         <p:spPr>
           <a:xfrm>
-            <a:off x="8724900" y="365125"/>
-            <a:ext cx="2628900" cy="5811838"/>
+            <a:off x="8839200" y="274638"/>
+            <a:ext cx="2743200" cy="5851525"/>
           </a:xfrm>
         </p:spPr>
         <p:txBody>
@@ -523,8 +525,8 @@
         </p:nvSpPr>
         <p:spPr>
           <a:xfrm>
-            <a:off x="838200" y="365125"/>
-            <a:ext cx="7734300" cy="5811838"/>
+            <a:off x="609600" y="274638"/>
+            <a:ext cx="8070573" cy="5851525"/>
           </a:xfrm>
         </p:spPr>
         <p:txBody>
@@ -640,173 +642,7 @@
   <p:clrMapOvr>
     <a:masterClrMapping/>
   </p:clrMapOvr>
-</p:sldLayout>
-</file>
-
-<file path=ppt/slideLayouts/slideLayout12.xml><?xml version="1.0" encoding="utf-8"?>
-<p:sldLayout xmlns:a="http://schemas.openxmlformats.org/drawingml/2006/main" xmlns:r="http://schemas.openxmlformats.org/officeDocument/2006/relationships" xmlns:p="http://schemas.openxmlformats.org/presentationml/2006/main" type="tx" preserve="1">
-  <p:cSld name="Заголовок и текст">
-    <p:spTree>
-      <p:nvGrpSpPr>
-        <p:cNvPr id="1" name=""/>
-        <p:cNvGrpSpPr/>
-        <p:nvPr/>
-      </p:nvGrpSpPr>
-      <p:grpSpPr>
-        <a:xfrm>
-          <a:off x="0" y="0"/>
-          <a:ext cx="0" cy="0"/>
-          <a:chOff x="0" y="0"/>
-          <a:chExt cx="0" cy="0"/>
-        </a:xfrm>
-      </p:grpSpPr>
-      <p:sp>
-        <p:nvSpPr>
-          <p:cNvPr id="2" name="Заголовок 1"/>
-          <p:cNvSpPr>
-            <a:spLocks noGrp="1"/>
-          </p:cNvSpPr>
-          <p:nvPr>
-            <p:ph type="title"/>
-          </p:nvPr>
-        </p:nvSpPr>
-        <p:spPr/>
-        <p:txBody>
-          <a:bodyPr/>
-          <a:lstStyle/>
-          <a:p>
-            <a:r>
-              <a:rPr lang="ru-RU" smtClean="0"/>
-              <a:t>Образец заголовка</a:t>
-            </a:r>
-            <a:endParaRPr lang="ru-RU"/>
-          </a:p>
-        </p:txBody>
-      </p:sp>
-      <p:sp>
-        <p:nvSpPr>
-          <p:cNvPr id="3" name="Текст 2"/>
-          <p:cNvSpPr>
-            <a:spLocks noGrp="1"/>
-          </p:cNvSpPr>
-          <p:nvPr>
-            <p:ph type="body" idx="1"/>
-          </p:nvPr>
-        </p:nvSpPr>
-        <p:spPr/>
-        <p:txBody>
-          <a:bodyPr/>
-          <a:lstStyle/>
-          <a:p>
-            <a:pPr lvl="0"/>
-            <a:r>
-              <a:rPr lang="ru-RU" smtClean="0"/>
-              <a:t>Образец текста</a:t>
-            </a:r>
-            <a:endParaRPr lang="ru-RU" smtClean="0"/>
-          </a:p>
-          <a:p>
-            <a:pPr lvl="1"/>
-            <a:r>
-              <a:rPr lang="ru-RU" smtClean="0"/>
-              <a:t>Второй уровень</a:t>
-            </a:r>
-            <a:endParaRPr lang="ru-RU" smtClean="0"/>
-          </a:p>
-          <a:p>
-            <a:pPr lvl="2"/>
-            <a:r>
-              <a:rPr lang="ru-RU" smtClean="0"/>
-              <a:t>Третий уровень</a:t>
-            </a:r>
-            <a:endParaRPr lang="ru-RU" smtClean="0"/>
-          </a:p>
-          <a:p>
-            <a:pPr lvl="3"/>
-            <a:r>
-              <a:rPr lang="ru-RU" smtClean="0"/>
-              <a:t>Четвертый уровень</a:t>
-            </a:r>
-            <a:endParaRPr lang="ru-RU" smtClean="0"/>
-          </a:p>
-          <a:p>
-            <a:pPr lvl="4"/>
-            <a:r>
-              <a:rPr lang="ru-RU" smtClean="0"/>
-              <a:t>Пятый уровень</a:t>
-            </a:r>
-            <a:endParaRPr lang="ru-RU"/>
-          </a:p>
-        </p:txBody>
-      </p:sp>
-      <p:sp>
-        <p:nvSpPr>
-          <p:cNvPr id="4" name="Дата 3"/>
-          <p:cNvSpPr>
-            <a:spLocks noGrp="1"/>
-          </p:cNvSpPr>
-          <p:nvPr>
-            <p:ph type="dt" sz="half" idx="10"/>
-          </p:nvPr>
-        </p:nvSpPr>
-        <p:spPr/>
-        <p:txBody>
-          <a:bodyPr/>
-          <a:lstStyle/>
-          <a:p>
-            <a:fld id="{A1BB1353-7414-4C7C-B467-AB6E971D7B02}" type="datetimeFigureOut">
-              <a:rPr lang="ru-RU" smtClean="0"/>
-            </a:fld>
-            <a:endParaRPr lang="ru-RU"/>
-          </a:p>
-        </p:txBody>
-      </p:sp>
-      <p:sp>
-        <p:nvSpPr>
-          <p:cNvPr id="5" name="Нижний колонтитул 4"/>
-          <p:cNvSpPr>
-            <a:spLocks noGrp="1"/>
-          </p:cNvSpPr>
-          <p:nvPr>
-            <p:ph type="ftr" sz="quarter" idx="11"/>
-          </p:nvPr>
-        </p:nvSpPr>
-        <p:spPr/>
-        <p:txBody>
-          <a:bodyPr/>
-          <a:lstStyle/>
-          <a:p>
-            <a:endParaRPr lang="ru-RU"/>
-          </a:p>
-        </p:txBody>
-      </p:sp>
-      <p:sp>
-        <p:nvSpPr>
-          <p:cNvPr id="6" name="Номер слайда 5"/>
-          <p:cNvSpPr>
-            <a:spLocks noGrp="1"/>
-          </p:cNvSpPr>
-          <p:nvPr>
-            <p:ph type="sldNum" sz="quarter" idx="12"/>
-          </p:nvPr>
-        </p:nvSpPr>
-        <p:spPr/>
-        <p:txBody>
-          <a:bodyPr/>
-          <a:lstStyle/>
-          <a:p>
-            <a:fld id="{DC6B2086-0373-4208-9DC1-0D098AC2161C}" type="slidenum">
-              <a:rPr lang="ru-RU" smtClean="0"/>
-            </a:fld>
-            <a:endParaRPr lang="ru-RU"/>
-          </a:p>
-        </p:txBody>
-      </p:sp>
-    </p:spTree>
-  </p:cSld>
-  <p:clrMapOvr>
-    <a:masterClrMapping/>
-  </p:clrMapOvr>
+  <p:hf sldNum="0" hdr="0" ftr="0" dt="0"/>
 </p:sldLayout>
 </file>
 
@@ -974,6 +810,7 @@
   <p:clrMapOvr>
     <a:masterClrMapping/>
   </p:clrMapOvr>
+  <p:hf sldNum="0" hdr="0" ftr="0" dt="0"/>
 </p:sldLayout>
 </file>
 
@@ -1006,7 +843,7 @@
         </p:nvSpPr>
         <p:spPr>
           <a:xfrm>
-            <a:off x="831850" y="1709738"/>
+            <a:off x="831851" y="1709738"/>
             <a:ext cx="10515600" cy="2852737"/>
           </a:xfrm>
         </p:spPr>
@@ -1014,7 +851,7 @@
           <a:bodyPr anchor="b"/>
           <a:lstStyle>
             <a:lvl1pPr>
-              <a:defRPr sz="6000"/>
+              <a:defRPr sz="4500"/>
             </a:lvl1pPr>
           </a:lstStyle>
           <a:p>
@@ -1038,7 +875,7 @@
         </p:nvSpPr>
         <p:spPr>
           <a:xfrm>
-            <a:off x="831850" y="4589463"/>
+            <a:off x="831851" y="4589463"/>
             <a:ext cx="10515600" cy="1500187"/>
           </a:xfrm>
         </p:spPr>
@@ -1047,7 +884,7 @@
           <a:lstStyle>
             <a:lvl1pPr marL="0" indent="0">
               <a:buNone/>
-              <a:defRPr sz="2400">
+              <a:defRPr sz="1800">
                 <a:solidFill>
                   <a:schemeClr val="tx1">
                     <a:tint val="75000"/>
@@ -1055,9 +892,9 @@
                 </a:solidFill>
               </a:defRPr>
             </a:lvl1pPr>
-            <a:lvl2pPr marL="457200" indent="0">
-              <a:buNone/>
-              <a:defRPr sz="2000">
+            <a:lvl2pPr marL="342900" indent="0">
+              <a:buNone/>
+              <a:defRPr sz="1500">
                 <a:solidFill>
                   <a:schemeClr val="tx1">
                     <a:tint val="75000"/>
@@ -1065,9 +902,9 @@
                 </a:solidFill>
               </a:defRPr>
             </a:lvl2pPr>
-            <a:lvl3pPr marL="914400" indent="0">
-              <a:buNone/>
-              <a:defRPr sz="1800">
+            <a:lvl3pPr marL="685800" indent="0">
+              <a:buNone/>
+              <a:defRPr sz="1350">
                 <a:solidFill>
                   <a:schemeClr val="tx1">
                     <a:tint val="75000"/>
@@ -1075,9 +912,9 @@
                 </a:solidFill>
               </a:defRPr>
             </a:lvl3pPr>
-            <a:lvl4pPr marL="1371600" indent="0">
-              <a:buNone/>
-              <a:defRPr sz="1600">
+            <a:lvl4pPr marL="1028700" indent="0">
+              <a:buNone/>
+              <a:defRPr sz="1200">
                 <a:solidFill>
                   <a:schemeClr val="tx1">
                     <a:tint val="75000"/>
@@ -1085,9 +922,9 @@
                 </a:solidFill>
               </a:defRPr>
             </a:lvl4pPr>
-            <a:lvl5pPr marL="1828800" indent="0">
-              <a:buNone/>
-              <a:defRPr sz="1600">
+            <a:lvl5pPr marL="1371600" indent="0">
+              <a:buNone/>
+              <a:defRPr sz="1200">
                 <a:solidFill>
                   <a:schemeClr val="tx1">
                     <a:tint val="75000"/>
@@ -1095,9 +932,9 @@
                 </a:solidFill>
               </a:defRPr>
             </a:lvl5pPr>
-            <a:lvl6pPr marL="2286000" indent="0">
-              <a:buNone/>
-              <a:defRPr sz="1600">
+            <a:lvl6pPr marL="1714500" indent="0">
+              <a:buNone/>
+              <a:defRPr sz="1200">
                 <a:solidFill>
                   <a:schemeClr val="tx1">
                     <a:tint val="75000"/>
@@ -1105,9 +942,9 @@
                 </a:solidFill>
               </a:defRPr>
             </a:lvl6pPr>
-            <a:lvl7pPr marL="2743200" indent="0">
-              <a:buNone/>
-              <a:defRPr sz="1600">
+            <a:lvl7pPr marL="2057400" indent="0">
+              <a:buNone/>
+              <a:defRPr sz="1200">
                 <a:solidFill>
                   <a:schemeClr val="tx1">
                     <a:tint val="75000"/>
@@ -1115,9 +952,9 @@
                 </a:solidFill>
               </a:defRPr>
             </a:lvl7pPr>
-            <a:lvl8pPr marL="3200400" indent="0">
-              <a:buNone/>
-              <a:defRPr sz="1600">
+            <a:lvl8pPr marL="2400300" indent="0">
+              <a:buNone/>
+              <a:defRPr sz="1200">
                 <a:solidFill>
                   <a:schemeClr val="tx1">
                     <a:tint val="75000"/>
@@ -1125,9 +962,9 @@
                 </a:solidFill>
               </a:defRPr>
             </a:lvl8pPr>
-            <a:lvl9pPr marL="3657600" indent="0">
-              <a:buNone/>
-              <a:defRPr sz="1600">
+            <a:lvl9pPr marL="2743200" indent="0">
+              <a:buNone/>
+              <a:defRPr sz="1200">
                 <a:solidFill>
                   <a:schemeClr val="tx1">
                     <a:tint val="75000"/>
@@ -1214,6 +1051,7 @@
   <p:clrMapOvr>
     <a:masterClrMapping/>
   </p:clrMapOvr>
+  <p:hf sldNum="0" hdr="0" ftr="0" dt="0"/>
 </p:sldLayout>
 </file>
 
@@ -1269,8 +1107,8 @@
         </p:nvSpPr>
         <p:spPr>
           <a:xfrm>
-            <a:off x="838200" y="1825625"/>
-            <a:ext cx="5181600" cy="4351338"/>
+            <a:off x="609600" y="1600200"/>
+            <a:ext cx="5376672" cy="4525963"/>
           </a:xfrm>
         </p:spPr>
         <p:txBody>
@@ -1330,8 +1168,8 @@
         </p:nvSpPr>
         <p:spPr>
           <a:xfrm>
-            <a:off x="6172200" y="1825625"/>
-            <a:ext cx="5181600" cy="4351338"/>
+            <a:off x="6205728" y="1600200"/>
+            <a:ext cx="5376672" cy="4525963"/>
           </a:xfrm>
         </p:spPr>
         <p:txBody>
@@ -1447,6 +1285,7 @@
   <p:clrMapOvr>
     <a:masterClrMapping/>
   </p:clrMapOvr>
+  <p:hf sldNum="0" hdr="0" ftr="0" dt="0"/>
 </p:sldLayout>
 </file>
 
@@ -1516,39 +1355,39 @@
           <a:lstStyle>
             <a:lvl1pPr marL="0" indent="0">
               <a:buNone/>
-              <a:defRPr sz="2400" b="1"/>
+              <a:defRPr sz="1800" b="1"/>
             </a:lvl1pPr>
-            <a:lvl2pPr marL="457200" indent="0">
-              <a:buNone/>
-              <a:defRPr sz="2000" b="1"/>
+            <a:lvl2pPr marL="342900" indent="0">
+              <a:buNone/>
+              <a:defRPr sz="1500" b="1"/>
             </a:lvl2pPr>
-            <a:lvl3pPr marL="914400" indent="0">
-              <a:buNone/>
-              <a:defRPr sz="1800" b="1"/>
+            <a:lvl3pPr marL="685800" indent="0">
+              <a:buNone/>
+              <a:defRPr sz="1350" b="1"/>
             </a:lvl3pPr>
-            <a:lvl4pPr marL="1371600" indent="0">
-              <a:buNone/>
-              <a:defRPr sz="1600" b="1"/>
+            <a:lvl4pPr marL="1028700" indent="0">
+              <a:buNone/>
+              <a:defRPr sz="1200" b="1"/>
             </a:lvl4pPr>
-            <a:lvl5pPr marL="1828800" indent="0">
-              <a:buNone/>
-              <a:defRPr sz="1600" b="1"/>
+            <a:lvl5pPr marL="1371600" indent="0">
+              <a:buNone/>
+              <a:defRPr sz="1200" b="1"/>
             </a:lvl5pPr>
-            <a:lvl6pPr marL="2286000" indent="0">
-              <a:buNone/>
-              <a:defRPr sz="1600" b="1"/>
+            <a:lvl6pPr marL="1714500" indent="0">
+              <a:buNone/>
+              <a:defRPr sz="1200" b="1"/>
             </a:lvl6pPr>
-            <a:lvl7pPr marL="2743200" indent="0">
-              <a:buNone/>
-              <a:defRPr sz="1600" b="1"/>
+            <a:lvl7pPr marL="2057400" indent="0">
+              <a:buNone/>
+              <a:defRPr sz="1200" b="1"/>
             </a:lvl7pPr>
-            <a:lvl8pPr marL="3200400" indent="0">
-              <a:buNone/>
-              <a:defRPr sz="1600" b="1"/>
+            <a:lvl8pPr marL="2400300" indent="0">
+              <a:buNone/>
+              <a:defRPr sz="1200" b="1"/>
             </a:lvl8pPr>
-            <a:lvl9pPr marL="3657600" indent="0">
-              <a:buNone/>
-              <a:defRPr sz="1600" b="1"/>
+            <a:lvl9pPr marL="2743200" indent="0">
+              <a:buNone/>
+              <a:defRPr sz="1200" b="1"/>
             </a:lvl9pPr>
           </a:lstStyle>
           <a:p>
@@ -1643,39 +1482,39 @@
           <a:lstStyle>
             <a:lvl1pPr marL="0" indent="0">
               <a:buNone/>
-              <a:defRPr sz="2400" b="1"/>
+              <a:defRPr sz="1800" b="1"/>
             </a:lvl1pPr>
-            <a:lvl2pPr marL="457200" indent="0">
-              <a:buNone/>
-              <a:defRPr sz="2000" b="1"/>
+            <a:lvl2pPr marL="342900" indent="0">
+              <a:buNone/>
+              <a:defRPr sz="1500" b="1"/>
             </a:lvl2pPr>
-            <a:lvl3pPr marL="914400" indent="0">
-              <a:buNone/>
-              <a:defRPr sz="1800" b="1"/>
+            <a:lvl3pPr marL="685800" indent="0">
+              <a:buNone/>
+              <a:defRPr sz="1350" b="1"/>
             </a:lvl3pPr>
-            <a:lvl4pPr marL="1371600" indent="0">
-              <a:buNone/>
-              <a:defRPr sz="1600" b="1"/>
+            <a:lvl4pPr marL="1028700" indent="0">
+              <a:buNone/>
+              <a:defRPr sz="1200" b="1"/>
             </a:lvl4pPr>
-            <a:lvl5pPr marL="1828800" indent="0">
-              <a:buNone/>
-              <a:defRPr sz="1600" b="1"/>
+            <a:lvl5pPr marL="1371600" indent="0">
+              <a:buNone/>
+              <a:defRPr sz="1200" b="1"/>
             </a:lvl5pPr>
-            <a:lvl6pPr marL="2286000" indent="0">
-              <a:buNone/>
-              <a:defRPr sz="1600" b="1"/>
+            <a:lvl6pPr marL="1714500" indent="0">
+              <a:buNone/>
+              <a:defRPr sz="1200" b="1"/>
             </a:lvl6pPr>
-            <a:lvl7pPr marL="2743200" indent="0">
-              <a:buNone/>
-              <a:defRPr sz="1600" b="1"/>
+            <a:lvl7pPr marL="2057400" indent="0">
+              <a:buNone/>
+              <a:defRPr sz="1200" b="1"/>
             </a:lvl7pPr>
-            <a:lvl8pPr marL="3200400" indent="0">
-              <a:buNone/>
-              <a:defRPr sz="1600" b="1"/>
+            <a:lvl8pPr marL="2400300" indent="0">
+              <a:buNone/>
+              <a:defRPr sz="1200" b="1"/>
             </a:lvl8pPr>
-            <a:lvl9pPr marL="3657600" indent="0">
-              <a:buNone/>
-              <a:defRPr sz="1600" b="1"/>
+            <a:lvl9pPr marL="2743200" indent="0">
+              <a:buNone/>
+              <a:defRPr sz="1200" b="1"/>
             </a:lvl9pPr>
           </a:lstStyle>
           <a:p>
@@ -1817,6 +1656,7 @@
   <p:clrMapOvr>
     <a:masterClrMapping/>
   </p:clrMapOvr>
+  <p:hf sldNum="0" hdr="0" ftr="0" dt="0"/>
 </p:sldLayout>
 </file>
 
@@ -1928,6 +1768,7 @@
   <p:clrMapOvr>
     <a:masterClrMapping/>
   </p:clrMapOvr>
+  <p:hf sldNum="0" hdr="0" ftr="0" dt="0"/>
 </p:sldLayout>
 </file>
 
@@ -2016,6 +1857,7 @@
   <p:clrMapOvr>
     <a:masterClrMapping/>
   </p:clrMapOvr>
+  <p:hf sldNum="0" hdr="0" ftr="0" dt="0"/>
 </p:sldLayout>
 </file>
 
@@ -2056,7 +1898,7 @@
           <a:bodyPr anchor="b"/>
           <a:lstStyle>
             <a:lvl1pPr>
-              <a:defRPr sz="3200"/>
+              <a:defRPr sz="2400"/>
             </a:lvl1pPr>
           </a:lstStyle>
           <a:p>
@@ -2088,31 +1930,31 @@
           <a:bodyPr/>
           <a:lstStyle>
             <a:lvl1pPr>
-              <a:defRPr sz="3200"/>
+              <a:defRPr sz="2400"/>
             </a:lvl1pPr>
             <a:lvl2pPr>
-              <a:defRPr sz="2800"/>
+              <a:defRPr sz="2100"/>
             </a:lvl2pPr>
             <a:lvl3pPr>
-              <a:defRPr sz="2400"/>
+              <a:defRPr sz="1800"/>
             </a:lvl3pPr>
             <a:lvl4pPr>
-              <a:defRPr sz="2000"/>
+              <a:defRPr sz="1500"/>
             </a:lvl4pPr>
             <a:lvl5pPr>
-              <a:defRPr sz="2000"/>
+              <a:defRPr sz="1500"/>
             </a:lvl5pPr>
             <a:lvl6pPr>
-              <a:defRPr sz="2000"/>
+              <a:defRPr sz="1500"/>
             </a:lvl6pPr>
             <a:lvl7pPr>
-              <a:defRPr sz="2000"/>
+              <a:defRPr sz="1500"/>
             </a:lvl7pPr>
             <a:lvl8pPr>
-              <a:defRPr sz="2000"/>
+              <a:defRPr sz="1500"/>
             </a:lvl8pPr>
             <a:lvl9pPr>
-              <a:defRPr sz="2000"/>
+              <a:defRPr sz="1500"/>
             </a:lvl9pPr>
           </a:lstStyle>
           <a:p>
@@ -2178,39 +2020,39 @@
           <a:lstStyle>
             <a:lvl1pPr marL="0" indent="0">
               <a:buNone/>
-              <a:defRPr sz="1600"/>
+              <a:defRPr sz="1200"/>
             </a:lvl1pPr>
-            <a:lvl2pPr marL="457200" indent="0">
-              <a:buNone/>
-              <a:defRPr sz="1400"/>
+            <a:lvl2pPr marL="342900" indent="0">
+              <a:buNone/>
+              <a:defRPr sz="1050"/>
             </a:lvl2pPr>
-            <a:lvl3pPr marL="914400" indent="0">
-              <a:buNone/>
-              <a:defRPr sz="1200"/>
+            <a:lvl3pPr marL="685800" indent="0">
+              <a:buNone/>
+              <a:defRPr sz="900"/>
             </a:lvl3pPr>
-            <a:lvl4pPr marL="1371600" indent="0">
-              <a:buNone/>
-              <a:defRPr sz="1000"/>
+            <a:lvl4pPr marL="1028700" indent="0">
+              <a:buNone/>
+              <a:defRPr sz="750"/>
             </a:lvl4pPr>
-            <a:lvl5pPr marL="1828800" indent="0">
-              <a:buNone/>
-              <a:defRPr sz="1000"/>
+            <a:lvl5pPr marL="1371600" indent="0">
+              <a:buNone/>
+              <a:defRPr sz="750"/>
             </a:lvl5pPr>
-            <a:lvl6pPr marL="2286000" indent="0">
-              <a:buNone/>
-              <a:defRPr sz="1000"/>
+            <a:lvl6pPr marL="1714500" indent="0">
+              <a:buNone/>
+              <a:defRPr sz="750"/>
             </a:lvl6pPr>
-            <a:lvl7pPr marL="2743200" indent="0">
-              <a:buNone/>
-              <a:defRPr sz="1000"/>
+            <a:lvl7pPr marL="2057400" indent="0">
+              <a:buNone/>
+              <a:defRPr sz="750"/>
             </a:lvl7pPr>
-            <a:lvl8pPr marL="3200400" indent="0">
-              <a:buNone/>
-              <a:defRPr sz="1000"/>
+            <a:lvl8pPr marL="2400300" indent="0">
+              <a:buNone/>
+              <a:defRPr sz="750"/>
             </a:lvl8pPr>
-            <a:lvl9pPr marL="3657600" indent="0">
-              <a:buNone/>
-              <a:defRPr sz="1000"/>
+            <a:lvl9pPr marL="2743200" indent="0">
+              <a:buNone/>
+              <a:defRPr sz="750"/>
             </a:lvl9pPr>
           </a:lstStyle>
           <a:p>
@@ -2291,6 +2133,7 @@
   <p:clrMapOvr>
     <a:masterClrMapping/>
   </p:clrMapOvr>
+  <p:hf sldNum="0" hdr="0" ftr="0" dt="0"/>
 </p:sldLayout>
 </file>
 
@@ -2331,7 +2174,7 @@
           <a:bodyPr anchor="b"/>
           <a:lstStyle>
             <a:lvl1pPr>
-              <a:defRPr sz="3200"/>
+              <a:defRPr sz="2400"/>
             </a:lvl1pPr>
           </a:lstStyle>
           <a:p>
@@ -2364,39 +2207,39 @@
           <a:lstStyle>
             <a:lvl1pPr marL="0" indent="0">
               <a:buNone/>
-              <a:defRPr sz="3200"/>
+              <a:defRPr sz="2400"/>
             </a:lvl1pPr>
-            <a:lvl2pPr marL="457200" indent="0">
-              <a:buNone/>
-              <a:defRPr sz="2800"/>
+            <a:lvl2pPr marL="342900" indent="0">
+              <a:buNone/>
+              <a:defRPr sz="2100"/>
             </a:lvl2pPr>
-            <a:lvl3pPr marL="914400" indent="0">
-              <a:buNone/>
-              <a:defRPr sz="2400"/>
+            <a:lvl3pPr marL="685800" indent="0">
+              <a:buNone/>
+              <a:defRPr sz="1800"/>
             </a:lvl3pPr>
-            <a:lvl4pPr marL="1371600" indent="0">
-              <a:buNone/>
-              <a:defRPr sz="2000"/>
+            <a:lvl4pPr marL="1028700" indent="0">
+              <a:buNone/>
+              <a:defRPr sz="1500"/>
             </a:lvl4pPr>
-            <a:lvl5pPr marL="1828800" indent="0">
-              <a:buNone/>
-              <a:defRPr sz="2000"/>
+            <a:lvl5pPr marL="1371600" indent="0">
+              <a:buNone/>
+              <a:defRPr sz="1500"/>
             </a:lvl5pPr>
-            <a:lvl6pPr marL="2286000" indent="0">
-              <a:buNone/>
-              <a:defRPr sz="2000"/>
+            <a:lvl6pPr marL="1714500" indent="0">
+              <a:buNone/>
+              <a:defRPr sz="1500"/>
             </a:lvl6pPr>
-            <a:lvl7pPr marL="2743200" indent="0">
-              <a:buNone/>
-              <a:defRPr sz="2000"/>
+            <a:lvl7pPr marL="2057400" indent="0">
+              <a:buNone/>
+              <a:defRPr sz="1500"/>
             </a:lvl7pPr>
-            <a:lvl8pPr marL="3200400" indent="0">
-              <a:buNone/>
-              <a:defRPr sz="2000"/>
+            <a:lvl8pPr marL="2400300" indent="0">
+              <a:buNone/>
+              <a:defRPr sz="1500"/>
             </a:lvl8pPr>
-            <a:lvl9pPr marL="3657600" indent="0">
-              <a:buNone/>
-              <a:defRPr sz="2000"/>
+            <a:lvl9pPr marL="2743200" indent="0">
+              <a:buNone/>
+              <a:defRPr sz="1500"/>
             </a:lvl9pPr>
           </a:lstStyle>
           <a:p>
@@ -2425,39 +2268,39 @@
           <a:lstStyle>
             <a:lvl1pPr marL="0" indent="0">
               <a:buNone/>
-              <a:defRPr sz="1600"/>
+              <a:defRPr sz="1200"/>
             </a:lvl1pPr>
-            <a:lvl2pPr marL="457200" indent="0">
-              <a:buNone/>
-              <a:defRPr sz="1400"/>
+            <a:lvl2pPr marL="342900" indent="0">
+              <a:buNone/>
+              <a:defRPr sz="1050"/>
             </a:lvl2pPr>
-            <a:lvl3pPr marL="914400" indent="0">
-              <a:buNone/>
-              <a:defRPr sz="1200"/>
+            <a:lvl3pPr marL="685800" indent="0">
+              <a:buNone/>
+              <a:defRPr sz="900"/>
             </a:lvl3pPr>
-            <a:lvl4pPr marL="1371600" indent="0">
-              <a:buNone/>
-              <a:defRPr sz="1000"/>
+            <a:lvl4pPr marL="1028700" indent="0">
+              <a:buNone/>
+              <a:defRPr sz="750"/>
             </a:lvl4pPr>
-            <a:lvl5pPr marL="1828800" indent="0">
-              <a:buNone/>
-              <a:defRPr sz="1000"/>
+            <a:lvl5pPr marL="1371600" indent="0">
+              <a:buNone/>
+              <a:defRPr sz="750"/>
             </a:lvl5pPr>
-            <a:lvl6pPr marL="2286000" indent="0">
-              <a:buNone/>
-              <a:defRPr sz="1000"/>
+            <a:lvl6pPr marL="1714500" indent="0">
+              <a:buNone/>
+              <a:defRPr sz="750"/>
             </a:lvl6pPr>
-            <a:lvl7pPr marL="2743200" indent="0">
-              <a:buNone/>
-              <a:defRPr sz="1000"/>
+            <a:lvl7pPr marL="2057400" indent="0">
+              <a:buNone/>
+              <a:defRPr sz="750"/>
             </a:lvl7pPr>
-            <a:lvl8pPr marL="3200400" indent="0">
-              <a:buNone/>
-              <a:defRPr sz="1000"/>
+            <a:lvl8pPr marL="2400300" indent="0">
+              <a:buNone/>
+              <a:defRPr sz="750"/>
             </a:lvl8pPr>
-            <a:lvl9pPr marL="3657600" indent="0">
-              <a:buNone/>
-              <a:defRPr sz="1000"/>
+            <a:lvl9pPr marL="2743200" indent="0">
+              <a:buNone/>
+              <a:defRPr sz="750"/>
             </a:lvl9pPr>
           </a:lstStyle>
           <a:p>
@@ -2538,6 +2381,7 @@
   <p:clrMapOvr>
     <a:masterClrMapping/>
   </p:clrMapOvr>
+  <p:hf sldNum="0" hdr="0" ftr="0" dt="0"/>
 </p:sldLayout>
 </file>
 
@@ -2545,9 +2389,14 @@
 <p:sldMaster xmlns:a="http://schemas.openxmlformats.org/drawingml/2006/main" xmlns:r="http://schemas.openxmlformats.org/officeDocument/2006/relationships" xmlns:p="http://schemas.openxmlformats.org/presentationml/2006/main">
   <p:cSld>
     <p:bg>
-      <p:bgRef idx="1001">
-        <a:schemeClr val="bg1"/>
-      </p:bgRef>
+      <p:bgPr>
+        <a:solidFill>
+          <a:schemeClr val="bg1">
+            <a:alpha val="100000"/>
+          </a:schemeClr>
+        </a:solidFill>
+        <a:effectLst/>
+      </p:bgPr>
     </p:bg>
     <p:spTree>
       <p:nvGrpSpPr>
@@ -2555,143 +2404,119 @@
         <p:cNvGrpSpPr/>
         <p:nvPr/>
       </p:nvGrpSpPr>
-      <p:grpSpPr>
-        <a:xfrm>
-          <a:off x="0" y="0"/>
-          <a:ext cx="0" cy="0"/>
-          <a:chOff x="0" y="0"/>
-          <a:chExt cx="0" cy="0"/>
-        </a:xfrm>
-      </p:grpSpPr>
-      <p:sp>
-        <p:nvSpPr>
-          <p:cNvPr id="2" name="Заголовок 1"/>
-          <p:cNvSpPr>
-            <a:spLocks noGrp="1"/>
-          </p:cNvSpPr>
+      <p:grpSpPr/>
+      <p:sp>
+        <p:nvSpPr>
+          <p:cNvPr id="1026" name="Заголовок 1025"/>
+          <p:cNvSpPr/>
           <p:nvPr>
             <p:ph type="title"/>
           </p:nvPr>
         </p:nvSpPr>
         <p:spPr>
           <a:xfrm>
-            <a:off x="838200" y="365125"/>
-            <a:ext cx="10515600" cy="1325563"/>
+            <a:off x="609600" y="274638"/>
+            <a:ext cx="10972800" cy="1143000"/>
           </a:xfrm>
           <a:prstGeom prst="rect">
             <a:avLst/>
           </a:prstGeom>
-        </p:spPr>
-        <p:txBody>
-          <a:bodyPr vert="horz" lIns="91440" tIns="45720" rIns="91440" bIns="45720" rtlCol="0" anchor="ctr">
-            <a:normAutofit/>
-          </a:bodyPr>
-          <a:lstStyle/>
-          <a:p>
-            <a:r>
-              <a:rPr lang="ru-RU" smtClean="0"/>
-              <a:t>Образец заголовка</a:t>
-            </a:r>
-            <a:endParaRPr lang="ru-RU"/>
-          </a:p>
-        </p:txBody>
-      </p:sp>
-      <p:sp>
-        <p:nvSpPr>
-          <p:cNvPr id="3" name="Текст 2"/>
-          <p:cNvSpPr>
-            <a:spLocks noGrp="1"/>
-          </p:cNvSpPr>
+          <a:noFill/>
+          <a:ln w="9525">
+            <a:noFill/>
+          </a:ln>
+        </p:spPr>
+        <p:txBody>
+          <a:bodyPr anchor="ctr" anchorCtr="0"/>
+          <a:p>
+            <a:pPr lvl="0"/>
+            <a:r>
+              <a:t>Click to edit Master title style</a:t>
+            </a:r>
+          </a:p>
+        </p:txBody>
+      </p:sp>
+      <p:sp>
+        <p:nvSpPr>
+          <p:cNvPr id="1027" name="Замещающий текст 1026"/>
+          <p:cNvSpPr/>
           <p:nvPr>
             <p:ph type="body" idx="1"/>
           </p:nvPr>
         </p:nvSpPr>
         <p:spPr>
           <a:xfrm>
-            <a:off x="838200" y="1825625"/>
-            <a:ext cx="10515600" cy="4351338"/>
+            <a:off x="609600" y="1600200"/>
+            <a:ext cx="10972800" cy="4525963"/>
           </a:xfrm>
           <a:prstGeom prst="rect">
             <a:avLst/>
           </a:prstGeom>
-        </p:spPr>
-        <p:txBody>
-          <a:bodyPr vert="horz" lIns="91440" tIns="45720" rIns="91440" bIns="45720" rtlCol="0">
-            <a:normAutofit/>
-          </a:bodyPr>
-          <a:lstStyle/>
+          <a:noFill/>
+          <a:ln w="9525">
+            <a:noFill/>
+          </a:ln>
+        </p:spPr>
+        <p:txBody>
+          <a:bodyPr/>
           <a:p>
             <a:pPr lvl="0"/>
             <a:r>
-              <a:rPr lang="ru-RU" smtClean="0"/>
-              <a:t>Образец текста</a:t>
-            </a:r>
-            <a:endParaRPr lang="ru-RU" smtClean="0"/>
+              <a:t>Click to edit Master text styles</a:t>
+            </a:r>
           </a:p>
           <a:p>
             <a:pPr lvl="1"/>
             <a:r>
-              <a:rPr lang="ru-RU" smtClean="0"/>
-              <a:t>Второй уровень</a:t>
-            </a:r>
-            <a:endParaRPr lang="ru-RU" smtClean="0"/>
+              <a:t>Second level</a:t>
+            </a:r>
           </a:p>
           <a:p>
             <a:pPr lvl="2"/>
             <a:r>
-              <a:rPr lang="ru-RU" smtClean="0"/>
-              <a:t>Третий уровень</a:t>
-            </a:r>
-            <a:endParaRPr lang="ru-RU" smtClean="0"/>
+              <a:t>Third level</a:t>
+            </a:r>
           </a:p>
           <a:p>
             <a:pPr lvl="3"/>
             <a:r>
-              <a:rPr lang="ru-RU" smtClean="0"/>
-              <a:t>Четвертый уровень</a:t>
-            </a:r>
-            <a:endParaRPr lang="ru-RU" smtClean="0"/>
+              <a:t>Fourth level</a:t>
+            </a:r>
           </a:p>
           <a:p>
             <a:pPr lvl="4"/>
             <a:r>
-              <a:rPr lang="ru-RU" smtClean="0"/>
-              <a:t>Пятый уровень</a:t>
-            </a:r>
-            <a:endParaRPr lang="ru-RU"/>
-          </a:p>
-        </p:txBody>
-      </p:sp>
-      <p:sp>
-        <p:nvSpPr>
-          <p:cNvPr id="4" name="Дата 3"/>
-          <p:cNvSpPr>
-            <a:spLocks noGrp="1"/>
-          </p:cNvSpPr>
+              <a:t>Fifth level</a:t>
+            </a:r>
+          </a:p>
+        </p:txBody>
+      </p:sp>
+      <p:sp>
+        <p:nvSpPr>
+          <p:cNvPr id="1028" name="Замещающая дата 1027"/>
+          <p:cNvSpPr/>
           <p:nvPr>
             <p:ph type="dt" sz="half" idx="2"/>
           </p:nvPr>
         </p:nvSpPr>
         <p:spPr>
           <a:xfrm>
-            <a:off x="838200" y="6356350"/>
-            <a:ext cx="2743200" cy="365125"/>
+            <a:off x="609600" y="6245225"/>
+            <a:ext cx="2844800" cy="476250"/>
           </a:xfrm>
           <a:prstGeom prst="rect">
             <a:avLst/>
           </a:prstGeom>
-        </p:spPr>
-        <p:txBody>
-          <a:bodyPr vert="horz" lIns="91440" tIns="45720" rIns="91440" bIns="45720" rtlCol="0" anchor="ctr"/>
+          <a:noFill/>
+          <a:ln w="9525">
+            <a:noFill/>
+          </a:ln>
+        </p:spPr>
+        <p:txBody>
+          <a:bodyPr/>
           <a:lstStyle>
-            <a:lvl1pPr algn="l">
-              <a:defRPr sz="1200">
-                <a:solidFill>
-                  <a:schemeClr val="tx1">
-                    <a:tint val="75000"/>
-                  </a:schemeClr>
-                </a:solidFill>
-              </a:defRPr>
+            <a:lvl1pPr>
+              <a:defRPr sz="1400"/>
             </a:lvl1pPr>
           </a:lstStyle>
           <a:p>
@@ -2704,34 +2529,30 @@
       </p:sp>
       <p:sp>
         <p:nvSpPr>
-          <p:cNvPr id="5" name="Нижний колонтитул 4"/>
-          <p:cNvSpPr>
-            <a:spLocks noGrp="1"/>
-          </p:cNvSpPr>
+          <p:cNvPr id="1029" name="Замещающий нижний колонтитул 1028"/>
+          <p:cNvSpPr/>
           <p:nvPr>
             <p:ph type="ftr" sz="quarter" idx="3"/>
           </p:nvPr>
         </p:nvSpPr>
         <p:spPr>
           <a:xfrm>
-            <a:off x="4038600" y="6356350"/>
-            <a:ext cx="4114800" cy="365125"/>
+            <a:off x="4165600" y="6245225"/>
+            <a:ext cx="3860800" cy="476250"/>
           </a:xfrm>
           <a:prstGeom prst="rect">
             <a:avLst/>
           </a:prstGeom>
-        </p:spPr>
-        <p:txBody>
-          <a:bodyPr vert="horz" lIns="91440" tIns="45720" rIns="91440" bIns="45720" rtlCol="0" anchor="ctr"/>
+          <a:noFill/>
+          <a:ln w="9525">
+            <a:noFill/>
+          </a:ln>
+        </p:spPr>
+        <p:txBody>
+          <a:bodyPr/>
           <a:lstStyle>
             <a:lvl1pPr algn="ctr">
-              <a:defRPr sz="1200">
-                <a:solidFill>
-                  <a:schemeClr val="tx1">
-                    <a:tint val="75000"/>
-                  </a:schemeClr>
-                </a:solidFill>
-              </a:defRPr>
+              <a:defRPr sz="1400"/>
             </a:lvl1pPr>
           </a:lstStyle>
           <a:p>
@@ -2741,34 +2562,30 @@
       </p:sp>
       <p:sp>
         <p:nvSpPr>
-          <p:cNvPr id="6" name="Номер слайда 5"/>
-          <p:cNvSpPr>
-            <a:spLocks noGrp="1"/>
-          </p:cNvSpPr>
+          <p:cNvPr id="1030" name="Замещающий номер слайда 1029"/>
+          <p:cNvSpPr/>
           <p:nvPr>
             <p:ph type="sldNum" sz="quarter" idx="4"/>
           </p:nvPr>
         </p:nvSpPr>
         <p:spPr>
           <a:xfrm>
-            <a:off x="8610600" y="6356350"/>
-            <a:ext cx="2743200" cy="365125"/>
+            <a:off x="8737600" y="6245225"/>
+            <a:ext cx="2844800" cy="476250"/>
           </a:xfrm>
           <a:prstGeom prst="rect">
             <a:avLst/>
           </a:prstGeom>
-        </p:spPr>
-        <p:txBody>
-          <a:bodyPr vert="horz" lIns="91440" tIns="45720" rIns="91440" bIns="45720" rtlCol="0" anchor="ctr"/>
+          <a:noFill/>
+          <a:ln w="9525">
+            <a:noFill/>
+          </a:ln>
+        </p:spPr>
+        <p:txBody>
+          <a:bodyPr/>
           <a:lstStyle>
             <a:lvl1pPr algn="r">
-              <a:defRPr sz="1200">
-                <a:solidFill>
-                  <a:schemeClr val="tx1">
-                    <a:tint val="75000"/>
-                  </a:schemeClr>
-                </a:solidFill>
-              </a:defRPr>
+              <a:defRPr sz="1400"/>
             </a:lvl1pPr>
           </a:lstStyle>
           <a:p>
@@ -2794,21 +2611,24 @@
     <p:sldLayoutId id="2147483657" r:id="rId9"/>
     <p:sldLayoutId id="2147483658" r:id="rId10"/>
     <p:sldLayoutId id="2147483659" r:id="rId11"/>
-    <p:sldLayoutId id="2147483660" r:id="rId12"/>
   </p:sldLayoutIdLst>
+  <p:hf sldNum="0" hdr="0" ftr="0" dt="0"/>
   <p:txStyles>
     <p:titleStyle>
-      <a:lvl1pPr algn="l" defTabSz="914400" rtl="0" eaLnBrk="1" latinLnBrk="0" hangingPunct="1">
+      <a:lvl1pPr marL="0" lvl="0" indent="0" algn="ctr" defTabSz="914400" eaLnBrk="1" fontAlgn="base" latinLnBrk="0" hangingPunct="1">
         <a:lnSpc>
-          <a:spcPct val="90000"/>
+          <a:spcPct val="100000"/>
         </a:lnSpc>
         <a:spcBef>
           <a:spcPct val="0"/>
         </a:spcBef>
+        <a:spcAft>
+          <a:spcPct val="0"/>
+        </a:spcAft>
         <a:buNone/>
-        <a:defRPr sz="4400" kern="1200">
+        <a:defRPr sz="4400" b="0" i="0" u="none" kern="1200" baseline="0">
           <a:solidFill>
-            <a:schemeClr val="tx1"/>
+            <a:schemeClr val="tx2"/>
           </a:solidFill>
           <a:latin typeface="+mj-lt"/>
           <a:ea typeface="+mj-ea"/>
@@ -2817,16 +2637,18 @@
       </a:lvl1pPr>
     </p:titleStyle>
     <p:bodyStyle>
-      <a:lvl1pPr marL="228600" indent="-228600" algn="l" defTabSz="914400" rtl="0" eaLnBrk="1" latinLnBrk="0" hangingPunct="1">
+      <a:lvl1pPr marL="342900" lvl="0" indent="-342900" algn="l" defTabSz="914400" eaLnBrk="1" fontAlgn="base" latinLnBrk="0" hangingPunct="1">
         <a:lnSpc>
-          <a:spcPct val="90000"/>
+          <a:spcPct val="100000"/>
         </a:lnSpc>
         <a:spcBef>
-          <a:spcPts val="1000"/>
+          <a:spcPct val="20000"/>
         </a:spcBef>
-        <a:buFont typeface="Arial" panose="020B0604020202020204" pitchFamily="34" charset="0"/>
+        <a:spcAft>
+          <a:spcPct val="0"/>
+        </a:spcAft>
         <a:buChar char="•"/>
-        <a:defRPr sz="2800" kern="1200">
+        <a:defRPr sz="3200" b="0" i="0" u="none" kern="1200" baseline="0">
           <a:solidFill>
             <a:schemeClr val="tx1"/>
           </a:solidFill>
@@ -2835,16 +2657,18 @@
           <a:cs typeface="+mn-cs"/>
         </a:defRPr>
       </a:lvl1pPr>
-      <a:lvl2pPr marL="685800" indent="-228600" algn="l" defTabSz="914400" rtl="0" eaLnBrk="1" latinLnBrk="0" hangingPunct="1">
+      <a:lvl2pPr marL="742950" lvl="1" indent="-285750" algn="l" defTabSz="914400" eaLnBrk="1" fontAlgn="base" latinLnBrk="0" hangingPunct="1">
         <a:lnSpc>
-          <a:spcPct val="90000"/>
+          <a:spcPct val="100000"/>
         </a:lnSpc>
         <a:spcBef>
-          <a:spcPts val="500"/>
+          <a:spcPct val="20000"/>
         </a:spcBef>
-        <a:buFont typeface="Arial" panose="020B0604020202020204" pitchFamily="34" charset="0"/>
-        <a:buChar char="•"/>
-        <a:defRPr sz="2400" kern="1200">
+        <a:spcAft>
+          <a:spcPct val="0"/>
+        </a:spcAft>
+        <a:buChar char="–"/>
+        <a:defRPr sz="2800" b="0" i="0" u="none" kern="1200" baseline="0">
           <a:solidFill>
             <a:schemeClr val="tx1"/>
           </a:solidFill>
@@ -2853,16 +2677,18 @@
           <a:cs typeface="+mn-cs"/>
         </a:defRPr>
       </a:lvl2pPr>
-      <a:lvl3pPr marL="1143000" indent="-228600" algn="l" defTabSz="914400" rtl="0" eaLnBrk="1" latinLnBrk="0" hangingPunct="1">
+      <a:lvl3pPr marL="1143000" lvl="2" indent="-228600" algn="l" defTabSz="914400" eaLnBrk="1" fontAlgn="base" latinLnBrk="0" hangingPunct="1">
         <a:lnSpc>
-          <a:spcPct val="90000"/>
+          <a:spcPct val="100000"/>
         </a:lnSpc>
         <a:spcBef>
-          <a:spcPts val="500"/>
+          <a:spcPct val="20000"/>
         </a:spcBef>
-        <a:buFont typeface="Arial" panose="020B0604020202020204" pitchFamily="34" charset="0"/>
+        <a:spcAft>
+          <a:spcPct val="0"/>
+        </a:spcAft>
         <a:buChar char="•"/>
-        <a:defRPr sz="2000" kern="1200">
+        <a:defRPr sz="2400" b="0" i="0" u="none" kern="1200" baseline="0">
           <a:solidFill>
             <a:schemeClr val="tx1"/>
           </a:solidFill>
@@ -2871,16 +2697,18 @@
           <a:cs typeface="+mn-cs"/>
         </a:defRPr>
       </a:lvl3pPr>
-      <a:lvl4pPr marL="1600200" indent="-228600" algn="l" defTabSz="914400" rtl="0" eaLnBrk="1" latinLnBrk="0" hangingPunct="1">
+      <a:lvl4pPr marL="1600200" lvl="3" indent="-228600" algn="l" defTabSz="914400" eaLnBrk="1" fontAlgn="base" latinLnBrk="0" hangingPunct="1">
         <a:lnSpc>
-          <a:spcPct val="90000"/>
+          <a:spcPct val="100000"/>
         </a:lnSpc>
         <a:spcBef>
-          <a:spcPts val="500"/>
+          <a:spcPct val="20000"/>
         </a:spcBef>
-        <a:buFont typeface="Arial" panose="020B0604020202020204" pitchFamily="34" charset="0"/>
-        <a:buChar char="•"/>
-        <a:defRPr sz="1800" kern="1200">
+        <a:spcAft>
+          <a:spcPct val="0"/>
+        </a:spcAft>
+        <a:buChar char="–"/>
+        <a:defRPr sz="2000" b="0" i="0" u="none" kern="1200" baseline="0">
           <a:solidFill>
             <a:schemeClr val="tx1"/>
           </a:solidFill>
@@ -2889,16 +2717,18 @@
           <a:cs typeface="+mn-cs"/>
         </a:defRPr>
       </a:lvl4pPr>
-      <a:lvl5pPr marL="2057400" indent="-228600" algn="l" defTabSz="914400" rtl="0" eaLnBrk="1" latinLnBrk="0" hangingPunct="1">
+      <a:lvl5pPr marL="2057400" lvl="4" indent="-228600" algn="l" defTabSz="914400" eaLnBrk="1" fontAlgn="base" latinLnBrk="0" hangingPunct="1">
         <a:lnSpc>
-          <a:spcPct val="90000"/>
+          <a:spcPct val="100000"/>
         </a:lnSpc>
         <a:spcBef>
-          <a:spcPts val="500"/>
+          <a:spcPct val="20000"/>
         </a:spcBef>
-        <a:buFont typeface="Arial" panose="020B0604020202020204" pitchFamily="34" charset="0"/>
-        <a:buChar char="•"/>
-        <a:defRPr sz="1800" kern="1200">
+        <a:spcAft>
+          <a:spcPct val="0"/>
+        </a:spcAft>
+        <a:buChar char="»"/>
+        <a:defRPr sz="2000" b="0" i="0" u="none" kern="1200" baseline="0">
           <a:solidFill>
             <a:schemeClr val="tx1"/>
           </a:solidFill>
@@ -2907,16 +2737,18 @@
           <a:cs typeface="+mn-cs"/>
         </a:defRPr>
       </a:lvl5pPr>
-      <a:lvl6pPr marL="2514600" indent="-228600" algn="l" defTabSz="914400" rtl="0" eaLnBrk="1" latinLnBrk="0" hangingPunct="1">
+      <a:lvl6pPr marL="2514600" lvl="5" indent="-228600" algn="l" defTabSz="914400" eaLnBrk="1" fontAlgn="base" latinLnBrk="0" hangingPunct="1">
         <a:lnSpc>
-          <a:spcPct val="90000"/>
+          <a:spcPct val="100000"/>
         </a:lnSpc>
         <a:spcBef>
-          <a:spcPts val="500"/>
+          <a:spcPct val="20000"/>
         </a:spcBef>
-        <a:buFont typeface="Arial" panose="020B0604020202020204" pitchFamily="34" charset="0"/>
-        <a:buChar char="•"/>
-        <a:defRPr sz="1800" kern="1200">
+        <a:spcAft>
+          <a:spcPct val="0"/>
+        </a:spcAft>
+        <a:buChar char="»"/>
+        <a:defRPr sz="2000" b="0" i="0" u="none" kern="1200" baseline="0">
           <a:solidFill>
             <a:schemeClr val="tx1"/>
           </a:solidFill>
@@ -2925,16 +2757,18 @@
           <a:cs typeface="+mn-cs"/>
         </a:defRPr>
       </a:lvl6pPr>
-      <a:lvl7pPr marL="2971800" indent="-228600" algn="l" defTabSz="914400" rtl="0" eaLnBrk="1" latinLnBrk="0" hangingPunct="1">
+      <a:lvl7pPr marL="2971800" lvl="6" indent="-228600" algn="l" defTabSz="914400" eaLnBrk="1" fontAlgn="base" latinLnBrk="0" hangingPunct="1">
         <a:lnSpc>
-          <a:spcPct val="90000"/>
+          <a:spcPct val="100000"/>
         </a:lnSpc>
         <a:spcBef>
-          <a:spcPts val="500"/>
+          <a:spcPct val="20000"/>
         </a:spcBef>
-        <a:buFont typeface="Arial" panose="020B0604020202020204" pitchFamily="34" charset="0"/>
-        <a:buChar char="•"/>
-        <a:defRPr sz="1800" kern="1200">
+        <a:spcAft>
+          <a:spcPct val="0"/>
+        </a:spcAft>
+        <a:buChar char="»"/>
+        <a:defRPr sz="2000" b="0" i="0" u="none" kern="1200" baseline="0">
           <a:solidFill>
             <a:schemeClr val="tx1"/>
           </a:solidFill>
@@ -2943,16 +2777,18 @@
           <a:cs typeface="+mn-cs"/>
         </a:defRPr>
       </a:lvl7pPr>
-      <a:lvl8pPr marL="3429000" indent="-228600" algn="l" defTabSz="914400" rtl="0" eaLnBrk="1" latinLnBrk="0" hangingPunct="1">
+      <a:lvl8pPr marL="3429000" lvl="7" indent="-228600" algn="l" defTabSz="914400" eaLnBrk="1" fontAlgn="base" latinLnBrk="0" hangingPunct="1">
         <a:lnSpc>
-          <a:spcPct val="90000"/>
+          <a:spcPct val="100000"/>
         </a:lnSpc>
         <a:spcBef>
-          <a:spcPts val="500"/>
+          <a:spcPct val="20000"/>
         </a:spcBef>
-        <a:buFont typeface="Arial" panose="020B0604020202020204" pitchFamily="34" charset="0"/>
-        <a:buChar char="•"/>
-        <a:defRPr sz="1800" kern="1200">
+        <a:spcAft>
+          <a:spcPct val="0"/>
+        </a:spcAft>
+        <a:buChar char="»"/>
+        <a:defRPr sz="2000" b="0" i="0" u="none" kern="1200" baseline="0">
           <a:solidFill>
             <a:schemeClr val="tx1"/>
           </a:solidFill>
@@ -2961,16 +2797,18 @@
           <a:cs typeface="+mn-cs"/>
         </a:defRPr>
       </a:lvl8pPr>
-      <a:lvl9pPr marL="3886200" indent="-228600" algn="l" defTabSz="914400" rtl="0" eaLnBrk="1" latinLnBrk="0" hangingPunct="1">
+      <a:lvl9pPr marL="3886200" lvl="8" indent="-228600" algn="l" defTabSz="914400" eaLnBrk="1" fontAlgn="base" latinLnBrk="0" hangingPunct="1">
         <a:lnSpc>
-          <a:spcPct val="90000"/>
+          <a:spcPct val="100000"/>
         </a:lnSpc>
         <a:spcBef>
-          <a:spcPts val="500"/>
+          <a:spcPct val="20000"/>
         </a:spcBef>
-        <a:buFont typeface="Arial" panose="020B0604020202020204" pitchFamily="34" charset="0"/>
-        <a:buChar char="•"/>
-        <a:defRPr sz="1800" kern="1200">
+        <a:spcAft>
+          <a:spcPct val="0"/>
+        </a:spcAft>
+        <a:buChar char="»"/>
+        <a:defRPr sz="2000" b="0" i="0" u="none" kern="1200" baseline="0">
           <a:solidFill>
             <a:schemeClr val="tx1"/>
           </a:solidFill>
@@ -2981,11 +2819,19 @@
       </a:lvl9pPr>
     </p:bodyStyle>
     <p:otherStyle>
-      <a:defPPr>
-        <a:defRPr lang="ru-RU"/>
-      </a:defPPr>
-      <a:lvl1pPr marL="0" algn="l" defTabSz="914400" rtl="0" eaLnBrk="1" latinLnBrk="0" hangingPunct="1">
-        <a:defRPr sz="1800" kern="1200">
+      <a:lvl1pPr marL="0" lvl="0" indent="0" algn="l" defTabSz="914400" eaLnBrk="1" fontAlgn="base" latinLnBrk="0" hangingPunct="1">
+        <a:lnSpc>
+          <a:spcPct val="100000"/>
+        </a:lnSpc>
+        <a:spcBef>
+          <a:spcPct val="0"/>
+        </a:spcBef>
+        <a:spcAft>
+          <a:spcPct val="0"/>
+        </a:spcAft>
+        <a:buFont typeface="Arial" panose="020B0604020202020204" pitchFamily="34" charset="0"/>
+        <a:buNone/>
+        <a:defRPr sz="1800" b="0" i="0" u="none" kern="1200" baseline="0">
           <a:solidFill>
             <a:schemeClr val="tx1"/>
           </a:solidFill>
@@ -2994,82 +2840,170 @@
           <a:cs typeface="+mn-cs"/>
         </a:defRPr>
       </a:lvl1pPr>
-      <a:lvl2pPr marL="457200" algn="l" defTabSz="914400" rtl="0" eaLnBrk="1" latinLnBrk="0" hangingPunct="1">
-        <a:defRPr sz="1800" kern="1200">
+      <a:lvl2pPr marL="457200" lvl="1" indent="0" algn="l" defTabSz="914400" eaLnBrk="1" fontAlgn="base" latinLnBrk="0" hangingPunct="1">
+        <a:lnSpc>
+          <a:spcPct val="100000"/>
+        </a:lnSpc>
+        <a:spcBef>
+          <a:spcPct val="0"/>
+        </a:spcBef>
+        <a:spcAft>
+          <a:spcPct val="0"/>
+        </a:spcAft>
+        <a:buFont typeface="Arial" panose="020B0604020202020204" pitchFamily="34" charset="0"/>
+        <a:buNone/>
+        <a:defRPr b="0" i="0" u="none" kern="1200" baseline="0">
           <a:solidFill>
             <a:schemeClr val="tx1"/>
           </a:solidFill>
-          <a:latin typeface="+mn-lt"/>
+          <a:latin typeface="Arial" panose="020B0604020202020204" pitchFamily="34" charset="0"/>
           <a:ea typeface="+mn-ea"/>
           <a:cs typeface="+mn-cs"/>
         </a:defRPr>
       </a:lvl2pPr>
-      <a:lvl3pPr marL="914400" algn="l" defTabSz="914400" rtl="0" eaLnBrk="1" latinLnBrk="0" hangingPunct="1">
-        <a:defRPr sz="1800" kern="1200">
+      <a:lvl3pPr marL="914400" lvl="2" indent="0" algn="l" defTabSz="914400" eaLnBrk="1" fontAlgn="base" latinLnBrk="0" hangingPunct="1">
+        <a:lnSpc>
+          <a:spcPct val="100000"/>
+        </a:lnSpc>
+        <a:spcBef>
+          <a:spcPct val="0"/>
+        </a:spcBef>
+        <a:spcAft>
+          <a:spcPct val="0"/>
+        </a:spcAft>
+        <a:buFont typeface="Arial" panose="020B0604020202020204" pitchFamily="34" charset="0"/>
+        <a:buNone/>
+        <a:defRPr b="0" i="0" u="none" kern="1200" baseline="0">
           <a:solidFill>
             <a:schemeClr val="tx1"/>
           </a:solidFill>
-          <a:latin typeface="+mn-lt"/>
+          <a:latin typeface="Arial" panose="020B0604020202020204" pitchFamily="34" charset="0"/>
           <a:ea typeface="+mn-ea"/>
           <a:cs typeface="+mn-cs"/>
         </a:defRPr>
       </a:lvl3pPr>
-      <a:lvl4pPr marL="1371600" algn="l" defTabSz="914400" rtl="0" eaLnBrk="1" latinLnBrk="0" hangingPunct="1">
-        <a:defRPr sz="1800" kern="1200">
+      <a:lvl4pPr marL="1371600" lvl="3" indent="0" algn="l" defTabSz="914400" eaLnBrk="1" fontAlgn="base" latinLnBrk="0" hangingPunct="1">
+        <a:lnSpc>
+          <a:spcPct val="100000"/>
+        </a:lnSpc>
+        <a:spcBef>
+          <a:spcPct val="0"/>
+        </a:spcBef>
+        <a:spcAft>
+          <a:spcPct val="0"/>
+        </a:spcAft>
+        <a:buFont typeface="Arial" panose="020B0604020202020204" pitchFamily="34" charset="0"/>
+        <a:buNone/>
+        <a:defRPr b="0" i="0" u="none" kern="1200" baseline="0">
           <a:solidFill>
             <a:schemeClr val="tx1"/>
           </a:solidFill>
-          <a:latin typeface="+mn-lt"/>
+          <a:latin typeface="Arial" panose="020B0604020202020204" pitchFamily="34" charset="0"/>
           <a:ea typeface="+mn-ea"/>
           <a:cs typeface="+mn-cs"/>
         </a:defRPr>
       </a:lvl4pPr>
-      <a:lvl5pPr marL="1828800" algn="l" defTabSz="914400" rtl="0" eaLnBrk="1" latinLnBrk="0" hangingPunct="1">
-        <a:defRPr sz="1800" kern="1200">
+      <a:lvl5pPr marL="1828800" lvl="4" indent="0" algn="l" defTabSz="914400" eaLnBrk="1" fontAlgn="base" latinLnBrk="0" hangingPunct="1">
+        <a:lnSpc>
+          <a:spcPct val="100000"/>
+        </a:lnSpc>
+        <a:spcBef>
+          <a:spcPct val="0"/>
+        </a:spcBef>
+        <a:spcAft>
+          <a:spcPct val="0"/>
+        </a:spcAft>
+        <a:buFont typeface="Arial" panose="020B0604020202020204" pitchFamily="34" charset="0"/>
+        <a:buNone/>
+        <a:defRPr b="0" i="0" u="none" kern="1200" baseline="0">
           <a:solidFill>
             <a:schemeClr val="tx1"/>
           </a:solidFill>
-          <a:latin typeface="+mn-lt"/>
+          <a:latin typeface="Arial" panose="020B0604020202020204" pitchFamily="34" charset="0"/>
           <a:ea typeface="+mn-ea"/>
           <a:cs typeface="+mn-cs"/>
         </a:defRPr>
       </a:lvl5pPr>
-      <a:lvl6pPr marL="2286000" algn="l" defTabSz="914400" rtl="0" eaLnBrk="1" latinLnBrk="0" hangingPunct="1">
-        <a:defRPr sz="1800" kern="1200">
+      <a:lvl6pPr marL="2286000" lvl="5" indent="0" algn="l" defTabSz="914400" eaLnBrk="1" fontAlgn="base" latinLnBrk="0" hangingPunct="1">
+        <a:lnSpc>
+          <a:spcPct val="100000"/>
+        </a:lnSpc>
+        <a:spcBef>
+          <a:spcPct val="0"/>
+        </a:spcBef>
+        <a:spcAft>
+          <a:spcPct val="0"/>
+        </a:spcAft>
+        <a:buFont typeface="Arial" panose="020B0604020202020204" pitchFamily="34" charset="0"/>
+        <a:buNone/>
+        <a:defRPr b="0" i="0" u="none" kern="1200" baseline="0">
           <a:solidFill>
             <a:schemeClr val="tx1"/>
           </a:solidFill>
-          <a:latin typeface="+mn-lt"/>
+          <a:latin typeface="Arial" panose="020B0604020202020204" pitchFamily="34" charset="0"/>
           <a:ea typeface="+mn-ea"/>
           <a:cs typeface="+mn-cs"/>
         </a:defRPr>
       </a:lvl6pPr>
-      <a:lvl7pPr marL="2743200" algn="l" defTabSz="914400" rtl="0" eaLnBrk="1" latinLnBrk="0" hangingPunct="1">
-        <a:defRPr sz="1800" kern="1200">
+      <a:lvl7pPr marL="2743200" lvl="6" indent="0" algn="l" defTabSz="914400" eaLnBrk="1" fontAlgn="base" latinLnBrk="0" hangingPunct="1">
+        <a:lnSpc>
+          <a:spcPct val="100000"/>
+        </a:lnSpc>
+        <a:spcBef>
+          <a:spcPct val="0"/>
+        </a:spcBef>
+        <a:spcAft>
+          <a:spcPct val="0"/>
+        </a:spcAft>
+        <a:buFont typeface="Arial" panose="020B0604020202020204" pitchFamily="34" charset="0"/>
+        <a:buNone/>
+        <a:defRPr b="0" i="0" u="none" kern="1200" baseline="0">
           <a:solidFill>
             <a:schemeClr val="tx1"/>
           </a:solidFill>
-          <a:latin typeface="+mn-lt"/>
+          <a:latin typeface="Arial" panose="020B0604020202020204" pitchFamily="34" charset="0"/>
           <a:ea typeface="+mn-ea"/>
           <a:cs typeface="+mn-cs"/>
         </a:defRPr>
       </a:lvl7pPr>
-      <a:lvl8pPr marL="3200400" algn="l" defTabSz="914400" rtl="0" eaLnBrk="1" latinLnBrk="0" hangingPunct="1">
-        <a:defRPr sz="1800" kern="1200">
+      <a:lvl8pPr marL="3200400" lvl="7" indent="0" algn="l" defTabSz="914400" eaLnBrk="1" fontAlgn="base" latinLnBrk="0" hangingPunct="1">
+        <a:lnSpc>
+          <a:spcPct val="100000"/>
+        </a:lnSpc>
+        <a:spcBef>
+          <a:spcPct val="0"/>
+        </a:spcBef>
+        <a:spcAft>
+          <a:spcPct val="0"/>
+        </a:spcAft>
+        <a:buFont typeface="Arial" panose="020B0604020202020204" pitchFamily="34" charset="0"/>
+        <a:buNone/>
+        <a:defRPr b="0" i="0" u="none" kern="1200" baseline="0">
           <a:solidFill>
             <a:schemeClr val="tx1"/>
           </a:solidFill>
-          <a:latin typeface="+mn-lt"/>
+          <a:latin typeface="Arial" panose="020B0604020202020204" pitchFamily="34" charset="0"/>
           <a:ea typeface="+mn-ea"/>
           <a:cs typeface="+mn-cs"/>
         </a:defRPr>
       </a:lvl8pPr>
-      <a:lvl9pPr marL="3657600" algn="l" defTabSz="914400" rtl="0" eaLnBrk="1" latinLnBrk="0" hangingPunct="1">
-        <a:defRPr sz="1800" kern="1200">
+      <a:lvl9pPr marL="3657600" lvl="8" indent="0" algn="l" defTabSz="914400" eaLnBrk="1" fontAlgn="base" latinLnBrk="0" hangingPunct="1">
+        <a:lnSpc>
+          <a:spcPct val="100000"/>
+        </a:lnSpc>
+        <a:spcBef>
+          <a:spcPct val="0"/>
+        </a:spcBef>
+        <a:spcAft>
+          <a:spcPct val="0"/>
+        </a:spcAft>
+        <a:buFont typeface="Arial" panose="020B0604020202020204" pitchFamily="34" charset="0"/>
+        <a:buNone/>
+        <a:defRPr b="0" i="0" u="none" kern="1200" baseline="0">
           <a:solidFill>
             <a:schemeClr val="tx1"/>
           </a:solidFill>
-          <a:latin typeface="+mn-lt"/>
+          <a:latin typeface="Arial" panose="020B0604020202020204" pitchFamily="34" charset="0"/>
           <a:ea typeface="+mn-ea"/>
           <a:cs typeface="+mn-cs"/>
         </a:defRPr>
@@ -3215,6 +3149,57 @@
       </p:grpSpPr>
       <p:sp>
         <p:nvSpPr>
+          <p:cNvPr id="3" name="Скругленный прямоугольник 2"/>
+          <p:cNvSpPr/>
+          <p:nvPr/>
+        </p:nvSpPr>
+        <p:spPr>
+          <a:xfrm>
+            <a:off x="185420" y="2259330"/>
+            <a:ext cx="7892415" cy="2528570"/>
+          </a:xfrm>
+          <a:prstGeom prst="roundRect">
+            <a:avLst/>
+          </a:prstGeom>
+          <a:solidFill>
+            <a:schemeClr val="bg1">
+              <a:lumMod val="75000"/>
+            </a:schemeClr>
+          </a:solidFill>
+          <a:ln>
+            <a:solidFill>
+              <a:schemeClr val="bg1">
+                <a:lumMod val="85000"/>
+              </a:schemeClr>
+            </a:solidFill>
+          </a:ln>
+        </p:spPr>
+        <p:style>
+          <a:lnRef idx="2">
+            <a:schemeClr val="accent1">
+              <a:lumMod val="75000"/>
+            </a:schemeClr>
+          </a:lnRef>
+          <a:fillRef idx="1">
+            <a:schemeClr val="accent1"/>
+          </a:fillRef>
+          <a:effectRef idx="0">
+            <a:srgbClr val="FFFFFF"/>
+          </a:effectRef>
+          <a:fontRef idx="minor">
+            <a:schemeClr val="lt1"/>
+          </a:fontRef>
+        </p:style>
+        <p:txBody>
+          <a:bodyPr rtlCol="0" anchor="ctr"/>
+          <a:p>
+            <a:pPr algn="ctr"/>
+            <a:endParaRPr lang="ru-RU" altLang="en-US"/>
+          </a:p>
+        </p:txBody>
+      </p:sp>
+      <p:sp>
+        <p:nvSpPr>
           <p:cNvPr id="2" name="Заголовок 1"/>
           <p:cNvSpPr>
             <a:spLocks noGrp="1"/>
@@ -3282,7 +3267,7 @@
         </p:nvSpPr>
         <p:spPr>
           <a:xfrm>
-            <a:off x="838200" y="2576146"/>
+            <a:off x="205740" y="2318336"/>
             <a:ext cx="10515600" cy="2247168"/>
           </a:xfrm>
         </p:spPr>
@@ -3292,6 +3277,9 @@
           <a:p>
             <a:r>
               <a:rPr lang="ru-RU" dirty="0" smtClean="0">
+                <a:solidFill>
+                  <a:schemeClr val="bg1"/>
+                </a:solidFill>
                 <a:latin typeface="Arial" panose="020B0604020202020204" pitchFamily="34" charset="0"/>
                 <a:cs typeface="Arial" panose="020B0604020202020204" pitchFamily="34" charset="0"/>
               </a:rPr>
@@ -3299,6 +3287,9 @@
             </a:r>
             <a:r>
               <a:rPr lang="ru-RU" dirty="0" err="1" smtClean="0">
+                <a:solidFill>
+                  <a:schemeClr val="bg1"/>
+                </a:solidFill>
                 <a:latin typeface="Arial" panose="020B0604020202020204" pitchFamily="34" charset="0"/>
                 <a:cs typeface="Arial" panose="020B0604020202020204" pitchFamily="34" charset="0"/>
               </a:rPr>
@@ -3306,12 +3297,18 @@
             </a:r>
             <a:r>
               <a:rPr lang="ru-RU" dirty="0" smtClean="0">
+                <a:solidFill>
+                  <a:schemeClr val="bg1"/>
+                </a:solidFill>
                 <a:latin typeface="Arial" panose="020B0604020202020204" pitchFamily="34" charset="0"/>
                 <a:cs typeface="Arial" panose="020B0604020202020204" pitchFamily="34" charset="0"/>
               </a:rPr>
               <a:t> представлен код и файл с</a:t>
             </a:r>
             <a:endParaRPr lang="ru-RU" dirty="0" smtClean="0">
+              <a:solidFill>
+                <a:schemeClr val="bg1"/>
+              </a:solidFill>
               <a:latin typeface="Arial" panose="020B0604020202020204" pitchFamily="34" charset="0"/>
               <a:cs typeface="Arial" panose="020B0604020202020204" pitchFamily="34" charset="0"/>
             </a:endParaRPr>
@@ -3322,12 +3319,18 @@
             </a:pPr>
             <a:r>
               <a:rPr lang="ru-RU" dirty="0" smtClean="0">
+                <a:solidFill>
+                  <a:schemeClr val="bg1"/>
+                </a:solidFill>
                 <a:latin typeface="Arial" panose="020B0604020202020204" pitchFamily="34" charset="0"/>
                 <a:cs typeface="Arial" panose="020B0604020202020204" pitchFamily="34" charset="0"/>
               </a:rPr>
               <a:t> возможными блюдами </a:t>
             </a:r>
             <a:endParaRPr lang="ru-RU" dirty="0" smtClean="0">
+              <a:solidFill>
+                <a:schemeClr val="bg1"/>
+              </a:solidFill>
               <a:latin typeface="Arial" panose="020B0604020202020204" pitchFamily="34" charset="0"/>
               <a:cs typeface="Arial" panose="020B0604020202020204" pitchFamily="34" charset="0"/>
             </a:endParaRPr>
@@ -3338,12 +3341,18 @@
             </a:pPr>
             <a:r>
               <a:rPr lang="ru-RU" dirty="0" smtClean="0">
+                <a:solidFill>
+                  <a:schemeClr val="bg1"/>
+                </a:solidFill>
                 <a:latin typeface="Arial" panose="020B0604020202020204" pitchFamily="34" charset="0"/>
                 <a:cs typeface="Arial" panose="020B0604020202020204" pitchFamily="34" charset="0"/>
               </a:rPr>
               <a:t>(для корректной работы нужно добавить </a:t>
             </a:r>
             <a:endParaRPr lang="ru-RU" dirty="0" smtClean="0">
+              <a:solidFill>
+                <a:schemeClr val="bg1"/>
+              </a:solidFill>
               <a:latin typeface="Arial" panose="020B0604020202020204" pitchFamily="34" charset="0"/>
               <a:cs typeface="Arial" panose="020B0604020202020204" pitchFamily="34" charset="0"/>
             </a:endParaRPr>
@@ -3354,6 +3363,9 @@
             </a:pPr>
             <a:r>
               <a:rPr lang="ru-RU" dirty="0" smtClean="0">
+                <a:solidFill>
+                  <a:schemeClr val="bg1"/>
+                </a:solidFill>
                 <a:latin typeface="Arial" panose="020B0604020202020204" pitchFamily="34" charset="0"/>
                 <a:cs typeface="Arial" panose="020B0604020202020204" pitchFamily="34" charset="0"/>
               </a:rPr>
@@ -3361,6 +3373,9 @@
             </a:r>
             <a:r>
               <a:rPr lang="ru-RU" dirty="0" err="1" smtClean="0">
+                <a:solidFill>
+                  <a:schemeClr val="bg1"/>
+                </a:solidFill>
                 <a:latin typeface="Arial" panose="020B0604020202020204" pitchFamily="34" charset="0"/>
                 <a:cs typeface="Arial" panose="020B0604020202020204" pitchFamily="34" charset="0"/>
               </a:rPr>
@@ -3368,15 +3383,50 @@
             </a:r>
             <a:r>
               <a:rPr lang="ru-RU" dirty="0" smtClean="0">
+                <a:solidFill>
+                  <a:schemeClr val="bg1"/>
+                </a:solidFill>
                 <a:latin typeface="Arial" panose="020B0604020202020204" pitchFamily="34" charset="0"/>
                 <a:cs typeface="Arial" panose="020B0604020202020204" pitchFamily="34" charset="0"/>
               </a:rPr>
               <a:t>)</a:t>
             </a:r>
-            <a:endParaRPr lang="ru-RU" dirty="0">
+            <a:endParaRPr lang="ru-RU" dirty="0" smtClean="0">
+              <a:solidFill>
+                <a:schemeClr val="bg1"/>
+              </a:solidFill>
               <a:latin typeface="Arial" panose="020B0604020202020204" pitchFamily="34" charset="0"/>
               <a:cs typeface="Arial" panose="020B0604020202020204" pitchFamily="34" charset="0"/>
             </a:endParaRPr>
+          </a:p>
+        </p:txBody>
+      </p:sp>
+      <p:sp>
+        <p:nvSpPr>
+          <p:cNvPr id="6" name="Текстовое поле 5"/>
+          <p:cNvSpPr txBox="1"/>
+          <p:nvPr/>
+        </p:nvSpPr>
+        <p:spPr>
+          <a:xfrm>
+            <a:off x="8884920" y="5125720"/>
+            <a:ext cx="4064000" cy="368300"/>
+          </a:xfrm>
+          <a:prstGeom prst="rect">
+            <a:avLst/>
+          </a:prstGeom>
+          <a:noFill/>
+        </p:spPr>
+        <p:txBody>
+          <a:bodyPr wrap="square" rtlCol="0">
+            <a:spAutoFit/>
+          </a:bodyPr>
+          <a:p>
+            <a:r>
+              <a:rPr lang="ru-RU" altLang="en-US"/>
+              <a:t>ссылка на гитхаб</a:t>
+            </a:r>
+            <a:endParaRPr lang="ru-RU" altLang="en-US"/>
           </a:p>
         </p:txBody>
       </p:sp>
@@ -3407,6 +3457,53 @@
       </p:grpSpPr>
       <p:sp>
         <p:nvSpPr>
+          <p:cNvPr id="5" name="Скругленный прямоугольник 4"/>
+          <p:cNvSpPr/>
+          <p:nvPr/>
+        </p:nvSpPr>
+        <p:spPr>
+          <a:xfrm>
+            <a:off x="1037590" y="2230755"/>
+            <a:ext cx="6991985" cy="1666875"/>
+          </a:xfrm>
+          <a:prstGeom prst="roundRect">
+            <a:avLst/>
+          </a:prstGeom>
+          <a:solidFill>
+            <a:schemeClr val="bg1">
+              <a:lumMod val="75000"/>
+            </a:schemeClr>
+          </a:solidFill>
+          <a:ln>
+            <a:noFill/>
+          </a:ln>
+        </p:spPr>
+        <p:style>
+          <a:lnRef idx="2">
+            <a:schemeClr val="accent1">
+              <a:lumMod val="75000"/>
+            </a:schemeClr>
+          </a:lnRef>
+          <a:fillRef idx="1">
+            <a:schemeClr val="accent1"/>
+          </a:fillRef>
+          <a:effectRef idx="0">
+            <a:srgbClr val="FFFFFF"/>
+          </a:effectRef>
+          <a:fontRef idx="minor">
+            <a:schemeClr val="lt1"/>
+          </a:fontRef>
+        </p:style>
+        <p:txBody>
+          <a:bodyPr rtlCol="0" anchor="ctr"/>
+          <a:p>
+            <a:pPr algn="ctr"/>
+            <a:endParaRPr lang="ru-RU" altLang="en-US"/>
+          </a:p>
+        </p:txBody>
+      </p:sp>
+      <p:sp>
+        <p:nvSpPr>
           <p:cNvPr id="2" name="Заголовок 1"/>
           <p:cNvSpPr>
             <a:spLocks noGrp="1"/>
@@ -3444,22 +3541,29 @@
         </p:nvSpPr>
         <p:spPr>
           <a:xfrm>
-            <a:off x="838200" y="2520218"/>
-            <a:ext cx="10515600" cy="3572851"/>
+            <a:off x="838200" y="2232660"/>
+            <a:ext cx="7143750" cy="3573145"/>
           </a:xfrm>
         </p:spPr>
         <p:txBody>
           <a:bodyPr/>
           <a:lstStyle/>
           <a:p>
+            <a:pPr algn="ctr"/>
             <a:r>
               <a:rPr lang="ru-RU" dirty="0" smtClean="0">
+                <a:solidFill>
+                  <a:schemeClr val="bg1"/>
+                </a:solidFill>
                 <a:latin typeface="Arial" panose="020B0604020202020204" pitchFamily="34" charset="0"/>
                 <a:cs typeface="Arial" panose="020B0604020202020204" pitchFamily="34" charset="0"/>
               </a:rPr>
               <a:t>Иногда тяжело найти блюдо для приготовления из ингредиентов что есть на руках</a:t>
             </a:r>
-            <a:endParaRPr lang="ru-RU" dirty="0">
+            <a:endParaRPr lang="ru-RU" dirty="0" smtClean="0">
+              <a:solidFill>
+                <a:schemeClr val="bg1"/>
+              </a:solidFill>
               <a:latin typeface="Arial" panose="020B0604020202020204" pitchFamily="34" charset="0"/>
               <a:cs typeface="Arial" panose="020B0604020202020204" pitchFamily="34" charset="0"/>
             </a:endParaRPr>
@@ -3515,6 +3619,53 @@
       </p:grpSpPr>
       <p:sp>
         <p:nvSpPr>
+          <p:cNvPr id="5" name="Скругленный прямоугольник 4"/>
+          <p:cNvSpPr/>
+          <p:nvPr/>
+        </p:nvSpPr>
+        <p:spPr>
+          <a:xfrm>
+            <a:off x="913130" y="1809115"/>
+            <a:ext cx="10411460" cy="2049780"/>
+          </a:xfrm>
+          <a:prstGeom prst="roundRect">
+            <a:avLst/>
+          </a:prstGeom>
+          <a:solidFill>
+            <a:schemeClr val="bg1">
+              <a:lumMod val="75000"/>
+            </a:schemeClr>
+          </a:solidFill>
+          <a:ln>
+            <a:noFill/>
+          </a:ln>
+        </p:spPr>
+        <p:style>
+          <a:lnRef idx="2">
+            <a:schemeClr val="accent1">
+              <a:lumMod val="75000"/>
+            </a:schemeClr>
+          </a:lnRef>
+          <a:fillRef idx="1">
+            <a:schemeClr val="accent1"/>
+          </a:fillRef>
+          <a:effectRef idx="0">
+            <a:srgbClr val="FFFFFF"/>
+          </a:effectRef>
+          <a:fontRef idx="minor">
+            <a:schemeClr val="lt1"/>
+          </a:fontRef>
+        </p:style>
+        <p:txBody>
+          <a:bodyPr rtlCol="0" anchor="ctr"/>
+          <a:p>
+            <a:pPr algn="ctr"/>
+            <a:endParaRPr lang="ru-RU" altLang="en-US"/>
+          </a:p>
+        </p:txBody>
+      </p:sp>
+      <p:sp>
+        <p:nvSpPr>
           <p:cNvPr id="2" name="Заголовок 1"/>
           <p:cNvSpPr>
             <a:spLocks noGrp="1"/>
@@ -3552,27 +3703,44 @@
         </p:nvSpPr>
         <p:spPr>
           <a:xfrm>
-            <a:off x="838200" y="2303585"/>
-            <a:ext cx="10515600" cy="3873378"/>
+            <a:off x="838200" y="1805305"/>
+            <a:ext cx="10515600" cy="2800350"/>
           </a:xfrm>
         </p:spPr>
         <p:txBody>
           <a:bodyPr/>
           <a:lstStyle/>
           <a:p>
-            <a:r>
-              <a:rPr lang="ru-RU" dirty="0" smtClean="0"/>
+            <a:pPr algn="ctr"/>
+            <a:r>
+              <a:rPr lang="ru-RU" dirty="0" smtClean="0">
+                <a:solidFill>
+                  <a:schemeClr val="bg1"/>
+                </a:solidFill>
+              </a:rPr>
               <a:t>При вводе пользователем ингредиентов программа выдаёт одно из блюд которое соответствует этим ингредиентам, без учёта инструментов для готовки (кастрюли, сковородки, и </a:t>
             </a:r>
             <a:r>
-              <a:rPr lang="ru-RU" dirty="0" err="1" smtClean="0"/>
+              <a:rPr lang="ru-RU" dirty="0" err="1" smtClean="0">
+                <a:solidFill>
+                  <a:schemeClr val="bg1"/>
+                </a:solidFill>
+              </a:rPr>
               <a:t>тд</a:t>
             </a:r>
             <a:r>
-              <a:rPr lang="ru-RU" dirty="0" smtClean="0"/>
+              <a:rPr lang="ru-RU" dirty="0" smtClean="0">
+                <a:solidFill>
+                  <a:schemeClr val="bg1"/>
+                </a:solidFill>
+              </a:rPr>
               <a:t>.) .</a:t>
             </a:r>
-            <a:endParaRPr lang="ru-RU" dirty="0"/>
+            <a:endParaRPr lang="ru-RU" dirty="0" smtClean="0">
+              <a:solidFill>
+                <a:schemeClr val="bg1"/>
+              </a:solidFill>
+            </a:endParaRPr>
           </a:p>
         </p:txBody>
       </p:sp>
@@ -3625,6 +3793,53 @@
       </p:grpSpPr>
       <p:sp>
         <p:nvSpPr>
+          <p:cNvPr id="8" name="Скругленный прямоугольник 7"/>
+          <p:cNvSpPr/>
+          <p:nvPr/>
+        </p:nvSpPr>
+        <p:spPr>
+          <a:xfrm>
+            <a:off x="3898900" y="3863340"/>
+            <a:ext cx="4121785" cy="1666875"/>
+          </a:xfrm>
+          <a:prstGeom prst="roundRect">
+            <a:avLst/>
+          </a:prstGeom>
+          <a:solidFill>
+            <a:schemeClr val="bg1">
+              <a:lumMod val="75000"/>
+            </a:schemeClr>
+          </a:solidFill>
+          <a:ln>
+            <a:noFill/>
+          </a:ln>
+        </p:spPr>
+        <p:style>
+          <a:lnRef idx="2">
+            <a:schemeClr val="accent1">
+              <a:lumMod val="75000"/>
+            </a:schemeClr>
+          </a:lnRef>
+          <a:fillRef idx="1">
+            <a:schemeClr val="accent1"/>
+          </a:fillRef>
+          <a:effectRef idx="0">
+            <a:srgbClr val="FFFFFF"/>
+          </a:effectRef>
+          <a:fontRef idx="minor">
+            <a:schemeClr val="lt1"/>
+          </a:fontRef>
+        </p:style>
+        <p:txBody>
+          <a:bodyPr rtlCol="0" anchor="ctr"/>
+          <a:p>
+            <a:pPr algn="ctr"/>
+            <a:endParaRPr lang="ru-RU" altLang="en-US"/>
+          </a:p>
+        </p:txBody>
+      </p:sp>
+      <p:sp>
+        <p:nvSpPr>
           <p:cNvPr id="2" name="Заголовок 1"/>
           <p:cNvSpPr>
             <a:spLocks noGrp="1"/>
@@ -3649,30 +3864,6 @@
               <a:latin typeface="Arial Black" panose="020B0A04020102020204" pitchFamily="34" charset="0"/>
               <a:cs typeface="Arial" panose="020B0604020202020204" pitchFamily="34" charset="0"/>
             </a:endParaRPr>
-          </a:p>
-        </p:txBody>
-      </p:sp>
-      <p:sp>
-        <p:nvSpPr>
-          <p:cNvPr id="3" name="Объект 2"/>
-          <p:cNvSpPr>
-            <a:spLocks noGrp="1"/>
-          </p:cNvSpPr>
-          <p:nvPr>
-            <p:ph idx="1"/>
-          </p:nvPr>
-        </p:nvSpPr>
-        <p:spPr>
-          <a:xfrm>
-            <a:off x="512445" y="1841500"/>
-            <a:ext cx="6071235" cy="4335780"/>
-          </a:xfrm>
-        </p:spPr>
-        <p:txBody>
-          <a:bodyPr/>
-          <a:lstStyle/>
-          <a:p>
-            <a:endParaRPr lang="ru-RU" dirty="0" smtClean="0"/>
           </a:p>
         </p:txBody>
       </p:sp>
@@ -3690,7 +3881,7 @@
         </p:blipFill>
         <p:spPr>
           <a:xfrm>
-            <a:off x="421005" y="1537335"/>
+            <a:off x="9788525" y="1537335"/>
             <a:ext cx="1409700" cy="1409700"/>
           </a:xfrm>
           <a:prstGeom prst="rect">
@@ -3712,7 +3903,7 @@
         </p:blipFill>
         <p:spPr>
           <a:xfrm>
-            <a:off x="421005" y="2947035"/>
+            <a:off x="421005" y="1537335"/>
             <a:ext cx="1409700" cy="1409700"/>
           </a:xfrm>
           <a:prstGeom prst="rect">
@@ -3734,7 +3925,7 @@
         </p:blipFill>
         <p:spPr>
           <a:xfrm>
-            <a:off x="421005" y="4356735"/>
+            <a:off x="5255260" y="1537335"/>
             <a:ext cx="1409700" cy="1409700"/>
           </a:xfrm>
           <a:prstGeom prst="rect">
@@ -3750,7 +3941,7 @@
         </p:nvSpPr>
         <p:spPr>
           <a:xfrm>
-            <a:off x="3898900" y="3157855"/>
+            <a:off x="3898900" y="3988435"/>
             <a:ext cx="4064000" cy="1198880"/>
           </a:xfrm>
           <a:prstGeom prst="rect">
@@ -3766,15 +3957,54 @@
             <a:pPr algn="ctr"/>
             <a:r>
               <a:rPr lang="ru-RU" altLang="ru-RU" sz="2400">
+                <a:solidFill>
+                  <a:schemeClr val="bg1"/>
+                </a:solidFill>
                 <a:latin typeface="Arial" panose="020B0604020202020204" pitchFamily="34" charset="0"/>
                 <a:cs typeface="Arial" panose="020B0604020202020204" pitchFamily="34" charset="0"/>
               </a:rPr>
               <a:t>На данный момент мой проект неможет чем-то выделится среди аналагов</a:t>
             </a:r>
             <a:endParaRPr lang="ru-RU" altLang="ru-RU" sz="2400">
+              <a:solidFill>
+                <a:schemeClr val="bg1"/>
+              </a:solidFill>
               <a:latin typeface="Arial" panose="020B0604020202020204" pitchFamily="34" charset="0"/>
               <a:cs typeface="Arial" panose="020B0604020202020204" pitchFamily="34" charset="0"/>
             </a:endParaRPr>
+          </a:p>
+        </p:txBody>
+      </p:sp>
+      <p:sp>
+        <p:nvSpPr>
+          <p:cNvPr id="10" name="Текстовое поле 9"/>
+          <p:cNvSpPr txBox="1"/>
+          <p:nvPr/>
+        </p:nvSpPr>
+        <p:spPr>
+          <a:xfrm>
+            <a:off x="4064000" y="2947035"/>
+            <a:ext cx="4064000" cy="368300"/>
+          </a:xfrm>
+          <a:prstGeom prst="rect">
+            <a:avLst/>
+          </a:prstGeom>
+          <a:noFill/>
+        </p:spPr>
+        <p:txBody>
+          <a:bodyPr wrap="square" rtlCol="0">
+            <a:spAutoFit/>
+          </a:bodyPr>
+          <a:p>
+            <a:r>
+              <a:rPr lang="en-US" altLang="en-US"/>
+              <a:t>qr </a:t>
+            </a:r>
+            <a:r>
+              <a:rPr lang="ru-RU" altLang="en-US"/>
+              <a:t>коды введут на похожие сайты</a:t>
+            </a:r>
+            <a:endParaRPr lang="ru-RU" altLang="en-US"/>
           </a:p>
         </p:txBody>
       </p:sp>
@@ -3825,1617 +4055,672 @@
           </a:p>
         </p:txBody>
       </p:sp>
-      <p:graphicFrame>
-        <p:nvGraphicFramePr>
-          <p:cNvPr id="6" name="Замещающее содержимое 5"/>
-          <p:cNvGraphicFramePr/>
-          <p:nvPr>
-            <p:ph idx="1"/>
-            <p:custDataLst>
-              <p:tags r:id="rId1"/>
-            </p:custDataLst>
-          </p:nvPr>
-        </p:nvGraphicFramePr>
-        <p:xfrm>
-          <a:off x="838200" y="1825625"/>
-          <a:ext cx="10515600" cy="3136900"/>
-        </p:xfrm>
-        <a:graphic>
-          <a:graphicData uri="http://schemas.openxmlformats.org/drawingml/2006/table">
-            <a:tbl>
-              <a:tblPr firstRow="1" bandRow="1">
-                <a:tableStyleId>{5C22544A-7EE6-4342-B048-85BDC9FD1C3A}</a:tableStyleId>
-              </a:tblPr>
-              <a:tblGrid>
-                <a:gridCol w="1051560"/>
-                <a:gridCol w="1051560"/>
-                <a:gridCol w="1051560"/>
-                <a:gridCol w="1051560"/>
-                <a:gridCol w="1040765"/>
-                <a:gridCol w="1062355"/>
-                <a:gridCol w="1051560"/>
-                <a:gridCol w="1051560"/>
-                <a:gridCol w="1051560"/>
-                <a:gridCol w="1051560"/>
-              </a:tblGrid>
-              <a:tr h="781685">
-                <a:tc gridSpan="5">
-                  <a:txBody>
-                    <a:bodyPr/>
-                    <a:p>
-                      <a:pPr algn="ctr">
-                        <a:buNone/>
-                      </a:pPr>
-                      <a:r>
-                        <a:rPr lang="ru-RU" altLang="en-US" sz="2400">
-                          <a:solidFill>
-                            <a:schemeClr val="tx1"/>
-                          </a:solidFill>
-                          <a:latin typeface="Arial" panose="020B0604020202020204" pitchFamily="34" charset="0"/>
-                          <a:cs typeface="Arial" panose="020B0604020202020204" pitchFamily="34" charset="0"/>
-                        </a:rPr>
-                        <a:t>2025</a:t>
-                      </a:r>
-                      <a:endParaRPr lang="ru-RU" altLang="en-US" sz="2400">
-                        <a:solidFill>
-                          <a:schemeClr val="tx1"/>
-                        </a:solidFill>
-                        <a:latin typeface="Arial" panose="020B0604020202020204" pitchFamily="34" charset="0"/>
-                        <a:cs typeface="Arial" panose="020B0604020202020204" pitchFamily="34" charset="0"/>
-                      </a:endParaRPr>
-                    </a:p>
-                  </a:txBody>
-                  <a:tcPr anchor="ctr" anchorCtr="0">
-                    <a:gradFill>
-                      <a:gsLst>
-                        <a:gs pos="0">
-                          <a:schemeClr val="accent1">
-                            <a:lumMod val="5000"/>
-                            <a:lumOff val="95000"/>
-                          </a:schemeClr>
-                        </a:gs>
-                        <a:gs pos="52000">
-                          <a:schemeClr val="bg1"/>
-                        </a:gs>
-                        <a:gs pos="81000">
-                          <a:schemeClr val="bg1">
-                            <a:lumMod val="95000"/>
-                          </a:schemeClr>
-                        </a:gs>
-                        <a:gs pos="100000">
-                          <a:schemeClr val="bg1">
-                            <a:lumMod val="65000"/>
-                          </a:schemeClr>
-                        </a:gs>
-                      </a:gsLst>
-                      <a:lin ang="5400000" scaled="0"/>
-                    </a:gradFill>
-                  </a:tcPr>
-                </a:tc>
-                <a:tc hMerge="1">
-                  <a:tcPr>
-                    <a:gradFill>
-                      <a:gsLst>
-                        <a:gs pos="0">
-                          <a:schemeClr val="accent1">
-                            <a:lumMod val="5000"/>
-                            <a:lumOff val="95000"/>
-                          </a:schemeClr>
-                        </a:gs>
-                        <a:gs pos="52000">
-                          <a:schemeClr val="bg1"/>
-                        </a:gs>
-                        <a:gs pos="81000">
-                          <a:schemeClr val="bg1">
-                            <a:lumMod val="95000"/>
-                          </a:schemeClr>
-                        </a:gs>
-                        <a:gs pos="100000">
-                          <a:schemeClr val="accent1">
-                            <a:lumMod val="30000"/>
-                            <a:lumOff val="70000"/>
-                          </a:schemeClr>
-                        </a:gs>
-                      </a:gsLst>
-                      <a:lin ang="5400000" scaled="0"/>
-                    </a:gradFill>
-                  </a:tcPr>
-                </a:tc>
-                <a:tc hMerge="1">
-                  <a:tcPr>
-                    <a:gradFill>
-                      <a:gsLst>
-                        <a:gs pos="0">
-                          <a:schemeClr val="accent1">
-                            <a:lumMod val="5000"/>
-                            <a:lumOff val="95000"/>
-                          </a:schemeClr>
-                        </a:gs>
-                        <a:gs pos="52000">
-                          <a:schemeClr val="bg1"/>
-                        </a:gs>
-                        <a:gs pos="81000">
-                          <a:schemeClr val="bg1">
-                            <a:lumMod val="95000"/>
-                          </a:schemeClr>
-                        </a:gs>
-                        <a:gs pos="100000">
-                          <a:schemeClr val="accent1">
-                            <a:lumMod val="30000"/>
-                            <a:lumOff val="70000"/>
-                          </a:schemeClr>
-                        </a:gs>
-                      </a:gsLst>
-                      <a:lin ang="5400000" scaled="0"/>
-                    </a:gradFill>
-                  </a:tcPr>
-                </a:tc>
-                <a:tc hMerge="1">
-                  <a:tcPr>
-                    <a:gradFill>
-                      <a:gsLst>
-                        <a:gs pos="0">
-                          <a:schemeClr val="accent1">
-                            <a:lumMod val="5000"/>
-                            <a:lumOff val="95000"/>
-                          </a:schemeClr>
-                        </a:gs>
-                        <a:gs pos="52000">
-                          <a:schemeClr val="bg1"/>
-                        </a:gs>
-                        <a:gs pos="81000">
-                          <a:schemeClr val="bg1">
-                            <a:lumMod val="95000"/>
-                          </a:schemeClr>
-                        </a:gs>
-                        <a:gs pos="100000">
-                          <a:schemeClr val="accent1">
-                            <a:lumMod val="30000"/>
-                            <a:lumOff val="70000"/>
-                          </a:schemeClr>
-                        </a:gs>
-                      </a:gsLst>
-                      <a:lin ang="5400000" scaled="0"/>
-                    </a:gradFill>
-                  </a:tcPr>
-                </a:tc>
-                <a:tc hMerge="1">
-                  <a:tcPr>
-                    <a:gradFill>
-                      <a:gsLst>
-                        <a:gs pos="0">
-                          <a:schemeClr val="accent1">
-                            <a:lumMod val="5000"/>
-                            <a:lumOff val="95000"/>
-                          </a:schemeClr>
-                        </a:gs>
-                        <a:gs pos="52000">
-                          <a:schemeClr val="bg1"/>
-                        </a:gs>
-                        <a:gs pos="81000">
-                          <a:schemeClr val="bg1">
-                            <a:lumMod val="95000"/>
-                          </a:schemeClr>
-                        </a:gs>
-                        <a:gs pos="100000">
-                          <a:schemeClr val="accent1">
-                            <a:lumMod val="30000"/>
-                            <a:lumOff val="70000"/>
-                          </a:schemeClr>
-                        </a:gs>
-                      </a:gsLst>
-                      <a:lin ang="5400000" scaled="0"/>
-                    </a:gradFill>
-                  </a:tcPr>
-                </a:tc>
-                <a:tc gridSpan="5">
-                  <a:txBody>
-                    <a:bodyPr/>
-                    <a:p>
-                      <a:pPr algn="ctr">
-                        <a:buNone/>
-                      </a:pPr>
-                      <a:r>
-                        <a:rPr lang="ru-RU" altLang="en-US" sz="2400">
-                          <a:solidFill>
-                            <a:schemeClr val="tx1"/>
-                          </a:solidFill>
-                          <a:latin typeface="Arial" panose="020B0604020202020204" pitchFamily="34" charset="0"/>
-                          <a:cs typeface="Arial" panose="020B0604020202020204" pitchFamily="34" charset="0"/>
-                        </a:rPr>
-                        <a:t>2026</a:t>
-                      </a:r>
-                      <a:endParaRPr lang="ru-RU" altLang="en-US" sz="2400">
-                        <a:solidFill>
-                          <a:schemeClr val="tx1"/>
-                        </a:solidFill>
-                        <a:latin typeface="Arial" panose="020B0604020202020204" pitchFamily="34" charset="0"/>
-                        <a:cs typeface="Arial" panose="020B0604020202020204" pitchFamily="34" charset="0"/>
-                      </a:endParaRPr>
-                    </a:p>
-                  </a:txBody>
-                  <a:tcPr anchor="ctr" anchorCtr="0">
-                    <a:gradFill>
-                      <a:gsLst>
-                        <a:gs pos="0">
-                          <a:schemeClr val="accent1">
-                            <a:lumMod val="5000"/>
-                            <a:lumOff val="95000"/>
-                          </a:schemeClr>
-                        </a:gs>
-                        <a:gs pos="52000">
-                          <a:schemeClr val="bg1"/>
-                        </a:gs>
-                        <a:gs pos="81000">
-                          <a:schemeClr val="bg1">
-                            <a:lumMod val="95000"/>
-                          </a:schemeClr>
-                        </a:gs>
-                        <a:gs pos="100000">
-                          <a:schemeClr val="bg1">
-                            <a:lumMod val="65000"/>
-                          </a:schemeClr>
-                        </a:gs>
-                      </a:gsLst>
-                      <a:lin ang="5400000" scaled="0"/>
-                    </a:gradFill>
-                  </a:tcPr>
-                </a:tc>
-                <a:tc hMerge="1">
-                  <a:tcPr>
-                    <a:gradFill>
-                      <a:gsLst>
-                        <a:gs pos="0">
-                          <a:schemeClr val="accent1">
-                            <a:lumMod val="5000"/>
-                            <a:lumOff val="95000"/>
-                          </a:schemeClr>
-                        </a:gs>
-                        <a:gs pos="52000">
-                          <a:schemeClr val="bg1"/>
-                        </a:gs>
-                        <a:gs pos="81000">
-                          <a:schemeClr val="bg1">
-                            <a:lumMod val="95000"/>
-                          </a:schemeClr>
-                        </a:gs>
-                        <a:gs pos="100000">
-                          <a:schemeClr val="accent1">
-                            <a:lumMod val="30000"/>
-                            <a:lumOff val="70000"/>
-                          </a:schemeClr>
-                        </a:gs>
-                      </a:gsLst>
-                      <a:lin ang="5400000" scaled="0"/>
-                    </a:gradFill>
-                  </a:tcPr>
-                </a:tc>
-                <a:tc hMerge="1">
-                  <a:tcPr>
-                    <a:gradFill>
-                      <a:gsLst>
-                        <a:gs pos="0">
-                          <a:schemeClr val="accent1">
-                            <a:lumMod val="5000"/>
-                            <a:lumOff val="95000"/>
-                          </a:schemeClr>
-                        </a:gs>
-                        <a:gs pos="52000">
-                          <a:schemeClr val="bg1"/>
-                        </a:gs>
-                        <a:gs pos="81000">
-                          <a:schemeClr val="bg1">
-                            <a:lumMod val="95000"/>
-                          </a:schemeClr>
-                        </a:gs>
-                        <a:gs pos="100000">
-                          <a:schemeClr val="accent1">
-                            <a:lumMod val="30000"/>
-                            <a:lumOff val="70000"/>
-                          </a:schemeClr>
-                        </a:gs>
-                      </a:gsLst>
-                      <a:lin ang="5400000" scaled="0"/>
-                    </a:gradFill>
-                  </a:tcPr>
-                </a:tc>
-                <a:tc hMerge="1">
-                  <a:tcPr>
-                    <a:gradFill>
-                      <a:gsLst>
-                        <a:gs pos="0">
-                          <a:schemeClr val="accent1">
-                            <a:lumMod val="5000"/>
-                            <a:lumOff val="95000"/>
-                          </a:schemeClr>
-                        </a:gs>
-                        <a:gs pos="52000">
-                          <a:schemeClr val="bg1"/>
-                        </a:gs>
-                        <a:gs pos="81000">
-                          <a:schemeClr val="bg1">
-                            <a:lumMod val="95000"/>
-                          </a:schemeClr>
-                        </a:gs>
-                        <a:gs pos="100000">
-                          <a:schemeClr val="accent1">
-                            <a:lumMod val="30000"/>
-                            <a:lumOff val="70000"/>
-                          </a:schemeClr>
-                        </a:gs>
-                      </a:gsLst>
-                      <a:lin ang="5400000" scaled="0"/>
-                    </a:gradFill>
-                  </a:tcPr>
-                </a:tc>
-                <a:tc hMerge="1">
-                  <a:tcPr>
-                    <a:gradFill>
-                      <a:gsLst>
-                        <a:gs pos="0">
-                          <a:schemeClr val="accent1">
-                            <a:lumMod val="5000"/>
-                            <a:lumOff val="95000"/>
-                          </a:schemeClr>
-                        </a:gs>
-                        <a:gs pos="52000">
-                          <a:schemeClr val="bg1"/>
-                        </a:gs>
-                        <a:gs pos="81000">
-                          <a:schemeClr val="bg1">
-                            <a:lumMod val="95000"/>
-                          </a:schemeClr>
-                        </a:gs>
-                        <a:gs pos="100000">
-                          <a:schemeClr val="accent1">
-                            <a:lumMod val="30000"/>
-                            <a:lumOff val="70000"/>
-                          </a:schemeClr>
-                        </a:gs>
-                      </a:gsLst>
-                      <a:lin ang="5400000" scaled="0"/>
-                    </a:gradFill>
-                  </a:tcPr>
-                </a:tc>
-              </a:tr>
-              <a:tr h="781685">
-                <a:tc gridSpan="3">
-                  <a:txBody>
-                    <a:bodyPr/>
-                    <a:p>
-                      <a:pPr algn="ctr">
-                        <a:lnSpc>
-                          <a:spcPct val="170000"/>
-                        </a:lnSpc>
-                        <a:buNone/>
-                      </a:pPr>
-                      <a:r>
-                        <a:rPr lang="ru-RU" altLang="en-US" sz="2000">
-                          <a:solidFill>
-                            <a:schemeClr val="tx1"/>
-                          </a:solidFill>
-                          <a:latin typeface="Arial" panose="020B0604020202020204" pitchFamily="34" charset="0"/>
-                          <a:cs typeface="Arial" panose="020B0604020202020204" pitchFamily="34" charset="0"/>
-                        </a:rPr>
-                        <a:t>Разработка проекта</a:t>
-                      </a:r>
-                      <a:endParaRPr lang="ru-RU" altLang="en-US" sz="2000">
-                        <a:solidFill>
-                          <a:schemeClr val="tx1"/>
-                        </a:solidFill>
-                        <a:latin typeface="Arial" panose="020B0604020202020204" pitchFamily="34" charset="0"/>
-                        <a:cs typeface="Arial" panose="020B0604020202020204" pitchFamily="34" charset="0"/>
-                      </a:endParaRPr>
-                    </a:p>
-                  </a:txBody>
-                  <a:tcPr>
-                    <a:gradFill>
-                      <a:gsLst>
-                        <a:gs pos="0">
-                          <a:schemeClr val="accent1">
-                            <a:lumMod val="5000"/>
-                            <a:lumOff val="95000"/>
-                          </a:schemeClr>
-                        </a:gs>
-                        <a:gs pos="52000">
-                          <a:schemeClr val="bg1"/>
-                        </a:gs>
-                        <a:gs pos="81000">
-                          <a:schemeClr val="bg1">
-                            <a:lumMod val="95000"/>
-                          </a:schemeClr>
-                        </a:gs>
-                        <a:gs pos="100000">
-                          <a:schemeClr val="accent6">
-                            <a:lumMod val="60000"/>
-                            <a:lumOff val="40000"/>
-                          </a:schemeClr>
-                        </a:gs>
-                      </a:gsLst>
-                      <a:lin ang="5400000" scaled="0"/>
-                    </a:gradFill>
-                  </a:tcPr>
-                </a:tc>
-                <a:tc hMerge="1">
-                  <a:tcPr>
-                    <a:gradFill>
-                      <a:gsLst>
-                        <a:gs pos="0">
-                          <a:schemeClr val="accent1">
-                            <a:lumMod val="5000"/>
-                            <a:lumOff val="95000"/>
-                          </a:schemeClr>
-                        </a:gs>
-                        <a:gs pos="52000">
-                          <a:schemeClr val="bg1"/>
-                        </a:gs>
-                        <a:gs pos="81000">
-                          <a:schemeClr val="bg1">
-                            <a:lumMod val="95000"/>
-                          </a:schemeClr>
-                        </a:gs>
-                        <a:gs pos="100000">
-                          <a:schemeClr val="accent1">
-                            <a:lumMod val="30000"/>
-                            <a:lumOff val="70000"/>
-                          </a:schemeClr>
-                        </a:gs>
-                      </a:gsLst>
-                      <a:lin ang="5400000" scaled="0"/>
-                    </a:gradFill>
-                  </a:tcPr>
-                </a:tc>
-                <a:tc hMerge="1">
-                  <a:tcPr>
-                    <a:gradFill>
-                      <a:gsLst>
-                        <a:gs pos="0">
-                          <a:schemeClr val="accent1">
-                            <a:lumMod val="5000"/>
-                            <a:lumOff val="95000"/>
-                          </a:schemeClr>
-                        </a:gs>
-                        <a:gs pos="52000">
-                          <a:schemeClr val="bg1"/>
-                        </a:gs>
-                        <a:gs pos="81000">
-                          <a:schemeClr val="bg1">
-                            <a:lumMod val="95000"/>
-                          </a:schemeClr>
-                        </a:gs>
-                        <a:gs pos="100000">
-                          <a:schemeClr val="accent1">
-                            <a:lumMod val="30000"/>
-                            <a:lumOff val="70000"/>
-                          </a:schemeClr>
-                        </a:gs>
-                      </a:gsLst>
-                      <a:lin ang="5400000" scaled="0"/>
-                    </a:gradFill>
-                  </a:tcPr>
-                </a:tc>
-                <a:tc>
-                  <a:txBody>
-                    <a:bodyPr/>
-                    <a:p>
-                      <a:pPr>
-                        <a:buNone/>
-                      </a:pPr>
-                      <a:endParaRPr lang="ru-RU" altLang="en-US">
-                        <a:solidFill>
-                          <a:schemeClr val="tx1"/>
-                        </a:solidFill>
-                      </a:endParaRPr>
-                    </a:p>
-                  </a:txBody>
-                  <a:tcPr>
-                    <a:gradFill>
-                      <a:gsLst>
-                        <a:gs pos="0">
-                          <a:schemeClr val="accent1">
-                            <a:lumMod val="5000"/>
-                            <a:lumOff val="95000"/>
-                          </a:schemeClr>
-                        </a:gs>
-                        <a:gs pos="52000">
-                          <a:schemeClr val="bg1"/>
-                        </a:gs>
-                        <a:gs pos="81000">
-                          <a:schemeClr val="bg1">
-                            <a:lumMod val="95000"/>
-                          </a:schemeClr>
-                        </a:gs>
-                        <a:gs pos="100000">
-                          <a:schemeClr val="accent1">
-                            <a:lumMod val="40000"/>
-                            <a:lumOff val="60000"/>
-                          </a:schemeClr>
-                        </a:gs>
-                      </a:gsLst>
-                      <a:lin ang="5400000" scaled="0"/>
-                    </a:gradFill>
-                  </a:tcPr>
-                </a:tc>
-                <a:tc>
-                  <a:txBody>
-                    <a:bodyPr/>
-                    <a:p>
-                      <a:pPr>
-                        <a:buNone/>
-                      </a:pPr>
-                      <a:endParaRPr lang="ru-RU" altLang="en-US">
-                        <a:solidFill>
-                          <a:schemeClr val="tx1"/>
-                        </a:solidFill>
-                      </a:endParaRPr>
-                    </a:p>
-                  </a:txBody>
-                  <a:tcPr>
-                    <a:gradFill>
-                      <a:gsLst>
-                        <a:gs pos="0">
-                          <a:schemeClr val="accent1">
-                            <a:lumMod val="5000"/>
-                            <a:lumOff val="95000"/>
-                          </a:schemeClr>
-                        </a:gs>
-                        <a:gs pos="52000">
-                          <a:schemeClr val="bg1"/>
-                        </a:gs>
-                        <a:gs pos="81000">
-                          <a:schemeClr val="bg1">
-                            <a:lumMod val="95000"/>
-                          </a:schemeClr>
-                        </a:gs>
-                        <a:gs pos="100000">
-                          <a:schemeClr val="accent1">
-                            <a:lumMod val="30000"/>
-                            <a:lumOff val="70000"/>
-                          </a:schemeClr>
-                        </a:gs>
-                      </a:gsLst>
-                      <a:lin ang="5400000" scaled="0"/>
-                    </a:gradFill>
-                  </a:tcPr>
-                </a:tc>
-                <a:tc>
-                  <a:txBody>
-                    <a:bodyPr/>
-                    <a:p>
-                      <a:pPr>
-                        <a:buNone/>
-                      </a:pPr>
-                      <a:endParaRPr lang="ru-RU" altLang="en-US">
-                        <a:solidFill>
-                          <a:schemeClr val="tx1"/>
-                        </a:solidFill>
-                      </a:endParaRPr>
-                    </a:p>
-                  </a:txBody>
-                  <a:tcPr>
-                    <a:gradFill>
-                      <a:gsLst>
-                        <a:gs pos="0">
-                          <a:schemeClr val="accent1">
-                            <a:lumMod val="5000"/>
-                            <a:lumOff val="95000"/>
-                          </a:schemeClr>
-                        </a:gs>
-                        <a:gs pos="52000">
-                          <a:schemeClr val="bg1"/>
-                        </a:gs>
-                        <a:gs pos="81000">
-                          <a:schemeClr val="bg1">
-                            <a:lumMod val="95000"/>
-                          </a:schemeClr>
-                        </a:gs>
-                        <a:gs pos="100000">
-                          <a:schemeClr val="accent1">
-                            <a:lumMod val="30000"/>
-                            <a:lumOff val="70000"/>
-                          </a:schemeClr>
-                        </a:gs>
-                      </a:gsLst>
-                      <a:lin ang="5400000" scaled="0"/>
-                    </a:gradFill>
-                  </a:tcPr>
-                </a:tc>
-                <a:tc>
-                  <a:txBody>
-                    <a:bodyPr/>
-                    <a:p>
-                      <a:pPr>
-                        <a:buNone/>
-                      </a:pPr>
-                      <a:endParaRPr lang="ru-RU" altLang="en-US">
-                        <a:solidFill>
-                          <a:schemeClr val="tx1"/>
-                        </a:solidFill>
-                      </a:endParaRPr>
-                    </a:p>
-                  </a:txBody>
-                  <a:tcPr>
-                    <a:gradFill>
-                      <a:gsLst>
-                        <a:gs pos="0">
-                          <a:schemeClr val="accent1">
-                            <a:lumMod val="5000"/>
-                            <a:lumOff val="95000"/>
-                          </a:schemeClr>
-                        </a:gs>
-                        <a:gs pos="52000">
-                          <a:schemeClr val="bg1"/>
-                        </a:gs>
-                        <a:gs pos="81000">
-                          <a:schemeClr val="bg1">
-                            <a:lumMod val="95000"/>
-                          </a:schemeClr>
-                        </a:gs>
-                        <a:gs pos="100000">
-                          <a:schemeClr val="accent1">
-                            <a:lumMod val="30000"/>
-                            <a:lumOff val="70000"/>
-                          </a:schemeClr>
-                        </a:gs>
-                      </a:gsLst>
-                      <a:lin ang="5400000" scaled="0"/>
-                    </a:gradFill>
-                  </a:tcPr>
-                </a:tc>
-                <a:tc>
-                  <a:txBody>
-                    <a:bodyPr/>
-                    <a:p>
-                      <a:pPr>
-                        <a:buNone/>
-                      </a:pPr>
-                      <a:endParaRPr lang="ru-RU" altLang="en-US">
-                        <a:solidFill>
-                          <a:schemeClr val="tx1"/>
-                        </a:solidFill>
-                      </a:endParaRPr>
-                    </a:p>
-                  </a:txBody>
-                  <a:tcPr>
-                    <a:gradFill>
-                      <a:gsLst>
-                        <a:gs pos="0">
-                          <a:schemeClr val="accent1">
-                            <a:lumMod val="5000"/>
-                            <a:lumOff val="95000"/>
-                          </a:schemeClr>
-                        </a:gs>
-                        <a:gs pos="52000">
-                          <a:schemeClr val="bg1"/>
-                        </a:gs>
-                        <a:gs pos="81000">
-                          <a:schemeClr val="bg1">
-                            <a:lumMod val="95000"/>
-                          </a:schemeClr>
-                        </a:gs>
-                        <a:gs pos="100000">
-                          <a:schemeClr val="accent1">
-                            <a:lumMod val="30000"/>
-                            <a:lumOff val="70000"/>
-                          </a:schemeClr>
-                        </a:gs>
-                      </a:gsLst>
-                      <a:lin ang="5400000" scaled="0"/>
-                    </a:gradFill>
-                  </a:tcPr>
-                </a:tc>
-                <a:tc>
-                  <a:txBody>
-                    <a:bodyPr/>
-                    <a:p>
-                      <a:pPr>
-                        <a:buNone/>
-                      </a:pPr>
-                      <a:endParaRPr lang="ru-RU" altLang="en-US">
-                        <a:solidFill>
-                          <a:schemeClr val="tx1"/>
-                        </a:solidFill>
-                      </a:endParaRPr>
-                    </a:p>
-                  </a:txBody>
-                  <a:tcPr>
-                    <a:gradFill>
-                      <a:gsLst>
-                        <a:gs pos="0">
-                          <a:schemeClr val="accent1">
-                            <a:lumMod val="5000"/>
-                            <a:lumOff val="95000"/>
-                          </a:schemeClr>
-                        </a:gs>
-                        <a:gs pos="52000">
-                          <a:schemeClr val="bg1"/>
-                        </a:gs>
-                        <a:gs pos="81000">
-                          <a:schemeClr val="bg1">
-                            <a:lumMod val="95000"/>
-                          </a:schemeClr>
-                        </a:gs>
-                        <a:gs pos="100000">
-                          <a:schemeClr val="accent1">
-                            <a:lumMod val="30000"/>
-                            <a:lumOff val="70000"/>
-                          </a:schemeClr>
-                        </a:gs>
-                      </a:gsLst>
-                      <a:lin ang="5400000" scaled="0"/>
-                    </a:gradFill>
-                  </a:tcPr>
-                </a:tc>
-                <a:tc>
-                  <a:txBody>
-                    <a:bodyPr/>
-                    <a:p>
-                      <a:pPr>
-                        <a:buNone/>
-                      </a:pPr>
-                      <a:endParaRPr lang="ru-RU" altLang="en-US">
-                        <a:solidFill>
-                          <a:schemeClr val="tx1"/>
-                        </a:solidFill>
-                      </a:endParaRPr>
-                    </a:p>
-                  </a:txBody>
-                  <a:tcPr>
-                    <a:gradFill>
-                      <a:gsLst>
-                        <a:gs pos="0">
-                          <a:schemeClr val="accent1">
-                            <a:lumMod val="5000"/>
-                            <a:lumOff val="95000"/>
-                          </a:schemeClr>
-                        </a:gs>
-                        <a:gs pos="52000">
-                          <a:schemeClr val="bg1"/>
-                        </a:gs>
-                        <a:gs pos="81000">
-                          <a:schemeClr val="bg1">
-                            <a:lumMod val="95000"/>
-                          </a:schemeClr>
-                        </a:gs>
-                        <a:gs pos="100000">
-                          <a:schemeClr val="accent1">
-                            <a:lumMod val="30000"/>
-                            <a:lumOff val="70000"/>
-                          </a:schemeClr>
-                        </a:gs>
-                      </a:gsLst>
-                      <a:lin ang="5400000" scaled="0"/>
-                    </a:gradFill>
-                  </a:tcPr>
-                </a:tc>
-              </a:tr>
-              <a:tr h="791845">
-                <a:tc>
-                  <a:txBody>
-                    <a:bodyPr/>
-                    <a:p>
-                      <a:pPr>
-                        <a:buNone/>
-                      </a:pPr>
-                      <a:endParaRPr lang="ru-RU" altLang="en-US">
-                        <a:solidFill>
-                          <a:schemeClr val="tx1"/>
-                        </a:solidFill>
-                      </a:endParaRPr>
-                    </a:p>
-                  </a:txBody>
-                  <a:tcPr>
-                    <a:gradFill>
-                      <a:gsLst>
-                        <a:gs pos="0">
-                          <a:schemeClr val="accent1">
-                            <a:lumMod val="5000"/>
-                            <a:lumOff val="95000"/>
-                          </a:schemeClr>
-                        </a:gs>
-                        <a:gs pos="52000">
-                          <a:schemeClr val="bg1"/>
-                        </a:gs>
-                        <a:gs pos="81000">
-                          <a:schemeClr val="bg1">
-                            <a:lumMod val="95000"/>
-                          </a:schemeClr>
-                        </a:gs>
-                        <a:gs pos="100000">
-                          <a:schemeClr val="accent1">
-                            <a:lumMod val="30000"/>
-                            <a:lumOff val="70000"/>
-                          </a:schemeClr>
-                        </a:gs>
-                      </a:gsLst>
-                      <a:lin ang="5400000" scaled="0"/>
-                    </a:gradFill>
-                  </a:tcPr>
-                </a:tc>
-                <a:tc>
-                  <a:txBody>
-                    <a:bodyPr/>
-                    <a:p>
-                      <a:pPr>
-                        <a:buNone/>
-                      </a:pPr>
-                      <a:endParaRPr lang="ru-RU" altLang="en-US">
-                        <a:solidFill>
-                          <a:schemeClr val="tx1"/>
-                        </a:solidFill>
-                      </a:endParaRPr>
-                    </a:p>
-                  </a:txBody>
-                  <a:tcPr>
-                    <a:gradFill>
-                      <a:gsLst>
-                        <a:gs pos="0">
-                          <a:schemeClr val="accent1">
-                            <a:lumMod val="5000"/>
-                            <a:lumOff val="95000"/>
-                          </a:schemeClr>
-                        </a:gs>
-                        <a:gs pos="52000">
-                          <a:schemeClr val="bg1"/>
-                        </a:gs>
-                        <a:gs pos="81000">
-                          <a:schemeClr val="bg1">
-                            <a:lumMod val="95000"/>
-                          </a:schemeClr>
-                        </a:gs>
-                        <a:gs pos="100000">
-                          <a:schemeClr val="accent1">
-                            <a:lumMod val="30000"/>
-                            <a:lumOff val="70000"/>
-                          </a:schemeClr>
-                        </a:gs>
-                      </a:gsLst>
-                      <a:lin ang="5400000" scaled="0"/>
-                    </a:gradFill>
-                  </a:tcPr>
-                </a:tc>
-                <a:tc>
-                  <a:txBody>
-                    <a:bodyPr/>
-                    <a:p>
-                      <a:pPr>
-                        <a:buNone/>
-                      </a:pPr>
-                      <a:endParaRPr lang="ru-RU" altLang="en-US">
-                        <a:solidFill>
-                          <a:schemeClr val="tx1"/>
-                        </a:solidFill>
-                      </a:endParaRPr>
-                    </a:p>
-                  </a:txBody>
-                  <a:tcPr>
-                    <a:gradFill>
-                      <a:gsLst>
-                        <a:gs pos="0">
-                          <a:schemeClr val="accent1">
-                            <a:lumMod val="5000"/>
-                            <a:lumOff val="95000"/>
-                          </a:schemeClr>
-                        </a:gs>
-                        <a:gs pos="52000">
-                          <a:schemeClr val="bg1"/>
-                        </a:gs>
-                        <a:gs pos="81000">
-                          <a:schemeClr val="bg1">
-                            <a:lumMod val="95000"/>
-                          </a:schemeClr>
-                        </a:gs>
-                        <a:gs pos="100000">
-                          <a:schemeClr val="accent1">
-                            <a:lumMod val="30000"/>
-                            <a:lumOff val="70000"/>
-                          </a:schemeClr>
-                        </a:gs>
-                      </a:gsLst>
-                      <a:lin ang="5400000" scaled="0"/>
-                    </a:gradFill>
-                  </a:tcPr>
-                </a:tc>
-                <a:tc gridSpan="2">
-                  <a:txBody>
-                    <a:bodyPr/>
-                    <a:p>
-                      <a:pPr algn="ctr">
-                        <a:buNone/>
-                      </a:pPr>
-                      <a:r>
-                        <a:rPr lang="ru-RU" altLang="en-US" sz="2000">
-                          <a:solidFill>
-                            <a:schemeClr val="tx1"/>
-                          </a:solidFill>
-                          <a:latin typeface="Arial" panose="020B0604020202020204" pitchFamily="34" charset="0"/>
-                          <a:cs typeface="Arial" panose="020B0604020202020204" pitchFamily="34" charset="0"/>
-                        </a:rPr>
-                        <a:t>задача проекта</a:t>
-                      </a:r>
-                      <a:endParaRPr lang="ru-RU" altLang="en-US" sz="2000">
-                        <a:solidFill>
-                          <a:schemeClr val="tx1"/>
-                        </a:solidFill>
-                        <a:latin typeface="Arial" panose="020B0604020202020204" pitchFamily="34" charset="0"/>
-                        <a:cs typeface="Arial" panose="020B0604020202020204" pitchFamily="34" charset="0"/>
-                      </a:endParaRPr>
-                    </a:p>
-                    <a:p>
-                      <a:pPr algn="ctr">
-                        <a:buNone/>
-                      </a:pPr>
-                      <a:r>
-                        <a:rPr lang="ru-RU" altLang="en-US" sz="2000">
-                          <a:solidFill>
-                            <a:schemeClr val="tx1"/>
-                          </a:solidFill>
-                          <a:latin typeface="Arial" panose="020B0604020202020204" pitchFamily="34" charset="0"/>
-                          <a:cs typeface="Arial" panose="020B0604020202020204" pitchFamily="34" charset="0"/>
-                        </a:rPr>
-                        <a:t>и его доработка</a:t>
-                      </a:r>
-                      <a:endParaRPr lang="ru-RU" altLang="en-US" sz="2000">
-                        <a:solidFill>
-                          <a:schemeClr val="tx1"/>
-                        </a:solidFill>
-                        <a:latin typeface="Arial" panose="020B0604020202020204" pitchFamily="34" charset="0"/>
-                        <a:cs typeface="Arial" panose="020B0604020202020204" pitchFamily="34" charset="0"/>
-                      </a:endParaRPr>
-                    </a:p>
-                  </a:txBody>
-                  <a:tcPr>
-                    <a:gradFill>
-                      <a:gsLst>
-                        <a:gs pos="0">
-                          <a:schemeClr val="accent1">
-                            <a:lumMod val="5000"/>
-                            <a:lumOff val="95000"/>
-                          </a:schemeClr>
-                        </a:gs>
-                        <a:gs pos="52000">
-                          <a:schemeClr val="bg1"/>
-                        </a:gs>
-                        <a:gs pos="81000">
-                          <a:schemeClr val="bg1">
-                            <a:lumMod val="95000"/>
-                          </a:schemeClr>
-                        </a:gs>
-                        <a:gs pos="100000">
-                          <a:schemeClr val="accent6">
-                            <a:lumMod val="75000"/>
-                          </a:schemeClr>
-                        </a:gs>
-                      </a:gsLst>
-                      <a:lin ang="5400000" scaled="0"/>
-                    </a:gradFill>
-                  </a:tcPr>
-                </a:tc>
-                <a:tc hMerge="1">
-                  <a:tcPr>
-                    <a:gradFill>
-                      <a:gsLst>
-                        <a:gs pos="0">
-                          <a:schemeClr val="accent1">
-                            <a:lumMod val="5000"/>
-                            <a:lumOff val="95000"/>
-                          </a:schemeClr>
-                        </a:gs>
-                        <a:gs pos="52000">
-                          <a:schemeClr val="bg1"/>
-                        </a:gs>
-                        <a:gs pos="81000">
-                          <a:schemeClr val="bg1">
-                            <a:lumMod val="95000"/>
-                          </a:schemeClr>
-                        </a:gs>
-                        <a:gs pos="100000">
-                          <a:schemeClr val="accent6">
-                            <a:lumMod val="75000"/>
-                          </a:schemeClr>
-                        </a:gs>
-                      </a:gsLst>
-                      <a:lin ang="5400000" scaled="0"/>
-                    </a:gradFill>
-                  </a:tcPr>
-                </a:tc>
-                <a:tc>
-                  <a:txBody>
-                    <a:bodyPr/>
-                    <a:p>
-                      <a:pPr>
-                        <a:buNone/>
-                      </a:pPr>
-                      <a:endParaRPr lang="ru-RU" altLang="en-US">
-                        <a:solidFill>
-                          <a:schemeClr val="tx1"/>
-                        </a:solidFill>
-                      </a:endParaRPr>
-                    </a:p>
-                  </a:txBody>
-                  <a:tcPr>
-                    <a:gradFill>
-                      <a:gsLst>
-                        <a:gs pos="0">
-                          <a:schemeClr val="accent1">
-                            <a:lumMod val="5000"/>
-                            <a:lumOff val="95000"/>
-                          </a:schemeClr>
-                        </a:gs>
-                        <a:gs pos="52000">
-                          <a:schemeClr val="bg1"/>
-                        </a:gs>
-                        <a:gs pos="81000">
-                          <a:schemeClr val="bg1">
-                            <a:lumMod val="95000"/>
-                          </a:schemeClr>
-                        </a:gs>
-                        <a:gs pos="100000">
-                          <a:schemeClr val="accent1">
-                            <a:lumMod val="30000"/>
-                            <a:lumOff val="70000"/>
-                          </a:schemeClr>
-                        </a:gs>
-                      </a:gsLst>
-                      <a:lin ang="5400000" scaled="0"/>
-                    </a:gradFill>
-                  </a:tcPr>
-                </a:tc>
-                <a:tc>
-                  <a:txBody>
-                    <a:bodyPr/>
-                    <a:p>
-                      <a:pPr>
-                        <a:buNone/>
-                      </a:pPr>
-                      <a:endParaRPr lang="ru-RU" altLang="en-US">
-                        <a:solidFill>
-                          <a:schemeClr val="tx1"/>
-                        </a:solidFill>
-                      </a:endParaRPr>
-                    </a:p>
-                  </a:txBody>
-                  <a:tcPr>
-                    <a:gradFill>
-                      <a:gsLst>
-                        <a:gs pos="0">
-                          <a:schemeClr val="accent1">
-                            <a:lumMod val="5000"/>
-                            <a:lumOff val="95000"/>
-                          </a:schemeClr>
-                        </a:gs>
-                        <a:gs pos="52000">
-                          <a:schemeClr val="bg1"/>
-                        </a:gs>
-                        <a:gs pos="81000">
-                          <a:schemeClr val="bg1">
-                            <a:lumMod val="95000"/>
-                          </a:schemeClr>
-                        </a:gs>
-                        <a:gs pos="100000">
-                          <a:schemeClr val="accent1">
-                            <a:lumMod val="30000"/>
-                            <a:lumOff val="70000"/>
-                          </a:schemeClr>
-                        </a:gs>
-                      </a:gsLst>
-                      <a:lin ang="5400000" scaled="0"/>
-                    </a:gradFill>
-                  </a:tcPr>
-                </a:tc>
-                <a:tc>
-                  <a:txBody>
-                    <a:bodyPr/>
-                    <a:p>
-                      <a:pPr>
-                        <a:buNone/>
-                      </a:pPr>
-                      <a:endParaRPr lang="ru-RU" altLang="en-US">
-                        <a:solidFill>
-                          <a:schemeClr val="tx1"/>
-                        </a:solidFill>
-                      </a:endParaRPr>
-                    </a:p>
-                  </a:txBody>
-                  <a:tcPr>
-                    <a:gradFill>
-                      <a:gsLst>
-                        <a:gs pos="0">
-                          <a:schemeClr val="accent1">
-                            <a:lumMod val="5000"/>
-                            <a:lumOff val="95000"/>
-                          </a:schemeClr>
-                        </a:gs>
-                        <a:gs pos="52000">
-                          <a:schemeClr val="bg1"/>
-                        </a:gs>
-                        <a:gs pos="81000">
-                          <a:schemeClr val="bg1">
-                            <a:lumMod val="95000"/>
-                          </a:schemeClr>
-                        </a:gs>
-                        <a:gs pos="100000">
-                          <a:schemeClr val="accent1">
-                            <a:lumMod val="30000"/>
-                            <a:lumOff val="70000"/>
-                          </a:schemeClr>
-                        </a:gs>
-                      </a:gsLst>
-                      <a:lin ang="5400000" scaled="0"/>
-                    </a:gradFill>
-                  </a:tcPr>
-                </a:tc>
-                <a:tc>
-                  <a:txBody>
-                    <a:bodyPr/>
-                    <a:p>
-                      <a:pPr>
-                        <a:buNone/>
-                      </a:pPr>
-                      <a:endParaRPr lang="ru-RU" altLang="en-US">
-                        <a:solidFill>
-                          <a:schemeClr val="tx1"/>
-                        </a:solidFill>
-                      </a:endParaRPr>
-                    </a:p>
-                  </a:txBody>
-                  <a:tcPr>
-                    <a:gradFill>
-                      <a:gsLst>
-                        <a:gs pos="0">
-                          <a:schemeClr val="accent1">
-                            <a:lumMod val="5000"/>
-                            <a:lumOff val="95000"/>
-                          </a:schemeClr>
-                        </a:gs>
-                        <a:gs pos="52000">
-                          <a:schemeClr val="bg1"/>
-                        </a:gs>
-                        <a:gs pos="81000">
-                          <a:schemeClr val="bg1">
-                            <a:lumMod val="95000"/>
-                          </a:schemeClr>
-                        </a:gs>
-                        <a:gs pos="100000">
-                          <a:schemeClr val="accent1">
-                            <a:lumMod val="30000"/>
-                            <a:lumOff val="70000"/>
-                          </a:schemeClr>
-                        </a:gs>
-                      </a:gsLst>
-                      <a:lin ang="5400000" scaled="0"/>
-                    </a:gradFill>
-                  </a:tcPr>
-                </a:tc>
-                <a:tc>
-                  <a:txBody>
-                    <a:bodyPr/>
-                    <a:p>
-                      <a:pPr>
-                        <a:buNone/>
-                      </a:pPr>
-                      <a:endParaRPr lang="ru-RU" altLang="en-US">
-                        <a:solidFill>
-                          <a:schemeClr val="tx1"/>
-                        </a:solidFill>
-                      </a:endParaRPr>
-                    </a:p>
-                  </a:txBody>
-                  <a:tcPr>
-                    <a:gradFill>
-                      <a:gsLst>
-                        <a:gs pos="0">
-                          <a:schemeClr val="accent1">
-                            <a:lumMod val="5000"/>
-                            <a:lumOff val="95000"/>
-                          </a:schemeClr>
-                        </a:gs>
-                        <a:gs pos="52000">
-                          <a:schemeClr val="bg1"/>
-                        </a:gs>
-                        <a:gs pos="81000">
-                          <a:schemeClr val="bg1">
-                            <a:lumMod val="95000"/>
-                          </a:schemeClr>
-                        </a:gs>
-                        <a:gs pos="100000">
-                          <a:schemeClr val="accent1">
-                            <a:lumMod val="30000"/>
-                            <a:lumOff val="70000"/>
-                          </a:schemeClr>
-                        </a:gs>
-                      </a:gsLst>
-                      <a:lin ang="5400000" scaled="0"/>
-                    </a:gradFill>
-                  </a:tcPr>
-                </a:tc>
-              </a:tr>
-              <a:tr h="781685">
-                <a:tc>
-                  <a:txBody>
-                    <a:bodyPr/>
-                    <a:p>
-                      <a:pPr>
-                        <a:buNone/>
-                      </a:pPr>
-                      <a:endParaRPr lang="ru-RU" altLang="en-US">
-                        <a:solidFill>
-                          <a:schemeClr val="tx1"/>
-                        </a:solidFill>
-                      </a:endParaRPr>
-                    </a:p>
-                  </a:txBody>
-                  <a:tcPr>
-                    <a:gradFill>
-                      <a:gsLst>
-                        <a:gs pos="0">
-                          <a:schemeClr val="accent1">
-                            <a:lumMod val="5000"/>
-                            <a:lumOff val="95000"/>
-                          </a:schemeClr>
-                        </a:gs>
-                        <a:gs pos="52000">
-                          <a:schemeClr val="bg1"/>
-                        </a:gs>
-                        <a:gs pos="81000">
-                          <a:schemeClr val="bg1">
-                            <a:lumMod val="95000"/>
-                          </a:schemeClr>
-                        </a:gs>
-                        <a:gs pos="100000">
-                          <a:schemeClr val="accent1">
-                            <a:lumMod val="30000"/>
-                            <a:lumOff val="70000"/>
-                          </a:schemeClr>
-                        </a:gs>
-                      </a:gsLst>
-                      <a:lin ang="5400000" scaled="0"/>
-                    </a:gradFill>
-                  </a:tcPr>
-                </a:tc>
-                <a:tc>
-                  <a:txBody>
-                    <a:bodyPr/>
-                    <a:p>
-                      <a:pPr>
-                        <a:buNone/>
-                      </a:pPr>
-                      <a:endParaRPr lang="ru-RU" altLang="en-US">
-                        <a:solidFill>
-                          <a:schemeClr val="tx1"/>
-                        </a:solidFill>
-                      </a:endParaRPr>
-                    </a:p>
-                  </a:txBody>
-                  <a:tcPr>
-                    <a:gradFill>
-                      <a:gsLst>
-                        <a:gs pos="0">
-                          <a:schemeClr val="accent1">
-                            <a:lumMod val="5000"/>
-                            <a:lumOff val="95000"/>
-                          </a:schemeClr>
-                        </a:gs>
-                        <a:gs pos="52000">
-                          <a:schemeClr val="bg1"/>
-                        </a:gs>
-                        <a:gs pos="81000">
-                          <a:schemeClr val="bg1">
-                            <a:lumMod val="95000"/>
-                          </a:schemeClr>
-                        </a:gs>
-                        <a:gs pos="100000">
-                          <a:schemeClr val="accent1">
-                            <a:lumMod val="30000"/>
-                            <a:lumOff val="70000"/>
-                          </a:schemeClr>
-                        </a:gs>
-                      </a:gsLst>
-                      <a:lin ang="5400000" scaled="0"/>
-                    </a:gradFill>
-                  </a:tcPr>
-                </a:tc>
-                <a:tc>
-                  <a:txBody>
-                    <a:bodyPr/>
-                    <a:p>
-                      <a:pPr>
-                        <a:buNone/>
-                      </a:pPr>
-                      <a:endParaRPr lang="ru-RU" altLang="en-US">
-                        <a:solidFill>
-                          <a:schemeClr val="tx1"/>
-                        </a:solidFill>
-                      </a:endParaRPr>
-                    </a:p>
-                  </a:txBody>
-                  <a:tcPr>
-                    <a:gradFill>
-                      <a:gsLst>
-                        <a:gs pos="0">
-                          <a:schemeClr val="accent1">
-                            <a:lumMod val="5000"/>
-                            <a:lumOff val="95000"/>
-                          </a:schemeClr>
-                        </a:gs>
-                        <a:gs pos="52000">
-                          <a:schemeClr val="bg1"/>
-                        </a:gs>
-                        <a:gs pos="81000">
-                          <a:schemeClr val="bg1">
-                            <a:lumMod val="95000"/>
-                          </a:schemeClr>
-                        </a:gs>
-                        <a:gs pos="100000">
-                          <a:schemeClr val="accent1">
-                            <a:lumMod val="30000"/>
-                            <a:lumOff val="70000"/>
-                          </a:schemeClr>
-                        </a:gs>
-                      </a:gsLst>
-                      <a:lin ang="5400000" scaled="0"/>
-                    </a:gradFill>
-                  </a:tcPr>
-                </a:tc>
-                <a:tc>
-                  <a:txBody>
-                    <a:bodyPr/>
-                    <a:p>
-                      <a:pPr>
-                        <a:buNone/>
-                      </a:pPr>
-                      <a:endParaRPr lang="ru-RU" altLang="en-US">
-                        <a:solidFill>
-                          <a:schemeClr val="tx1"/>
-                        </a:solidFill>
-                      </a:endParaRPr>
-                    </a:p>
-                  </a:txBody>
-                  <a:tcPr>
-                    <a:gradFill>
-                      <a:gsLst>
-                        <a:gs pos="0">
-                          <a:schemeClr val="accent1">
-                            <a:lumMod val="5000"/>
-                            <a:lumOff val="95000"/>
-                          </a:schemeClr>
-                        </a:gs>
-                        <a:gs pos="52000">
-                          <a:schemeClr val="bg1"/>
-                        </a:gs>
-                        <a:gs pos="81000">
-                          <a:schemeClr val="bg1">
-                            <a:lumMod val="95000"/>
-                          </a:schemeClr>
-                        </a:gs>
-                        <a:gs pos="100000">
-                          <a:schemeClr val="accent1">
-                            <a:lumMod val="30000"/>
-                            <a:lumOff val="70000"/>
-                          </a:schemeClr>
-                        </a:gs>
-                      </a:gsLst>
-                      <a:lin ang="5400000" scaled="0"/>
-                    </a:gradFill>
-                  </a:tcPr>
-                </a:tc>
-                <a:tc>
-                  <a:txBody>
-                    <a:bodyPr/>
-                    <a:p>
-                      <a:pPr>
-                        <a:buNone/>
-                      </a:pPr>
-                      <a:endParaRPr lang="ru-RU" altLang="en-US">
-                        <a:solidFill>
-                          <a:schemeClr val="tx1"/>
-                        </a:solidFill>
-                      </a:endParaRPr>
-                    </a:p>
-                  </a:txBody>
-                  <a:tcPr>
-                    <a:gradFill>
-                      <a:gsLst>
-                        <a:gs pos="0">
-                          <a:schemeClr val="accent1">
-                            <a:lumMod val="5000"/>
-                            <a:lumOff val="95000"/>
-                          </a:schemeClr>
-                        </a:gs>
-                        <a:gs pos="52000">
-                          <a:schemeClr val="bg1"/>
-                        </a:gs>
-                        <a:gs pos="81000">
-                          <a:schemeClr val="bg1">
-                            <a:lumMod val="95000"/>
-                          </a:schemeClr>
-                        </a:gs>
-                        <a:gs pos="100000">
-                          <a:schemeClr val="accent1">
-                            <a:lumMod val="40000"/>
-                            <a:lumOff val="60000"/>
-                          </a:schemeClr>
-                        </a:gs>
-                      </a:gsLst>
-                      <a:lin ang="5400000" scaled="0"/>
-                    </a:gradFill>
-                  </a:tcPr>
-                </a:tc>
-                <a:tc gridSpan="5">
-                  <a:txBody>
-                    <a:bodyPr/>
-                    <a:p>
-                      <a:pPr algn="ctr">
-                        <a:buNone/>
-                      </a:pPr>
-                      <a:r>
-                        <a:rPr lang="ru-RU" altLang="en-US" sz="2400">
-                          <a:solidFill>
-                            <a:schemeClr val="tx1"/>
-                          </a:solidFill>
-                          <a:latin typeface="Arial" panose="020B0604020202020204" pitchFamily="34" charset="0"/>
-                          <a:cs typeface="Arial" panose="020B0604020202020204" pitchFamily="34" charset="0"/>
-                        </a:rPr>
-                        <a:t>успешное забрасывание проекта</a:t>
-                      </a:r>
-                      <a:endParaRPr lang="ru-RU" altLang="en-US" sz="2400">
-                        <a:solidFill>
-                          <a:schemeClr val="tx1"/>
-                        </a:solidFill>
-                        <a:latin typeface="Arial" panose="020B0604020202020204" pitchFamily="34" charset="0"/>
-                        <a:cs typeface="Arial" panose="020B0604020202020204" pitchFamily="34" charset="0"/>
-                      </a:endParaRPr>
-                    </a:p>
-                  </a:txBody>
-                  <a:tcPr>
-                    <a:gradFill>
-                      <a:gsLst>
-                        <a:gs pos="0">
-                          <a:schemeClr val="accent1">
-                            <a:lumMod val="5000"/>
-                            <a:lumOff val="95000"/>
-                          </a:schemeClr>
-                        </a:gs>
-                        <a:gs pos="52000">
-                          <a:schemeClr val="bg1"/>
-                        </a:gs>
-                        <a:gs pos="81000">
-                          <a:schemeClr val="bg1">
-                            <a:lumMod val="95000"/>
-                          </a:schemeClr>
-                        </a:gs>
-                        <a:gs pos="100000">
-                          <a:schemeClr val="tx1">
-                            <a:lumMod val="75000"/>
-                            <a:lumOff val="25000"/>
-                          </a:schemeClr>
-                        </a:gs>
-                      </a:gsLst>
-                      <a:lin ang="5400000" scaled="0"/>
-                    </a:gradFill>
-                  </a:tcPr>
-                </a:tc>
-                <a:tc hMerge="1">
-                  <a:tcPr>
-                    <a:gradFill>
-                      <a:gsLst>
-                        <a:gs pos="0">
-                          <a:schemeClr val="accent1">
-                            <a:lumMod val="5000"/>
-                            <a:lumOff val="95000"/>
-                          </a:schemeClr>
-                        </a:gs>
-                        <a:gs pos="52000">
-                          <a:schemeClr val="bg1"/>
-                        </a:gs>
-                        <a:gs pos="81000">
-                          <a:schemeClr val="bg1">
-                            <a:lumMod val="95000"/>
-                          </a:schemeClr>
-                        </a:gs>
-                        <a:gs pos="100000">
-                          <a:schemeClr val="accent1">
-                            <a:lumMod val="30000"/>
-                            <a:lumOff val="70000"/>
-                          </a:schemeClr>
-                        </a:gs>
-                      </a:gsLst>
-                      <a:lin ang="5400000" scaled="0"/>
-                    </a:gradFill>
-                  </a:tcPr>
-                </a:tc>
-                <a:tc hMerge="1">
-                  <a:tcPr>
-                    <a:gradFill>
-                      <a:gsLst>
-                        <a:gs pos="0">
-                          <a:schemeClr val="accent1">
-                            <a:lumMod val="5000"/>
-                            <a:lumOff val="95000"/>
-                          </a:schemeClr>
-                        </a:gs>
-                        <a:gs pos="52000">
-                          <a:schemeClr val="bg1"/>
-                        </a:gs>
-                        <a:gs pos="81000">
-                          <a:schemeClr val="bg1">
-                            <a:lumMod val="95000"/>
-                          </a:schemeClr>
-                        </a:gs>
-                        <a:gs pos="100000">
-                          <a:schemeClr val="accent1">
-                            <a:lumMod val="30000"/>
-                            <a:lumOff val="70000"/>
-                          </a:schemeClr>
-                        </a:gs>
-                      </a:gsLst>
-                      <a:lin ang="5400000" scaled="0"/>
-                    </a:gradFill>
-                  </a:tcPr>
-                </a:tc>
-                <a:tc hMerge="1">
-                  <a:tcPr>
-                    <a:gradFill>
-                      <a:gsLst>
-                        <a:gs pos="0">
-                          <a:schemeClr val="accent1">
-                            <a:lumMod val="5000"/>
-                            <a:lumOff val="95000"/>
-                          </a:schemeClr>
-                        </a:gs>
-                        <a:gs pos="52000">
-                          <a:schemeClr val="bg1"/>
-                        </a:gs>
-                        <a:gs pos="81000">
-                          <a:schemeClr val="bg1">
-                            <a:lumMod val="95000"/>
-                          </a:schemeClr>
-                        </a:gs>
-                        <a:gs pos="100000">
-                          <a:schemeClr val="accent1">
-                            <a:lumMod val="30000"/>
-                            <a:lumOff val="70000"/>
-                          </a:schemeClr>
-                        </a:gs>
-                      </a:gsLst>
-                      <a:lin ang="5400000" scaled="0"/>
-                    </a:gradFill>
-                  </a:tcPr>
-                </a:tc>
-                <a:tc hMerge="1">
-                  <a:tcPr>
-                    <a:gradFill>
-                      <a:gsLst>
-                        <a:gs pos="0">
-                          <a:schemeClr val="accent1">
-                            <a:lumMod val="5000"/>
-                            <a:lumOff val="95000"/>
-                          </a:schemeClr>
-                        </a:gs>
-                        <a:gs pos="52000">
-                          <a:schemeClr val="bg1"/>
-                        </a:gs>
-                        <a:gs pos="81000">
-                          <a:schemeClr val="bg1">
-                            <a:lumMod val="95000"/>
-                          </a:schemeClr>
-                        </a:gs>
-                        <a:gs pos="100000">
-                          <a:schemeClr val="accent1">
-                            <a:lumMod val="30000"/>
-                            <a:lumOff val="70000"/>
-                          </a:schemeClr>
-                        </a:gs>
-                      </a:gsLst>
-                      <a:lin ang="5400000" scaled="0"/>
-                    </a:gradFill>
-                  </a:tcPr>
-                </a:tc>
-              </a:tr>
-            </a:tbl>
-          </a:graphicData>
-        </a:graphic>
-      </p:graphicFrame>
+      <p:sp>
+        <p:nvSpPr>
+          <p:cNvPr id="8" name="Овал 7"/>
+          <p:cNvSpPr/>
+          <p:nvPr/>
+        </p:nvSpPr>
+        <p:spPr>
+          <a:xfrm>
+            <a:off x="1315085" y="1600200"/>
+            <a:ext cx="880745" cy="890905"/>
+          </a:xfrm>
+          <a:prstGeom prst="ellipse">
+            <a:avLst/>
+          </a:prstGeom>
+          <a:solidFill>
+            <a:schemeClr val="bg1">
+              <a:lumMod val="75000"/>
+            </a:schemeClr>
+          </a:solidFill>
+          <a:ln>
+            <a:noFill/>
+          </a:ln>
+        </p:spPr>
+        <p:style>
+          <a:lnRef idx="2">
+            <a:schemeClr val="accent1">
+              <a:lumMod val="75000"/>
+            </a:schemeClr>
+          </a:lnRef>
+          <a:fillRef idx="1">
+            <a:schemeClr val="accent1"/>
+          </a:fillRef>
+          <a:effectRef idx="0">
+            <a:srgbClr val="FFFFFF"/>
+          </a:effectRef>
+          <a:fontRef idx="minor">
+            <a:schemeClr val="lt1"/>
+          </a:fontRef>
+        </p:style>
+        <p:txBody>
+          <a:bodyPr rtlCol="0" anchor="ctr"/>
+          <a:p>
+            <a:pPr algn="ctr"/>
+            <a:endParaRPr lang="ru-RU" altLang="en-US"/>
+          </a:p>
+        </p:txBody>
+      </p:sp>
+      <p:sp>
+        <p:nvSpPr>
+          <p:cNvPr id="9" name="Текстовое поле 8"/>
+          <p:cNvSpPr txBox="1"/>
+          <p:nvPr/>
+        </p:nvSpPr>
+        <p:spPr>
+          <a:xfrm>
+            <a:off x="668020" y="2673350"/>
+            <a:ext cx="2174875" cy="645160"/>
+          </a:xfrm>
+          <a:prstGeom prst="rect">
+            <a:avLst/>
+          </a:prstGeom>
+          <a:noFill/>
+        </p:spPr>
+        <p:txBody>
+          <a:bodyPr wrap="square" rtlCol="0">
+            <a:spAutoFit/>
+          </a:bodyPr>
+          <a:p>
+            <a:pPr algn="ctr"/>
+            <a:r>
+              <a:rPr lang="ru-RU" altLang="en-US"/>
+              <a:t>20 января</a:t>
+            </a:r>
+            <a:endParaRPr lang="ru-RU" altLang="en-US"/>
+          </a:p>
+          <a:p>
+            <a:pPr algn="ctr"/>
+            <a:r>
+              <a:rPr lang="ru-RU" altLang="en-US"/>
+              <a:t>появление идеи</a:t>
+            </a:r>
+            <a:endParaRPr lang="ru-RU" altLang="en-US"/>
+          </a:p>
+        </p:txBody>
+      </p:sp>
+      <p:cxnSp>
+        <p:nvCxnSpPr>
+          <p:cNvPr id="10" name="Прямое соединение 9"/>
+          <p:cNvCxnSpPr>
+            <a:endCxn id="11" idx="0"/>
+          </p:cNvCxnSpPr>
+          <p:nvPr/>
+        </p:nvCxnSpPr>
+        <p:spPr>
+          <a:xfrm>
+            <a:off x="-10795" y="2045970"/>
+            <a:ext cx="10574655" cy="0"/>
+          </a:xfrm>
+          <a:prstGeom prst="line">
+            <a:avLst/>
+          </a:prstGeom>
+          <a:ln w="25400">
+            <a:solidFill>
+              <a:schemeClr val="bg1">
+                <a:lumMod val="75000"/>
+              </a:schemeClr>
+            </a:solidFill>
+          </a:ln>
+        </p:spPr>
+        <p:style>
+          <a:lnRef idx="2">
+            <a:schemeClr val="accent1"/>
+          </a:lnRef>
+          <a:fillRef idx="0">
+            <a:srgbClr val="FFFFFF"/>
+          </a:fillRef>
+          <a:effectRef idx="0">
+            <a:srgbClr val="FFFFFF"/>
+          </a:effectRef>
+          <a:fontRef idx="minor">
+            <a:schemeClr val="tx1"/>
+          </a:fontRef>
+        </p:style>
+      </p:cxnSp>
+      <p:sp>
+        <p:nvSpPr>
+          <p:cNvPr id="11" name="Дуга 10"/>
+          <p:cNvSpPr/>
+          <p:nvPr/>
+        </p:nvSpPr>
+        <p:spPr>
+          <a:xfrm>
+            <a:off x="9491980" y="2045970"/>
+            <a:ext cx="2143760" cy="3196590"/>
+          </a:xfrm>
+          <a:prstGeom prst="arc">
+            <a:avLst/>
+          </a:prstGeom>
+          <a:ln w="25400">
+            <a:solidFill>
+              <a:schemeClr val="bg1">
+                <a:lumMod val="75000"/>
+              </a:schemeClr>
+            </a:solidFill>
+          </a:ln>
+        </p:spPr>
+        <p:style>
+          <a:lnRef idx="2">
+            <a:schemeClr val="accent1"/>
+          </a:lnRef>
+          <a:fillRef idx="0">
+            <a:srgbClr val="FFFFFF"/>
+          </a:fillRef>
+          <a:effectRef idx="0">
+            <a:srgbClr val="FFFFFF"/>
+          </a:effectRef>
+          <a:fontRef idx="minor">
+            <a:schemeClr val="tx1"/>
+          </a:fontRef>
+        </p:style>
+        <p:txBody>
+          <a:bodyPr rtlCol="0" anchor="ctr"/>
+          <a:p>
+            <a:pPr algn="ctr"/>
+            <a:endParaRPr lang="ru-RU" altLang="en-US"/>
+          </a:p>
+        </p:txBody>
+      </p:sp>
+      <p:sp>
+        <p:nvSpPr>
+          <p:cNvPr id="12" name="Дуга 11"/>
+          <p:cNvSpPr/>
+          <p:nvPr/>
+        </p:nvSpPr>
+        <p:spPr>
+          <a:xfrm flipV="1">
+            <a:off x="9491980" y="2141855"/>
+            <a:ext cx="2143760" cy="3004820"/>
+          </a:xfrm>
+          <a:prstGeom prst="arc">
+            <a:avLst/>
+          </a:prstGeom>
+          <a:ln w="25400">
+            <a:solidFill>
+              <a:schemeClr val="bg1">
+                <a:lumMod val="75000"/>
+              </a:schemeClr>
+            </a:solidFill>
+          </a:ln>
+        </p:spPr>
+        <p:style>
+          <a:lnRef idx="2">
+            <a:schemeClr val="accent1"/>
+          </a:lnRef>
+          <a:fillRef idx="0">
+            <a:srgbClr val="FFFFFF"/>
+          </a:fillRef>
+          <a:effectRef idx="0">
+            <a:srgbClr val="FFFFFF"/>
+          </a:effectRef>
+          <a:fontRef idx="minor">
+            <a:schemeClr val="tx1"/>
+          </a:fontRef>
+        </p:style>
+        <p:txBody>
+          <a:bodyPr rtlCol="0" anchor="ctr"/>
+          <a:p>
+            <a:pPr algn="ctr"/>
+            <a:endParaRPr lang="ru-RU" altLang="en-US"/>
+          </a:p>
+        </p:txBody>
+      </p:sp>
+      <p:cxnSp>
+        <p:nvCxnSpPr>
+          <p:cNvPr id="13" name="Прямое соединение 12"/>
+          <p:cNvCxnSpPr/>
+          <p:nvPr/>
+        </p:nvCxnSpPr>
+        <p:spPr>
+          <a:xfrm>
+            <a:off x="-46355" y="5146675"/>
+            <a:ext cx="10637520" cy="0"/>
+          </a:xfrm>
+          <a:prstGeom prst="line">
+            <a:avLst/>
+          </a:prstGeom>
+          <a:ln w="25400">
+            <a:solidFill>
+              <a:schemeClr val="bg1">
+                <a:lumMod val="75000"/>
+              </a:schemeClr>
+            </a:solidFill>
+          </a:ln>
+        </p:spPr>
+        <p:style>
+          <a:lnRef idx="2">
+            <a:schemeClr val="accent1"/>
+          </a:lnRef>
+          <a:fillRef idx="0">
+            <a:srgbClr val="FFFFFF"/>
+          </a:fillRef>
+          <a:effectRef idx="0">
+            <a:srgbClr val="FFFFFF"/>
+          </a:effectRef>
+          <a:fontRef idx="minor">
+            <a:schemeClr val="tx1"/>
+          </a:fontRef>
+        </p:style>
+      </p:cxnSp>
+      <p:sp>
+        <p:nvSpPr>
+          <p:cNvPr id="14" name="Овал 13"/>
+          <p:cNvSpPr/>
+          <p:nvPr/>
+        </p:nvSpPr>
+        <p:spPr>
+          <a:xfrm>
+            <a:off x="5403215" y="1598295"/>
+            <a:ext cx="880745" cy="890905"/>
+          </a:xfrm>
+          <a:prstGeom prst="ellipse">
+            <a:avLst/>
+          </a:prstGeom>
+          <a:solidFill>
+            <a:schemeClr val="bg1">
+              <a:lumMod val="75000"/>
+            </a:schemeClr>
+          </a:solidFill>
+          <a:ln>
+            <a:noFill/>
+          </a:ln>
+        </p:spPr>
+        <p:style>
+          <a:lnRef idx="2">
+            <a:schemeClr val="accent1">
+              <a:lumMod val="75000"/>
+            </a:schemeClr>
+          </a:lnRef>
+          <a:fillRef idx="1">
+            <a:schemeClr val="accent1"/>
+          </a:fillRef>
+          <a:effectRef idx="0">
+            <a:srgbClr val="FFFFFF"/>
+          </a:effectRef>
+          <a:fontRef idx="minor">
+            <a:schemeClr val="lt1"/>
+          </a:fontRef>
+        </p:style>
+        <p:txBody>
+          <a:bodyPr rtlCol="0" anchor="ctr"/>
+          <a:p>
+            <a:pPr algn="ctr"/>
+            <a:endParaRPr lang="ru-RU" altLang="en-US"/>
+          </a:p>
+        </p:txBody>
+      </p:sp>
+      <p:sp>
+        <p:nvSpPr>
+          <p:cNvPr id="15" name="Текстовое поле 14"/>
+          <p:cNvSpPr txBox="1"/>
+          <p:nvPr/>
+        </p:nvSpPr>
+        <p:spPr>
+          <a:xfrm>
+            <a:off x="4756785" y="2735580"/>
+            <a:ext cx="2174875" cy="922020"/>
+          </a:xfrm>
+          <a:prstGeom prst="rect">
+            <a:avLst/>
+          </a:prstGeom>
+          <a:noFill/>
+        </p:spPr>
+        <p:txBody>
+          <a:bodyPr wrap="square" rtlCol="0">
+            <a:spAutoFit/>
+          </a:bodyPr>
+          <a:p>
+            <a:pPr algn="ctr"/>
+            <a:r>
+              <a:rPr lang="ru-RU" altLang="en-US"/>
+              <a:t>3 марта</a:t>
+            </a:r>
+            <a:endParaRPr lang="ru-RU" altLang="en-US"/>
+          </a:p>
+          <a:p>
+            <a:pPr algn="ctr"/>
+            <a:r>
+              <a:rPr lang="ru-RU" altLang="en-US"/>
+              <a:t>начало работы над проектом</a:t>
+            </a:r>
+            <a:endParaRPr lang="ru-RU" altLang="en-US"/>
+          </a:p>
+        </p:txBody>
+      </p:sp>
+      <p:sp>
+        <p:nvSpPr>
+          <p:cNvPr id="16" name="Овал 15"/>
+          <p:cNvSpPr/>
+          <p:nvPr/>
+        </p:nvSpPr>
+        <p:spPr>
+          <a:xfrm>
+            <a:off x="9189085" y="1598295"/>
+            <a:ext cx="880745" cy="890905"/>
+          </a:xfrm>
+          <a:prstGeom prst="ellipse">
+            <a:avLst/>
+          </a:prstGeom>
+          <a:solidFill>
+            <a:schemeClr val="bg1">
+              <a:lumMod val="75000"/>
+            </a:schemeClr>
+          </a:solidFill>
+          <a:ln>
+            <a:noFill/>
+          </a:ln>
+        </p:spPr>
+        <p:style>
+          <a:lnRef idx="2">
+            <a:schemeClr val="accent1">
+              <a:lumMod val="75000"/>
+            </a:schemeClr>
+          </a:lnRef>
+          <a:fillRef idx="1">
+            <a:schemeClr val="accent1"/>
+          </a:fillRef>
+          <a:effectRef idx="0">
+            <a:srgbClr val="FFFFFF"/>
+          </a:effectRef>
+          <a:fontRef idx="minor">
+            <a:schemeClr val="lt1"/>
+          </a:fontRef>
+        </p:style>
+        <p:txBody>
+          <a:bodyPr rtlCol="0" anchor="ctr"/>
+          <a:p>
+            <a:pPr algn="ctr"/>
+            <a:endParaRPr lang="ru-RU" altLang="en-US"/>
+          </a:p>
+        </p:txBody>
+      </p:sp>
+      <p:sp>
+        <p:nvSpPr>
+          <p:cNvPr id="18" name="Текстовое поле 17"/>
+          <p:cNvSpPr txBox="1"/>
+          <p:nvPr/>
+        </p:nvSpPr>
+        <p:spPr>
+          <a:xfrm>
+            <a:off x="8542020" y="2669540"/>
+            <a:ext cx="2174875" cy="922020"/>
+          </a:xfrm>
+          <a:prstGeom prst="rect">
+            <a:avLst/>
+          </a:prstGeom>
+          <a:noFill/>
+        </p:spPr>
+        <p:txBody>
+          <a:bodyPr wrap="square" rtlCol="0">
+            <a:spAutoFit/>
+          </a:bodyPr>
+          <a:p>
+            <a:pPr algn="ctr"/>
+            <a:r>
+              <a:rPr lang="ru-RU" altLang="en-US"/>
+              <a:t>21 марта переделка проекта</a:t>
+            </a:r>
+            <a:endParaRPr lang="ru-RU" altLang="en-US"/>
+          </a:p>
+        </p:txBody>
+      </p:sp>
+      <p:sp>
+        <p:nvSpPr>
+          <p:cNvPr id="19" name="Овал 18"/>
+          <p:cNvSpPr/>
+          <p:nvPr/>
+        </p:nvSpPr>
+        <p:spPr>
+          <a:xfrm>
+            <a:off x="9189085" y="4700905"/>
+            <a:ext cx="880745" cy="890905"/>
+          </a:xfrm>
+          <a:prstGeom prst="ellipse">
+            <a:avLst/>
+          </a:prstGeom>
+          <a:solidFill>
+            <a:schemeClr val="bg1">
+              <a:lumMod val="75000"/>
+            </a:schemeClr>
+          </a:solidFill>
+          <a:ln>
+            <a:noFill/>
+          </a:ln>
+        </p:spPr>
+        <p:style>
+          <a:lnRef idx="2">
+            <a:schemeClr val="accent1">
+              <a:lumMod val="75000"/>
+            </a:schemeClr>
+          </a:lnRef>
+          <a:fillRef idx="1">
+            <a:schemeClr val="accent1"/>
+          </a:fillRef>
+          <a:effectRef idx="0">
+            <a:srgbClr val="FFFFFF"/>
+          </a:effectRef>
+          <a:fontRef idx="minor">
+            <a:schemeClr val="lt1"/>
+          </a:fontRef>
+        </p:style>
+        <p:txBody>
+          <a:bodyPr rtlCol="0" anchor="ctr"/>
+          <a:p>
+            <a:pPr algn="ctr"/>
+            <a:endParaRPr lang="ru-RU" altLang="en-US"/>
+          </a:p>
+        </p:txBody>
+      </p:sp>
+      <p:sp>
+        <p:nvSpPr>
+          <p:cNvPr id="20" name="Овал 19"/>
+          <p:cNvSpPr/>
+          <p:nvPr/>
+        </p:nvSpPr>
+        <p:spPr>
+          <a:xfrm>
+            <a:off x="5403850" y="4700905"/>
+            <a:ext cx="880745" cy="890905"/>
+          </a:xfrm>
+          <a:prstGeom prst="ellipse">
+            <a:avLst/>
+          </a:prstGeom>
+          <a:solidFill>
+            <a:schemeClr val="bg1">
+              <a:lumMod val="75000"/>
+            </a:schemeClr>
+          </a:solidFill>
+          <a:ln>
+            <a:noFill/>
+          </a:ln>
+        </p:spPr>
+        <p:style>
+          <a:lnRef idx="2">
+            <a:schemeClr val="accent1">
+              <a:lumMod val="75000"/>
+            </a:schemeClr>
+          </a:lnRef>
+          <a:fillRef idx="1">
+            <a:schemeClr val="accent1"/>
+          </a:fillRef>
+          <a:effectRef idx="0">
+            <a:srgbClr val="FFFFFF"/>
+          </a:effectRef>
+          <a:fontRef idx="minor">
+            <a:schemeClr val="lt1"/>
+          </a:fontRef>
+        </p:style>
+        <p:txBody>
+          <a:bodyPr rtlCol="0" anchor="ctr"/>
+          <a:p>
+            <a:pPr algn="ctr"/>
+            <a:endParaRPr lang="ru-RU" altLang="en-US"/>
+          </a:p>
+        </p:txBody>
+      </p:sp>
+      <p:sp>
+        <p:nvSpPr>
+          <p:cNvPr id="21" name="Овал 20"/>
+          <p:cNvSpPr/>
+          <p:nvPr/>
+        </p:nvSpPr>
+        <p:spPr>
+          <a:xfrm>
+            <a:off x="1315085" y="4700905"/>
+            <a:ext cx="880745" cy="890905"/>
+          </a:xfrm>
+          <a:prstGeom prst="ellipse">
+            <a:avLst/>
+          </a:prstGeom>
+          <a:solidFill>
+            <a:schemeClr val="bg1">
+              <a:lumMod val="75000"/>
+            </a:schemeClr>
+          </a:solidFill>
+          <a:ln>
+            <a:noFill/>
+          </a:ln>
+        </p:spPr>
+        <p:style>
+          <a:lnRef idx="2">
+            <a:schemeClr val="accent1">
+              <a:lumMod val="75000"/>
+            </a:schemeClr>
+          </a:lnRef>
+          <a:fillRef idx="1">
+            <a:schemeClr val="accent1"/>
+          </a:fillRef>
+          <a:effectRef idx="0">
+            <a:srgbClr val="FFFFFF"/>
+          </a:effectRef>
+          <a:fontRef idx="minor">
+            <a:schemeClr val="lt1"/>
+          </a:fontRef>
+        </p:style>
+        <p:txBody>
+          <a:bodyPr rtlCol="0" anchor="ctr"/>
+          <a:p>
+            <a:pPr algn="ctr"/>
+            <a:endParaRPr lang="ru-RU" altLang="en-US"/>
+          </a:p>
+        </p:txBody>
+      </p:sp>
+      <p:sp>
+        <p:nvSpPr>
+          <p:cNvPr id="22" name="Текстовое поле 21"/>
+          <p:cNvSpPr txBox="1"/>
+          <p:nvPr/>
+        </p:nvSpPr>
+        <p:spPr>
+          <a:xfrm>
+            <a:off x="4756785" y="5777865"/>
+            <a:ext cx="2174875" cy="922020"/>
+          </a:xfrm>
+          <a:prstGeom prst="rect">
+            <a:avLst/>
+          </a:prstGeom>
+          <a:noFill/>
+        </p:spPr>
+        <p:txBody>
+          <a:bodyPr wrap="square" rtlCol="0">
+            <a:spAutoFit/>
+          </a:bodyPr>
+          <a:p>
+            <a:pPr algn="ctr"/>
+            <a:r>
+              <a:rPr lang="ru-RU" altLang="en-US"/>
+              <a:t>4 мая</a:t>
+            </a:r>
+            <a:endParaRPr lang="ru-RU" altLang="en-US"/>
+          </a:p>
+          <a:p>
+            <a:pPr algn="ctr"/>
+            <a:r>
+              <a:rPr lang="ru-RU" altLang="en-US"/>
+              <a:t>создание презентации</a:t>
+            </a:r>
+            <a:endParaRPr lang="ru-RU" altLang="en-US"/>
+          </a:p>
+        </p:txBody>
+      </p:sp>
+      <p:sp>
+        <p:nvSpPr>
+          <p:cNvPr id="23" name="Текстовое поле 22"/>
+          <p:cNvSpPr txBox="1"/>
+          <p:nvPr/>
+        </p:nvSpPr>
+        <p:spPr>
+          <a:xfrm>
+            <a:off x="8445500" y="5777865"/>
+            <a:ext cx="2367915" cy="995680"/>
+          </a:xfrm>
+          <a:prstGeom prst="rect">
+            <a:avLst/>
+          </a:prstGeom>
+          <a:noFill/>
+        </p:spPr>
+        <p:txBody>
+          <a:bodyPr wrap="square" rtlCol="0">
+            <a:noAutofit/>
+          </a:bodyPr>
+          <a:p>
+            <a:pPr algn="ctr"/>
+            <a:r>
+              <a:rPr lang="ru-RU" altLang="en-US"/>
+              <a:t>5 апреля</a:t>
+            </a:r>
+            <a:endParaRPr lang="ru-RU" altLang="en-US"/>
+          </a:p>
+          <a:p>
+            <a:pPr algn="ctr"/>
+            <a:r>
+              <a:rPr lang="ru-RU" altLang="en-US"/>
+              <a:t>доведение проекта до конечной стадии</a:t>
+            </a:r>
+            <a:endParaRPr lang="ru-RU" altLang="en-US"/>
+          </a:p>
+        </p:txBody>
+      </p:sp>
+      <p:sp>
+        <p:nvSpPr>
+          <p:cNvPr id="24" name="Текстовое поле 23"/>
+          <p:cNvSpPr txBox="1"/>
+          <p:nvPr/>
+        </p:nvSpPr>
+        <p:spPr>
+          <a:xfrm>
+            <a:off x="-46355" y="5777865"/>
+            <a:ext cx="3648075" cy="922020"/>
+          </a:xfrm>
+          <a:prstGeom prst="rect">
+            <a:avLst/>
+          </a:prstGeom>
+          <a:noFill/>
+        </p:spPr>
+        <p:txBody>
+          <a:bodyPr wrap="square" rtlCol="0">
+            <a:spAutoFit/>
+          </a:bodyPr>
+          <a:p>
+            <a:pPr algn="ctr"/>
+            <a:r>
+              <a:rPr lang="ru-RU" altLang="en-US"/>
+              <a:t>13 мая</a:t>
+            </a:r>
+            <a:endParaRPr lang="ru-RU" altLang="en-US"/>
+          </a:p>
+          <a:p>
+            <a:pPr algn="ctr"/>
+            <a:r>
+              <a:rPr lang="ru-RU" altLang="en-US"/>
+              <a:t>сдача проекта и возможное забрасывание проекта</a:t>
+            </a:r>
+            <a:endParaRPr lang="ru-RU" altLang="en-US"/>
+          </a:p>
+        </p:txBody>
+      </p:sp>
     </p:spTree>
   </p:cSld>
   <p:clrMapOvr>
@@ -5803,127 +5088,60 @@
 </p:sld>
 </file>
 
-<file path=ppt/tags/tag1.xml><?xml version="1.0" encoding="utf-8"?>
-<p:tagLst xmlns:p="http://schemas.openxmlformats.org/presentationml/2006/main">
-  <p:tag name="TABLE_ENDDRAG_ORIGIN_RECT" val="828*247"/>
-  <p:tag name="TABLE_ENDDRAG_RECT" val="66*143*828*247"/>
-</p:tagLst>
-</file>
-
 <file path=ppt/theme/theme1.xml><?xml version="1.0" encoding="utf-8"?>
-<a:theme xmlns:a="http://schemas.openxmlformats.org/drawingml/2006/main" name="Тема Office">
+<a:theme xmlns:a="http://schemas.openxmlformats.org/drawingml/2006/main" name="Default Design">
   <a:themeElements>
-    <a:clrScheme name="Стандартная">
+    <a:clrScheme name="">
       <a:dk1>
-        <a:sysClr val="windowText" lastClr="000000"/>
+        <a:srgbClr val="000000"/>
       </a:dk1>
       <a:lt1>
-        <a:sysClr val="window" lastClr="FFFFFF"/>
+        <a:srgbClr val="FFFFFF"/>
       </a:lt1>
       <a:dk2>
-        <a:srgbClr val="44546A"/>
+        <a:srgbClr val="000000"/>
       </a:dk2>
       <a:lt2>
-        <a:srgbClr val="E7E6E6"/>
+        <a:srgbClr val="808080"/>
       </a:lt2>
       <a:accent1>
-        <a:srgbClr val="5B9BD5"/>
+        <a:srgbClr val="7DB6EF"/>
       </a:accent1>
       <a:accent2>
-        <a:srgbClr val="ED7D31"/>
+        <a:srgbClr val="C0504D"/>
       </a:accent2>
       <a:accent3>
-        <a:srgbClr val="A5A5A5"/>
+        <a:srgbClr val="FFFFFF"/>
       </a:accent3>
       <a:accent4>
-        <a:srgbClr val="FFC000"/>
+        <a:srgbClr val="000000"/>
       </a:accent4>
       <a:accent5>
-        <a:srgbClr val="4472C4"/>
+        <a:srgbClr val="C0D7F5"/>
       </a:accent5>
       <a:accent6>
-        <a:srgbClr val="70AD47"/>
+        <a:srgbClr val="AC4744"/>
       </a:accent6>
       <a:hlink>
-        <a:srgbClr val="0563C1"/>
+        <a:srgbClr val="0066CC"/>
       </a:hlink>
       <a:folHlink>
-        <a:srgbClr val="954F72"/>
+        <a:srgbClr val="800080"/>
       </a:folHlink>
     </a:clrScheme>
-    <a:fontScheme name="Стандартная">
+    <a:fontScheme name="">
       <a:majorFont>
-        <a:latin typeface="Calibri Light"/>
-        <a:ea typeface=""/>
+        <a:latin typeface="Arial"/>
+        <a:ea typeface="Arial"/>
         <a:cs typeface=""/>
-        <a:font script="Jpan" typeface="游ゴシック Light"/>
-        <a:font script="Hang" typeface="맑은 고딕"/>
-        <a:font script="Hans" typeface="等线 Light"/>
-        <a:font script="Hant" typeface="新細明體"/>
-        <a:font script="Arab" typeface="Times New Roman"/>
-        <a:font script="Hebr" typeface="Times New Roman"/>
-        <a:font script="Thai" typeface="Angsana New"/>
-        <a:font script="Ethi" typeface="Nyala"/>
-        <a:font script="Beng" typeface="Vrinda"/>
-        <a:font script="Gujr" typeface="Shruti"/>
-        <a:font script="Khmr" typeface="MoolBoran"/>
-        <a:font script="Knda" typeface="Tunga"/>
-        <a:font script="Guru" typeface="Raavi"/>
-        <a:font script="Cans" typeface="Euphemia"/>
-        <a:font script="Cher" typeface="Plantagenet Cherokee"/>
-        <a:font script="Yiii" typeface="Microsoft Yi Baiti"/>
-        <a:font script="Tibt" typeface="Microsoft Himalaya"/>
-        <a:font script="Thaa" typeface="MV Boli"/>
-        <a:font script="Deva" typeface="Mangal"/>
-        <a:font script="Telu" typeface="Gautami"/>
-        <a:font script="Taml" typeface="Latha"/>
-        <a:font script="Syrc" typeface="Estrangelo Edessa"/>
-        <a:font script="Orya" typeface="Kalinga"/>
-        <a:font script="Mlym" typeface="Kartika"/>
-        <a:font script="Laoo" typeface="DokChampa"/>
-        <a:font script="Sinh" typeface="Iskoola Pota"/>
-        <a:font script="Mong" typeface="Mongolian Baiti"/>
-        <a:font script="Viet" typeface="Times New Roman"/>
-        <a:font script="Uigh" typeface="Microsoft Uighur"/>
-        <a:font script="Geor" typeface="Sylfaen"/>
       </a:majorFont>
       <a:minorFont>
-        <a:latin typeface="Calibri"/>
-        <a:ea typeface=""/>
+        <a:latin typeface="Arial"/>
+        <a:ea typeface="Arial"/>
         <a:cs typeface=""/>
-        <a:font script="Jpan" typeface="游ゴシック"/>
-        <a:font script="Hang" typeface="맑은 고딕"/>
-        <a:font script="Hans" typeface="等线"/>
-        <a:font script="Hant" typeface="新細明體"/>
-        <a:font script="Arab" typeface="Arial"/>
-        <a:font script="Hebr" typeface="Arial"/>
-        <a:font script="Thai" typeface="Cordia New"/>
-        <a:font script="Ethi" typeface="Nyala"/>
-        <a:font script="Beng" typeface="Vrinda"/>
-        <a:font script="Gujr" typeface="Shruti"/>
-        <a:font script="Khmr" typeface="DaunPenh"/>
-        <a:font script="Knda" typeface="Tunga"/>
-        <a:font script="Guru" typeface="Raavi"/>
-        <a:font script="Cans" typeface="Euphemia"/>
-        <a:font script="Cher" typeface="Plantagenet Cherokee"/>
-        <a:font script="Yiii" typeface="Microsoft Yi Baiti"/>
-        <a:font script="Tibt" typeface="Microsoft Himalaya"/>
-        <a:font script="Thaa" typeface="MV Boli"/>
-        <a:font script="Deva" typeface="Mangal"/>
-        <a:font script="Telu" typeface="Gautami"/>
-        <a:font script="Taml" typeface="Latha"/>
-        <a:font script="Syrc" typeface="Estrangelo Edessa"/>
-        <a:font script="Orya" typeface="Kalinga"/>
-        <a:font script="Mlym" typeface="Kartika"/>
-        <a:font script="Laoo" typeface="DokChampa"/>
-        <a:font script="Sinh" typeface="Iskoola Pota"/>
-        <a:font script="Mong" typeface="Mongolian Baiti"/>
-        <a:font script="Viet" typeface="Arial"/>
-        <a:font script="Uigh" typeface="Microsoft Uighur"/>
-        <a:font script="Geor" typeface="Sylfaen"/>
       </a:minorFont>
     </a:fontScheme>
-    <a:fmtScheme name="Стандартная">
+    <a:fmtScheme name="Office">
       <a:fillStyleLst>
         <a:solidFill>
           <a:schemeClr val="phClr"/>
@@ -6061,6 +5279,500 @@
       </a:bgFillStyleLst>
     </a:fmtScheme>
   </a:themeElements>
+  <a:extraClrSchemeLst>
+    <a:extraClrScheme>
+      <a:clrScheme name="">
+        <a:dk1>
+          <a:srgbClr val="000000"/>
+        </a:dk1>
+        <a:lt1>
+          <a:srgbClr val="FFFFFF"/>
+        </a:lt1>
+        <a:dk2>
+          <a:srgbClr val="000000"/>
+        </a:dk2>
+        <a:lt2>
+          <a:srgbClr val="969696"/>
+        </a:lt2>
+        <a:accent1>
+          <a:srgbClr val="FBDF53"/>
+        </a:accent1>
+        <a:accent2>
+          <a:srgbClr val="FF9966"/>
+        </a:accent2>
+        <a:accent3>
+          <a:srgbClr val="FFFFFF"/>
+        </a:accent3>
+        <a:accent4>
+          <a:srgbClr val="000000"/>
+        </a:accent4>
+        <a:accent5>
+          <a:srgbClr val="FDECB4"/>
+        </a:accent5>
+        <a:accent6>
+          <a:srgbClr val="E5895B"/>
+        </a:accent6>
+        <a:hlink>
+          <a:srgbClr val="CC3300"/>
+        </a:hlink>
+        <a:folHlink>
+          <a:srgbClr val="996600"/>
+        </a:folHlink>
+      </a:clrScheme>
+      <a:clrMap bg1="lt1" tx1="dk1" bg2="lt2" tx2="dk2" accent1="accent1" accent2="accent2" accent3="accent3" accent4="accent4" accent5="accent5" accent6="accent6" hlink="hlink" folHlink="folHlink"/>
+    </a:extraClrScheme>
+    <a:extraClrScheme>
+      <a:clrScheme name="">
+        <a:dk1>
+          <a:srgbClr val="000000"/>
+        </a:dk1>
+        <a:lt1>
+          <a:srgbClr val="FFFFFF"/>
+        </a:lt1>
+        <a:dk2>
+          <a:srgbClr val="000000"/>
+        </a:dk2>
+        <a:lt2>
+          <a:srgbClr val="808080"/>
+        </a:lt2>
+        <a:accent1>
+          <a:srgbClr val="99CCFF"/>
+        </a:accent1>
+        <a:accent2>
+          <a:srgbClr val="CCCCFF"/>
+        </a:accent2>
+        <a:accent3>
+          <a:srgbClr val="FFFFFF"/>
+        </a:accent3>
+        <a:accent4>
+          <a:srgbClr val="000000"/>
+        </a:accent4>
+        <a:accent5>
+          <a:srgbClr val="CAE2FF"/>
+        </a:accent5>
+        <a:accent6>
+          <a:srgbClr val="B7B7E5"/>
+        </a:accent6>
+        <a:hlink>
+          <a:srgbClr val="3333CC"/>
+        </a:hlink>
+        <a:folHlink>
+          <a:srgbClr val="AF67FF"/>
+        </a:folHlink>
+      </a:clrScheme>
+      <a:clrMap bg1="lt1" tx1="dk1" bg2="lt2" tx2="dk2" accent1="accent1" accent2="accent2" accent3="accent3" accent4="accent4" accent5="accent5" accent6="accent6" hlink="hlink" folHlink="folHlink"/>
+    </a:extraClrScheme>
+    <a:extraClrScheme>
+      <a:clrScheme name="">
+        <a:dk1>
+          <a:srgbClr val="000000"/>
+        </a:dk1>
+        <a:lt1>
+          <a:srgbClr val="DEF6F1"/>
+        </a:lt1>
+        <a:dk2>
+          <a:srgbClr val="000000"/>
+        </a:dk2>
+        <a:lt2>
+          <a:srgbClr val="969696"/>
+        </a:lt2>
+        <a:accent1>
+          <a:srgbClr val="FFFFFF"/>
+        </a:accent1>
+        <a:accent2>
+          <a:srgbClr val="8DC6FF"/>
+        </a:accent2>
+        <a:accent3>
+          <a:srgbClr val="EBFAF7"/>
+        </a:accent3>
+        <a:accent4>
+          <a:srgbClr val="000000"/>
+        </a:accent4>
+        <a:accent5>
+          <a:srgbClr val="FFFFFF"/>
+        </a:accent5>
+        <a:accent6>
+          <a:srgbClr val="7EB1E5"/>
+        </a:accent6>
+        <a:hlink>
+          <a:srgbClr val="0066CC"/>
+        </a:hlink>
+        <a:folHlink>
+          <a:srgbClr val="00A800"/>
+        </a:folHlink>
+      </a:clrScheme>
+      <a:clrMap bg1="lt1" tx1="dk1" bg2="lt2" tx2="dk2" accent1="accent1" accent2="accent2" accent3="accent3" accent4="accent4" accent5="accent5" accent6="accent6" hlink="hlink" folHlink="folHlink"/>
+    </a:extraClrScheme>
+    <a:extraClrScheme>
+      <a:clrScheme name="">
+        <a:dk1>
+          <a:srgbClr val="000000"/>
+        </a:dk1>
+        <a:lt1>
+          <a:srgbClr val="FFFFD9"/>
+        </a:lt1>
+        <a:dk2>
+          <a:srgbClr val="000000"/>
+        </a:dk2>
+        <a:lt2>
+          <a:srgbClr val="777777"/>
+        </a:lt2>
+        <a:accent1>
+          <a:srgbClr val="FFFFF7"/>
+        </a:accent1>
+        <a:accent2>
+          <a:srgbClr val="33CCCC"/>
+        </a:accent2>
+        <a:accent3>
+          <a:srgbClr val="FFFFE9"/>
+        </a:accent3>
+        <a:accent4>
+          <a:srgbClr val="000000"/>
+        </a:accent4>
+        <a:accent5>
+          <a:srgbClr val="FFFFFA"/>
+        </a:accent5>
+        <a:accent6>
+          <a:srgbClr val="2DB7B7"/>
+        </a:accent6>
+        <a:hlink>
+          <a:srgbClr val="FF5050"/>
+        </a:hlink>
+        <a:folHlink>
+          <a:srgbClr val="FF9900"/>
+        </a:folHlink>
+      </a:clrScheme>
+      <a:clrMap bg1="lt1" tx1="dk1" bg2="lt2" tx2="dk2" accent1="accent1" accent2="accent2" accent3="accent3" accent4="accent4" accent5="accent5" accent6="accent6" hlink="hlink" folHlink="folHlink"/>
+    </a:extraClrScheme>
+    <a:extraClrScheme>
+      <a:clrScheme name="">
+        <a:dk1>
+          <a:srgbClr val="FFFFFF"/>
+        </a:dk1>
+        <a:lt1>
+          <a:srgbClr val="008080"/>
+        </a:lt1>
+        <a:dk2>
+          <a:srgbClr val="FFFF99"/>
+        </a:dk2>
+        <a:lt2>
+          <a:srgbClr val="005A58"/>
+        </a:lt2>
+        <a:accent1>
+          <a:srgbClr val="006462"/>
+        </a:accent1>
+        <a:accent2>
+          <a:srgbClr val="6D6FC7"/>
+        </a:accent2>
+        <a:accent3>
+          <a:srgbClr val="AAC1C1"/>
+        </a:accent3>
+        <a:accent4>
+          <a:srgbClr val="DCDCDC"/>
+        </a:accent4>
+        <a:accent5>
+          <a:srgbClr val="AAB8B8"/>
+        </a:accent5>
+        <a:accent6>
+          <a:srgbClr val="6163B2"/>
+        </a:accent6>
+        <a:hlink>
+          <a:srgbClr val="00FFFF"/>
+        </a:hlink>
+        <a:folHlink>
+          <a:srgbClr val="00FF00"/>
+        </a:folHlink>
+      </a:clrScheme>
+      <a:clrMap bg1="lt1" tx1="dk1" bg2="lt2" tx2="dk2" accent1="accent1" accent2="accent2" accent3="accent3" accent4="accent4" accent5="accent5" accent6="accent6" hlink="hlink" folHlink="folHlink"/>
+    </a:extraClrScheme>
+    <a:extraClrScheme>
+      <a:clrScheme name="">
+        <a:dk1>
+          <a:srgbClr val="FFFFFF"/>
+        </a:dk1>
+        <a:lt1>
+          <a:srgbClr val="800000"/>
+        </a:lt1>
+        <a:dk2>
+          <a:srgbClr val="DFD293"/>
+        </a:dk2>
+        <a:lt2>
+          <a:srgbClr val="5C1F00"/>
+        </a:lt2>
+        <a:accent1>
+          <a:srgbClr val="CC3300"/>
+        </a:accent1>
+        <a:accent2>
+          <a:srgbClr val="BE7960"/>
+        </a:accent2>
+        <a:accent3>
+          <a:srgbClr val="C1AAAA"/>
+        </a:accent3>
+        <a:accent4>
+          <a:srgbClr val="DCDCDC"/>
+        </a:accent4>
+        <a:accent5>
+          <a:srgbClr val="E2ADAA"/>
+        </a:accent5>
+        <a:accent6>
+          <a:srgbClr val="AA6C55"/>
+        </a:accent6>
+        <a:hlink>
+          <a:srgbClr val="FFFF99"/>
+        </a:hlink>
+        <a:folHlink>
+          <a:srgbClr val="D3A219"/>
+        </a:folHlink>
+      </a:clrScheme>
+      <a:clrMap bg1="lt1" tx1="dk1" bg2="lt2" tx2="dk2" accent1="accent1" accent2="accent2" accent3="accent3" accent4="accent4" accent5="accent5" accent6="accent6" hlink="hlink" folHlink="folHlink"/>
+    </a:extraClrScheme>
+    <a:extraClrScheme>
+      <a:clrScheme name="">
+        <a:dk1>
+          <a:srgbClr val="FFFFFF"/>
+        </a:dk1>
+        <a:lt1>
+          <a:srgbClr val="000099"/>
+        </a:lt1>
+        <a:dk2>
+          <a:srgbClr val="CCFFFF"/>
+        </a:dk2>
+        <a:lt2>
+          <a:srgbClr val="003366"/>
+        </a:lt2>
+        <a:accent1>
+          <a:srgbClr val="3366CC"/>
+        </a:accent1>
+        <a:accent2>
+          <a:srgbClr val="00B000"/>
+        </a:accent2>
+        <a:accent3>
+          <a:srgbClr val="AAAACA"/>
+        </a:accent3>
+        <a:accent4>
+          <a:srgbClr val="DCDCDC"/>
+        </a:accent4>
+        <a:accent5>
+          <a:srgbClr val="ADB9E2"/>
+        </a:accent5>
+        <a:accent6>
+          <a:srgbClr val="009D00"/>
+        </a:accent6>
+        <a:hlink>
+          <a:srgbClr val="66CCFF"/>
+        </a:hlink>
+        <a:folHlink>
+          <a:srgbClr val="FFE701"/>
+        </a:folHlink>
+      </a:clrScheme>
+      <a:clrMap bg1="lt1" tx1="dk1" bg2="lt2" tx2="dk2" accent1="accent1" accent2="accent2" accent3="accent3" accent4="accent4" accent5="accent5" accent6="accent6" hlink="hlink" folHlink="folHlink"/>
+    </a:extraClrScheme>
+    <a:extraClrScheme>
+      <a:clrScheme name="">
+        <a:dk1>
+          <a:srgbClr val="FFFFFF"/>
+        </a:dk1>
+        <a:lt1>
+          <a:srgbClr val="000000"/>
+        </a:lt1>
+        <a:dk2>
+          <a:srgbClr val="E3EBF1"/>
+        </a:dk2>
+        <a:lt2>
+          <a:srgbClr val="336699"/>
+        </a:lt2>
+        <a:accent1>
+          <a:srgbClr val="003399"/>
+        </a:accent1>
+        <a:accent2>
+          <a:srgbClr val="468A4B"/>
+        </a:accent2>
+        <a:accent3>
+          <a:srgbClr val="AAAAAA"/>
+        </a:accent3>
+        <a:accent4>
+          <a:srgbClr val="DCDCDC"/>
+        </a:accent4>
+        <a:accent5>
+          <a:srgbClr val="AAADCA"/>
+        </a:accent5>
+        <a:accent6>
+          <a:srgbClr val="3E7B43"/>
+        </a:accent6>
+        <a:hlink>
+          <a:srgbClr val="66CCFF"/>
+        </a:hlink>
+        <a:folHlink>
+          <a:srgbClr val="F0E500"/>
+        </a:folHlink>
+      </a:clrScheme>
+      <a:clrMap bg1="lt1" tx1="dk1" bg2="lt2" tx2="dk2" accent1="accent1" accent2="accent2" accent3="accent3" accent4="accent4" accent5="accent5" accent6="accent6" hlink="hlink" folHlink="folHlink"/>
+    </a:extraClrScheme>
+    <a:extraClrScheme>
+      <a:clrScheme name="">
+        <a:dk1>
+          <a:srgbClr val="FFFFFF"/>
+        </a:dk1>
+        <a:lt1>
+          <a:srgbClr val="686B5D"/>
+        </a:lt1>
+        <a:dk2>
+          <a:srgbClr val="D1D1CB"/>
+        </a:dk2>
+        <a:lt2>
+          <a:srgbClr val="777777"/>
+        </a:lt2>
+        <a:accent1>
+          <a:srgbClr val="909082"/>
+        </a:accent1>
+        <a:accent2>
+          <a:srgbClr val="809EA8"/>
+        </a:accent2>
+        <a:accent3>
+          <a:srgbClr val="B9BAB6"/>
+        </a:accent3>
+        <a:accent4>
+          <a:srgbClr val="DCDCDC"/>
+        </a:accent4>
+        <a:accent5>
+          <a:srgbClr val="C7C7C1"/>
+        </a:accent5>
+        <a:accent6>
+          <a:srgbClr val="728D96"/>
+        </a:accent6>
+        <a:hlink>
+          <a:srgbClr val="FFCC66"/>
+        </a:hlink>
+        <a:folHlink>
+          <a:srgbClr val="E9DCB9"/>
+        </a:folHlink>
+      </a:clrScheme>
+      <a:clrMap bg1="lt1" tx1="dk1" bg2="lt2" tx2="dk2" accent1="accent1" accent2="accent2" accent3="accent3" accent4="accent4" accent5="accent5" accent6="accent6" hlink="hlink" folHlink="folHlink"/>
+    </a:extraClrScheme>
+    <a:extraClrScheme>
+      <a:clrScheme name="">
+        <a:dk1>
+          <a:srgbClr val="FFFFFF"/>
+        </a:dk1>
+        <a:lt1>
+          <a:srgbClr val="666699"/>
+        </a:lt1>
+        <a:dk2>
+          <a:srgbClr val="FFFFFF"/>
+        </a:dk2>
+        <a:lt2>
+          <a:srgbClr val="3E3E5C"/>
+        </a:lt2>
+        <a:accent1>
+          <a:srgbClr val="60597B"/>
+        </a:accent1>
+        <a:accent2>
+          <a:srgbClr val="6666FF"/>
+        </a:accent2>
+        <a:accent3>
+          <a:srgbClr val="B9B9CA"/>
+        </a:accent3>
+        <a:accent4>
+          <a:srgbClr val="DCDCDC"/>
+        </a:accent4>
+        <a:accent5>
+          <a:srgbClr val="B7B5BF"/>
+        </a:accent5>
+        <a:accent6>
+          <a:srgbClr val="5B5BE5"/>
+        </a:accent6>
+        <a:hlink>
+          <a:srgbClr val="99CCFF"/>
+        </a:hlink>
+        <a:folHlink>
+          <a:srgbClr val="FFFF99"/>
+        </a:folHlink>
+      </a:clrScheme>
+      <a:clrMap bg1="lt1" tx1="dk1" bg2="lt2" tx2="dk2" accent1="accent1" accent2="accent2" accent3="accent3" accent4="accent4" accent5="accent5" accent6="accent6" hlink="hlink" folHlink="folHlink"/>
+    </a:extraClrScheme>
+    <a:extraClrScheme>
+      <a:clrScheme name="">
+        <a:dk1>
+          <a:srgbClr val="FFFFFF"/>
+        </a:dk1>
+        <a:lt1>
+          <a:srgbClr val="523E26"/>
+        </a:lt1>
+        <a:dk2>
+          <a:srgbClr val="DFC08D"/>
+        </a:dk2>
+        <a:lt2>
+          <a:srgbClr val="2D2015"/>
+        </a:lt2>
+        <a:accent1>
+          <a:srgbClr val="8C7B70"/>
+        </a:accent1>
+        <a:accent2>
+          <a:srgbClr val="8F5F2F"/>
+        </a:accent2>
+        <a:accent3>
+          <a:srgbClr val="B3AFAB"/>
+        </a:accent3>
+        <a:accent4>
+          <a:srgbClr val="DCDCDC"/>
+        </a:accent4>
+        <a:accent5>
+          <a:srgbClr val="C5BFBC"/>
+        </a:accent5>
+        <a:accent6>
+          <a:srgbClr val="805529"/>
+        </a:accent6>
+        <a:hlink>
+          <a:srgbClr val="CCB400"/>
+        </a:hlink>
+        <a:folHlink>
+          <a:srgbClr val="8C9EA0"/>
+        </a:folHlink>
+      </a:clrScheme>
+      <a:clrMap bg1="lt1" tx1="dk1" bg2="lt2" tx2="dk2" accent1="accent1" accent2="accent2" accent3="accent3" accent4="accent4" accent5="accent5" accent6="accent6" hlink="hlink" folHlink="folHlink"/>
+    </a:extraClrScheme>
+    <a:extraClrScheme>
+      <a:clrScheme name="">
+        <a:dk1>
+          <a:srgbClr val="000000"/>
+        </a:dk1>
+        <a:lt1>
+          <a:srgbClr val="FFFFFF"/>
+        </a:lt1>
+        <a:dk2>
+          <a:srgbClr val="000000"/>
+        </a:dk2>
+        <a:lt2>
+          <a:srgbClr val="808080"/>
+        </a:lt2>
+        <a:accent1>
+          <a:srgbClr val="7DB6EF"/>
+        </a:accent1>
+        <a:accent2>
+          <a:srgbClr val="C0504D"/>
+        </a:accent2>
+        <a:accent3>
+          <a:srgbClr val="FFFFFF"/>
+        </a:accent3>
+        <a:accent4>
+          <a:srgbClr val="000000"/>
+        </a:accent4>
+        <a:accent5>
+          <a:srgbClr val="C0D7F5"/>
+        </a:accent5>
+        <a:accent6>
+          <a:srgbClr val="AC4744"/>
+        </a:accent6>
+        <a:hlink>
+          <a:srgbClr val="0066CC"/>
+        </a:hlink>
+        <a:folHlink>
+          <a:srgbClr val="800080"/>
+        </a:folHlink>
+      </a:clrScheme>
+      <a:clrMap bg1="lt1" tx1="dk1" bg2="lt2" tx2="dk2" accent1="accent1" accent2="accent2" accent3="accent3" accent4="accent4" accent5="accent5" accent6="accent6" hlink="hlink" folHlink="folHlink"/>
+    </a:extraClrScheme>
+  </a:extraClrSchemeLst>
   <a:extLst>
     <a:ext uri="{05A4C25C-085E-4340-85A3-A5531E510DB2}">
       <thm15:themeFamily xmlns:thm15="http://schemas.microsoft.com/office/thememl/2012/main" name="Office Theme" id="{62F939B6-93AF-4DB8-9C6B-D6C7DFDC589F}" vid="{4A3C46E8-61CC-4603-A589-7422A47A8E4A}"/>
